--- a/images/replication/terms.pptx
+++ b/images/replication/terms.pptx
@@ -104,6 +104,11 @@
       </a:defRPr>
     </a:lvl9pPr>
   </p:defaultTextStyle>
+  <p:extLst>
+    <p:ext uri="{EFAFB233-063F-42B5-8137-9DF3F51BA10A}">
+      <p15:sldGuideLst xmlns:p15="http://schemas.microsoft.com/office/powerpoint/2012/main"/>
+    </p:ext>
+  </p:extLst>
 </p:presentation>
 </file>
 
@@ -254,7 +259,7 @@
           <a:p>
             <a:fld id="{D7E6124A-1481-9F4D-BC02-F6A3A1AB3571}" type="datetimeFigureOut">
               <a:rPr lang="en-US" smtClean="0"/>
-              <a:t>9/6/21</a:t>
+              <a:t>6/17/22</a:t>
             </a:fld>
             <a:endParaRPr lang="en-US"/>
           </a:p>
@@ -452,7 +457,7 @@
           <a:p>
             <a:fld id="{D7E6124A-1481-9F4D-BC02-F6A3A1AB3571}" type="datetimeFigureOut">
               <a:rPr lang="en-US" smtClean="0"/>
-              <a:t>9/6/21</a:t>
+              <a:t>6/17/22</a:t>
             </a:fld>
             <a:endParaRPr lang="en-US"/>
           </a:p>
@@ -660,7 +665,7 @@
           <a:p>
             <a:fld id="{D7E6124A-1481-9F4D-BC02-F6A3A1AB3571}" type="datetimeFigureOut">
               <a:rPr lang="en-US" smtClean="0"/>
-              <a:t>9/6/21</a:t>
+              <a:t>6/17/22</a:t>
             </a:fld>
             <a:endParaRPr lang="en-US"/>
           </a:p>
@@ -858,7 +863,7 @@
           <a:p>
             <a:fld id="{D7E6124A-1481-9F4D-BC02-F6A3A1AB3571}" type="datetimeFigureOut">
               <a:rPr lang="en-US" smtClean="0"/>
-              <a:t>9/6/21</a:t>
+              <a:t>6/17/22</a:t>
             </a:fld>
             <a:endParaRPr lang="en-US"/>
           </a:p>
@@ -1133,7 +1138,7 @@
           <a:p>
             <a:fld id="{D7E6124A-1481-9F4D-BC02-F6A3A1AB3571}" type="datetimeFigureOut">
               <a:rPr lang="en-US" smtClean="0"/>
-              <a:t>9/6/21</a:t>
+              <a:t>6/17/22</a:t>
             </a:fld>
             <a:endParaRPr lang="en-US"/>
           </a:p>
@@ -1398,7 +1403,7 @@
           <a:p>
             <a:fld id="{D7E6124A-1481-9F4D-BC02-F6A3A1AB3571}" type="datetimeFigureOut">
               <a:rPr lang="en-US" smtClean="0"/>
-              <a:t>9/6/21</a:t>
+              <a:t>6/17/22</a:t>
             </a:fld>
             <a:endParaRPr lang="en-US"/>
           </a:p>
@@ -1810,7 +1815,7 @@
           <a:p>
             <a:fld id="{D7E6124A-1481-9F4D-BC02-F6A3A1AB3571}" type="datetimeFigureOut">
               <a:rPr lang="en-US" smtClean="0"/>
-              <a:t>9/6/21</a:t>
+              <a:t>6/17/22</a:t>
             </a:fld>
             <a:endParaRPr lang="en-US"/>
           </a:p>
@@ -1951,7 +1956,7 @@
           <a:p>
             <a:fld id="{D7E6124A-1481-9F4D-BC02-F6A3A1AB3571}" type="datetimeFigureOut">
               <a:rPr lang="en-US" smtClean="0"/>
-              <a:t>9/6/21</a:t>
+              <a:t>6/17/22</a:t>
             </a:fld>
             <a:endParaRPr lang="en-US"/>
           </a:p>
@@ -2064,7 +2069,7 @@
           <a:p>
             <a:fld id="{D7E6124A-1481-9F4D-BC02-F6A3A1AB3571}" type="datetimeFigureOut">
               <a:rPr lang="en-US" smtClean="0"/>
-              <a:t>9/6/21</a:t>
+              <a:t>6/17/22</a:t>
             </a:fld>
             <a:endParaRPr lang="en-US"/>
           </a:p>
@@ -2375,7 +2380,7 @@
           <a:p>
             <a:fld id="{D7E6124A-1481-9F4D-BC02-F6A3A1AB3571}" type="datetimeFigureOut">
               <a:rPr lang="en-US" smtClean="0"/>
-              <a:t>9/6/21</a:t>
+              <a:t>6/17/22</a:t>
             </a:fld>
             <a:endParaRPr lang="en-US"/>
           </a:p>
@@ -2663,7 +2668,7 @@
           <a:p>
             <a:fld id="{D7E6124A-1481-9F4D-BC02-F6A3A1AB3571}" type="datetimeFigureOut">
               <a:rPr lang="en-US" smtClean="0"/>
-              <a:t>9/6/21</a:t>
+              <a:t>6/17/22</a:t>
             </a:fld>
             <a:endParaRPr lang="en-US"/>
           </a:p>
@@ -2904,7 +2909,7 @@
           <a:p>
             <a:fld id="{D7E6124A-1481-9F4D-BC02-F6A3A1AB3571}" type="datetimeFigureOut">
               <a:rPr lang="en-US" smtClean="0"/>
-              <a:t>9/6/21</a:t>
+              <a:t>6/17/22</a:t>
             </a:fld>
             <a:endParaRPr lang="en-US"/>
           </a:p>
@@ -3336,14 +3341,14 @@
           <p:nvPr>
             <p:extLst>
               <p:ext uri="{D42A27DB-BD31-4B8C-83A1-F6EECF244321}">
-                <p14:modId xmlns:p14="http://schemas.microsoft.com/office/powerpoint/2010/main" val="2967354539"/>
+                <p14:modId xmlns:p14="http://schemas.microsoft.com/office/powerpoint/2010/main" val="3632655735"/>
               </p:ext>
             </p:extLst>
           </p:nvPr>
         </p:nvGraphicFramePr>
         <p:xfrm>
           <a:off x="605639" y="228600"/>
-          <a:ext cx="5692419" cy="3277916"/>
+          <a:ext cx="5692419" cy="3200401"/>
         </p:xfrm>
         <a:graphic>
           <a:graphicData uri="http://schemas.openxmlformats.org/drawingml/2006/table">
@@ -3388,7 +3393,12 @@
                     <a:lstStyle/>
                     <a:p>
                       <a:pPr algn="ctr"/>
-                      <a:endParaRPr lang="en-US" sz="1400" dirty="0"/>
+                      <a:endParaRPr lang="en-US" sz="2000" dirty="0">
+                        <a:solidFill>
+                          <a:schemeClr val="tx1"/>
+                        </a:solidFill>
+                        <a:latin typeface="Times" pitchFamily="2" charset="0"/>
+                      </a:endParaRPr>
                     </a:p>
                   </a:txBody>
                   <a:tcPr anchor="ctr">
@@ -3401,7 +3411,12 @@
                     <a:lstStyle/>
                     <a:p>
                       <a:pPr algn="ctr"/>
-                      <a:endParaRPr lang="en-US" sz="1400"/>
+                      <a:endParaRPr lang="en-US" sz="2000" dirty="0">
+                        <a:solidFill>
+                          <a:schemeClr val="tx1"/>
+                        </a:solidFill>
+                        <a:latin typeface="Times" pitchFamily="2" charset="0"/>
+                      </a:endParaRPr>
                     </a:p>
                   </a:txBody>
                   <a:tcPr anchor="ctr">
@@ -3415,10 +3430,11 @@
                     <a:p>
                       <a:pPr algn="ctr"/>
                       <a:r>
-                        <a:rPr lang="en-US" sz="3200" b="1" dirty="0">
+                        <a:rPr lang="en-US" sz="2000" b="1" dirty="0">
                           <a:solidFill>
-                            <a:schemeClr val="bg1"/>
+                            <a:schemeClr val="tx1"/>
                           </a:solidFill>
+                          <a:latin typeface="Times" pitchFamily="2" charset="0"/>
                         </a:rPr>
                         <a:t>Dataset</a:t>
                       </a:r>
@@ -3426,7 +3442,7 @@
                   </a:txBody>
                   <a:tcPr anchor="ctr">
                     <a:solidFill>
-                      <a:schemeClr val="accent1"/>
+                      <a:schemeClr val="bg1"/>
                     </a:solidFill>
                   </a:tcPr>
                 </a:tc>
@@ -3453,7 +3469,12 @@
                     <a:lstStyle/>
                     <a:p>
                       <a:pPr algn="ctr"/>
-                      <a:endParaRPr lang="en-US" sz="1400" dirty="0"/>
+                      <a:endParaRPr lang="en-US" sz="2000" dirty="0">
+                        <a:solidFill>
+                          <a:schemeClr val="tx1"/>
+                        </a:solidFill>
+                        <a:latin typeface="Times" pitchFamily="2" charset="0"/>
+                      </a:endParaRPr>
                     </a:p>
                   </a:txBody>
                   <a:tcPr anchor="ctr">
@@ -3466,7 +3487,12 @@
                     <a:lstStyle/>
                     <a:p>
                       <a:pPr algn="ctr"/>
-                      <a:endParaRPr lang="en-US" sz="1400" dirty="0"/>
+                      <a:endParaRPr lang="en-US" sz="2000" dirty="0">
+                        <a:solidFill>
+                          <a:schemeClr val="tx1"/>
+                        </a:solidFill>
+                        <a:latin typeface="Times" pitchFamily="2" charset="0"/>
+                      </a:endParaRPr>
                     </a:p>
                   </a:txBody>
                   <a:tcPr anchor="ctr">
@@ -3480,16 +3506,20 @@
                     <a:p>
                       <a:pPr algn="ctr"/>
                       <a:r>
-                        <a:rPr lang="en-US" sz="2000" b="1" dirty="0"/>
+                        <a:rPr lang="en-US" sz="2000" b="1" dirty="0">
+                          <a:solidFill>
+                            <a:schemeClr val="tx1"/>
+                          </a:solidFill>
+                          <a:latin typeface="Times" pitchFamily="2" charset="0"/>
+                        </a:rPr>
                         <a:t>Same</a:t>
                       </a:r>
                     </a:p>
                   </a:txBody>
                   <a:tcPr anchor="ctr">
                     <a:solidFill>
-                      <a:schemeClr val="accent1">
-                        <a:lumMod val="60000"/>
-                        <a:lumOff val="40000"/>
+                      <a:schemeClr val="bg1">
+                        <a:lumMod val="85000"/>
                       </a:schemeClr>
                     </a:solidFill>
                   </a:tcPr>
@@ -3501,16 +3531,20 @@
                     <a:p>
                       <a:pPr algn="ctr"/>
                       <a:r>
-                        <a:rPr lang="en-US" sz="2000" b="1" dirty="0"/>
+                        <a:rPr lang="en-US" sz="2000" b="1" dirty="0">
+                          <a:solidFill>
+                            <a:schemeClr val="tx1"/>
+                          </a:solidFill>
+                          <a:latin typeface="Times" pitchFamily="2" charset="0"/>
+                        </a:rPr>
                         <a:t>Different</a:t>
                       </a:r>
                     </a:p>
                   </a:txBody>
                   <a:tcPr anchor="ctr">
                     <a:solidFill>
-                      <a:schemeClr val="accent1">
-                        <a:lumMod val="60000"/>
-                        <a:lumOff val="40000"/>
+                      <a:schemeClr val="bg1">
+                        <a:lumMod val="85000"/>
                       </a:schemeClr>
                     </a:solidFill>
                   </a:tcPr>
@@ -3529,10 +3563,11 @@
                     <a:p>
                       <a:pPr algn="ctr"/>
                       <a:r>
-                        <a:rPr lang="en-US" sz="3200" b="1" dirty="0">
+                        <a:rPr lang="en-US" sz="2000" b="1" dirty="0">
                           <a:solidFill>
-                            <a:schemeClr val="bg1"/>
+                            <a:schemeClr val="tx1"/>
                           </a:solidFill>
+                          <a:latin typeface="Times" pitchFamily="2" charset="0"/>
                         </a:rPr>
                         <a:t>Analysis</a:t>
                       </a:r>
@@ -3540,7 +3575,7 @@
                   </a:txBody>
                   <a:tcPr vert="vert270" anchor="ctr">
                     <a:solidFill>
-                      <a:schemeClr val="accent1"/>
+                      <a:schemeClr val="bg1"/>
                     </a:solidFill>
                   </a:tcPr>
                 </a:tc>
@@ -3551,16 +3586,20 @@
                     <a:p>
                       <a:pPr algn="ctr"/>
                       <a:r>
-                        <a:rPr lang="en-US" sz="2000" b="1" dirty="0"/>
+                        <a:rPr lang="en-US" sz="2000" b="1" dirty="0">
+                          <a:solidFill>
+                            <a:schemeClr val="tx1"/>
+                          </a:solidFill>
+                          <a:latin typeface="Times" pitchFamily="2" charset="0"/>
+                        </a:rPr>
                         <a:t>Same</a:t>
                       </a:r>
                     </a:p>
                   </a:txBody>
                   <a:tcPr vert="vert270" anchor="ctr">
                     <a:solidFill>
-                      <a:schemeClr val="accent1">
-                        <a:lumMod val="60000"/>
-                        <a:lumOff val="40000"/>
+                      <a:schemeClr val="bg1">
+                        <a:lumMod val="85000"/>
                       </a:schemeClr>
                     </a:solidFill>
                   </a:tcPr>
@@ -3572,12 +3611,23 @@
                     <a:p>
                       <a:pPr algn="ctr"/>
                       <a:r>
-                        <a:rPr lang="en-US" sz="2400" dirty="0"/>
+                        <a:rPr lang="en-US" sz="2000" dirty="0">
+                          <a:solidFill>
+                            <a:schemeClr val="tx1"/>
+                          </a:solidFill>
+                          <a:latin typeface="Times" pitchFamily="2" charset="0"/>
+                        </a:rPr>
                         <a:t>Reproducible</a:t>
                       </a:r>
                     </a:p>
                   </a:txBody>
-                  <a:tcPr anchor="ctr"/>
+                  <a:tcPr anchor="ctr">
+                    <a:solidFill>
+                      <a:schemeClr val="bg1">
+                        <a:lumMod val="95000"/>
+                      </a:schemeClr>
+                    </a:solidFill>
+                  </a:tcPr>
                 </a:tc>
                 <a:tc>
                   <a:txBody>
@@ -3586,12 +3636,23 @@
                     <a:p>
                       <a:pPr algn="ctr"/>
                       <a:r>
-                        <a:rPr lang="en-US" sz="2400" dirty="0"/>
+                        <a:rPr lang="en-US" sz="2000" dirty="0">
+                          <a:solidFill>
+                            <a:schemeClr val="tx1"/>
+                          </a:solidFill>
+                          <a:latin typeface="Times" pitchFamily="2" charset="0"/>
+                        </a:rPr>
                         <a:t>Replicable</a:t>
                       </a:r>
                     </a:p>
                   </a:txBody>
-                  <a:tcPr anchor="ctr"/>
+                  <a:tcPr anchor="ctr">
+                    <a:solidFill>
+                      <a:schemeClr val="bg1">
+                        <a:lumMod val="95000"/>
+                      </a:schemeClr>
+                    </a:solidFill>
+                  </a:tcPr>
                 </a:tc>
                 <a:extLst>
                   <a:ext uri="{0D108BD9-81ED-4DB2-BD59-A6C34878D82A}">
@@ -3617,16 +3678,20 @@
                     <a:p>
                       <a:pPr algn="ctr"/>
                       <a:r>
-                        <a:rPr lang="en-US" sz="2000" b="1" dirty="0"/>
+                        <a:rPr lang="en-US" sz="2000" b="1" dirty="0">
+                          <a:solidFill>
+                            <a:schemeClr val="tx1"/>
+                          </a:solidFill>
+                          <a:latin typeface="Times" pitchFamily="2" charset="0"/>
+                        </a:rPr>
                         <a:t>Different</a:t>
                       </a:r>
                     </a:p>
                   </a:txBody>
                   <a:tcPr vert="vert270" anchor="ctr">
                     <a:solidFill>
-                      <a:schemeClr val="accent1">
-                        <a:lumMod val="60000"/>
-                        <a:lumOff val="40000"/>
+                      <a:schemeClr val="bg1">
+                        <a:lumMod val="85000"/>
                       </a:schemeClr>
                     </a:solidFill>
                   </a:tcPr>
@@ -3638,12 +3703,23 @@
                     <a:p>
                       <a:pPr algn="ctr"/>
                       <a:r>
-                        <a:rPr lang="en-US" sz="2400" dirty="0"/>
+                        <a:rPr lang="en-US" sz="2000" dirty="0">
+                          <a:solidFill>
+                            <a:schemeClr val="tx1"/>
+                          </a:solidFill>
+                          <a:latin typeface="Times" pitchFamily="2" charset="0"/>
+                        </a:rPr>
                         <a:t>Robust</a:t>
                       </a:r>
                     </a:p>
                   </a:txBody>
-                  <a:tcPr anchor="ctr"/>
+                  <a:tcPr anchor="ctr">
+                    <a:solidFill>
+                      <a:schemeClr val="bg1">
+                        <a:lumMod val="95000"/>
+                      </a:schemeClr>
+                    </a:solidFill>
+                  </a:tcPr>
                 </a:tc>
                 <a:tc>
                   <a:txBody>
@@ -3651,13 +3727,17 @@
                     <a:lstStyle/>
                     <a:p>
                       <a:pPr algn="ctr"/>
-                      <a:r>
-                        <a:rPr lang="en-US" sz="2400" dirty="0"/>
-                        <a:t>Generalizable</a:t>
-                      </a:r>
+                      <a:endParaRPr lang="en-US" sz="2000" dirty="0">
+                        <a:solidFill>
+                          <a:schemeClr val="tx1"/>
+                        </a:solidFill>
+                        <a:latin typeface="Times" pitchFamily="2" charset="0"/>
+                      </a:endParaRPr>
                     </a:p>
                   </a:txBody>
-                  <a:tcPr anchor="ctr"/>
+                  <a:tcPr anchor="ctr">
+                    <a:noFill/>
+                  </a:tcPr>
                 </a:tc>
                 <a:extLst>
                   <a:ext uri="{0D108BD9-81ED-4DB2-BD59-A6C34878D82A}">

--- a/images/replication/terms.pptx
+++ b/images/replication/terms.pptx
@@ -6,6 +6,7 @@
   </p:sldMasterIdLst>
   <p:sldIdLst>
     <p:sldId id="256" r:id="rId2"/>
+    <p:sldId id="257" r:id="rId3"/>
   </p:sldIdLst>
   <p:sldSz cx="12192000" cy="6858000"/>
   <p:notesSz cx="6858000" cy="9144000"/>
@@ -112,6 +113,681 @@
 </p:presentation>
 </file>
 
+<file path=ppt/ink/ink1.xml><?xml version="1.0" encoding="utf-8"?>
+<inkml:ink xmlns:inkml="http://www.w3.org/2003/InkML">
+  <inkml:definitions>
+    <inkml:context xml:id="ctx0">
+      <inkml:inkSource xml:id="inkSrc0">
+        <inkml:traceFormat>
+          <inkml:channel name="X" type="integer" min="-2.14748E9" max="2.14748E9" units="cm"/>
+          <inkml:channel name="Y" type="integer" min="-2.14748E9" max="2.14748E9" units="cm"/>
+          <inkml:channel name="F" type="integer" max="32767" units="dev"/>
+        </inkml:traceFormat>
+        <inkml:channelProperties>
+          <inkml:channelProperty channel="X" name="resolution" value="1000" units="1/cm"/>
+          <inkml:channelProperty channel="Y" name="resolution" value="1000" units="1/cm"/>
+          <inkml:channelProperty channel="F" name="resolution" value="0" units="1/dev"/>
+        </inkml:channelProperties>
+      </inkml:inkSource>
+      <inkml:timestamp xml:id="ts0" timeString="2022-09-14T21:56:23.043"/>
+    </inkml:context>
+    <inkml:brush xml:id="br0">
+      <inkml:brushProperty name="width" value="0.1" units="cm"/>
+      <inkml:brushProperty name="height" value="0.1" units="cm"/>
+    </inkml:brush>
+  </inkml:definitions>
+  <inkml:trace contextRef="#ctx0" brushRef="#br0">0 1 24575,'0'15'0,"0"4"0,0 3 0,0 0 0,5 9 0,-4-7 0,7 8 0,-3 12 0,0-12 0,0 12 0,-5-18 0,4 1 0,-3 0 0,7 0 0,-3 0 0,0 0 0,3 0 0,-3 5 0,4 1 0,1 6 0,0 6 0,0-4 0,-4 10 0,-2-5 0,-4 1 0,0 4 0,0-10 0,0 21 0,0-19 0,0 14 0,0-12 0,0-5 0,5 11 0,-4 10 0,4-11 0,-5 22 0,0-23 0,0 42 0,0-37 0,0 43 0,0-41 0,0 20 0,0-8 0,5 0 0,-4-7 0,4 5 0,-5-12 0,0 6 0,0-7 0,0 29 0,0-21 0,0 22 0,0-31 0,0 1 0,0 0 0,0-1 0,0 1 0,0 6 0,0-4 0,0 4 0,0 0 0,0-5 0,5 13 0,-4-13 0,4-1 0,-5-2 0,0-10 0,0 4 0,0-6 0,0-5 0,0 3 0,0-9 0,0 0 0,0-2 0,0-4 0,0 0 0,0 4 0,0-4 0,0 5 0,0-1 0,-4 1 0,3 0 0,-7 5 0,3-4 0,0 10 0,-3-10 0,7 10 0,-3-10 0,4 4 0,0-5 0,0 0 0,0 5 0,0-4 0,0 16 0,0-9 0,0 10 0,0-6 0,0 0 0,0-5 0,0-7 0,0-6 0,0-5 0,0-3 0,0-2 0,0-4 0,0 1 0,-4 15 0,3-3 0,-6 14 0,6-2 0,-3 2 0,0 0 0,3 3 0,-3-3 0,4-1 0,0 5 0,0-10 0,0 4 0,0-5 0,0 0 0,0 5 0,-4-4 0,3 4 0,-3 1 0,0-5 0,3 4 0,-3-6 0,0-3 0,3 2 0,-2-11 0,3 9 0,0-14 0,0 6 0,0-8 0,0 0 0,0 1 0,0-1 0,0 4 0,0 2 0,0 3 0,0 5 0,0-7 0,0 6 0,0-12 0,0 3 0,0-3 0,0-1 0,-4 0 0,4 1 0,-4-1 0,4 0 0,0 1 0,-3 2 0,2-1 0,-2 1 0,3-3 0,0 0 0,0 0 0,0 0 0,0 5 0,0 0 0,0 0 0,0 3 0,0-6 0,0 2 0,0-3 0,0-1 0,0 0 0,0 0 0,0 1 0,0 3 0,0 11 0,0 2 0,0 8 0,0-6 0,0 1 0,0-5 0,0-1 0,0-4 0,0-5 0,0-1 0,0-3 0,0-1 0,0 4 0,0 11 0,0 2 0,0 13 0,-4-4 0,11-11 0,8-5 0,15-17 0,9 0 0,0 0 0,0 0 0,0 0 0,0 0 0,6 0 0,1 0 0,7 0 0,-1 0 0,-6 0 0,5 0 0,-11 0 0,5 4 0,-6-2 0,0 6 0,0-7 0,-6 7 0,5-7 0,1 8 0,2-8 0,4 8 0,-6-8 0,0 8 0,0-8 0,-1 3 0,8-4 0,-6 0 0,11 0 0,-4 0 0,5 0 0,1 0 0,7 0 0,-6 0 0,5 0 0,-6 0 0,-1 0 0,-6 0 0,5-4 0,-10 2 0,-1-2 0,-8 4 0,0-5 0,-4 4 0,4-7 0,1 7 0,0-3 0,6 4 0,0-4 0,0 3 0,6-4 0,-4 1 0,4 3 0,0-8 0,1 8 0,1-4 0,4 5 0,-5-5 0,30 4 0,-17-3 0,17 4 0,-30 0 0,-2 0 0,-5 0 0,0 0 0,0 0 0,-6 0 0,5 0 0,-10 0 0,9 0 0,-8 0 0,8 0 0,-3 0 0,10 0 0,9 0 0,8 0 0,-6 0 0,17 0 0,-15 0 0,26 0 0,-20 0 0,11 0 0,-23 0 0,0 0 0,25 0 0,-21 0 0,-1 0 0,5 0 0,1 0 0,-14 0 0,5 0 0,-16 0 0,9 0 0,-11 0 0,1 0 0,-2 0 0,-5 0 0,-1 0 0,1 0 0,0 0 0,0 0 0,0 0 0,0 0 0,0 0 0,-5 3 0,3 2 0,-3 4 0,1-4 0,9 6 0,-8-9 0,11 6 0,-9-4 0,1-3 0,0 6 0,5-6 0,-4 3 0,10 1 0,-10-4 0,4 3 0,-5 0 0,0-3 0,-5 3 0,4-4 0,-9 0 0,4 0 0,-9 0 0,4 0 0,-4 0 0,4 0 0,1 0 0,-1 0 0,-4 0 0,4 0 0,-4 0 0,4 0 0,-3 0 0,2 0 0,-7 0 0,0 3 0,4-2 0,2-2 0,10 1 0,3-8 0,5 2 0,8-4 0,0-3 0,11 1 0,-5-2 0,13-2 0,-5 4 0,5-4 0,-13 6 0,-1 0 0,-6 0 0,0 1 0,-5 3 0,3-2 0,-9 7 0,9-8 0,-3 4 0,5-1 0,6 2 0,-5 0 0,5 3 0,0-4 0,-10 5 0,9 0 0,-16 0 0,10 0 0,-10 0 0,4 0 0,-5 0 0,-5 0 0,3-4 0,-2 3 0,3-3 0,1 0 0,0 3 0,-1-7 0,1 7 0,0-2 0,5-2 0,-4 4 0,9-3 0,-4 0 0,12 3 0,8-9 0,-5 9 0,24-9 0,-27 8 0,27-3 0,-18 0 0,7 4 0,29-4 0,-23 5 0,17 0 0,-2 0 0,-30 0 0,45 0 0,-38 0 0,24 0 0,-7 0 0,-19 0 0,14 5 0,-16 1 0,12 0 0,1 4 0,-7-9 0,-8 4 0,-2 0 0,-11-4 0,5 4 0,-6-5 0,6 0 0,-5 0 0,11 0 0,-10 0 0,33 0 0,-21 0 0,17 0 0,-19 5 0,-11-4 0,5 8 0,-6-8 0,0 8 0,0-8 0,0 3 0,0-4 0,0 0 0,6 0 0,1 0 0,7 0 0,-1 0 0,1 0 0,0 0 0,6 0 0,-5 0 0,6 0 0,-7 0 0,22-5 0,-16-1 0,17-4 0,-30 4 0,5-3 0,-10 7 0,4-7 0,-11 8 0,3-3 0,-9 0 0,9-1 0,-8 0 0,3-4 0,0 8 0,-8-6 0,7 6 0,-14-6 0,9 6 0,-9-3 0,4 4 0,-4 0 0,-1 0 0,0 0 0,1 0 0,6 0 0,0 0 0,1 0 0,-3 0 0,0 0 0,-3 0 0,3 0 0,-5 0 0,5 0 0,-4 0 0,4 0 0,-4 0 0,-1 0 0,0-4 0,5 4 0,2-4 0,3 0 0,7 3 0,-5-7 0,9 7 0,-3-3 0,5 0 0,0 3 0,-6-4 0,11 5 0,-14 0 0,9 0 0,-17 0 0,-1 0 0,-5 0 0,0 0 0,1 0 0,-1 0 0,-4 0 0,0 0 0,-1 0 0,-3-3 0,4 2 0,-5-2 0,-3 6 0,2-2 0,2 2 0,4-3 0,1 0 0,2 0 0,-3 0 0,1 0 0,2 0 0,8 0 0,-9 0 0,16 0 0,-20 0 0,10 0 0,-12 0 0,4 0 0,-5 0 0,0 0 0,1 0 0,-1 0 0,0 0 0,4 0 0,-2 0 0,2 0 0,-4 0 0,1 0 0,-1 0 0,0 0 0,1 0 0,-1 0 0,0 0 0,0 0 0,0 0 0,0 0 0,0 0 0,0 0 0,0 0 0,0 0 0,0 0 0,0 0 0,0 0 0,-3 0 0,-1 0 0</inkml:trace>
+</inkml:ink>
+</file>
+
+<file path=ppt/ink/ink10.xml><?xml version="1.0" encoding="utf-8"?>
+<inkml:ink xmlns:inkml="http://www.w3.org/2003/InkML">
+  <inkml:definitions>
+    <inkml:context xml:id="ctx0">
+      <inkml:inkSource xml:id="inkSrc0">
+        <inkml:traceFormat>
+          <inkml:channel name="X" type="integer" min="-2.14748E9" max="2.14748E9" units="cm"/>
+          <inkml:channel name="Y" type="integer" min="-2.14748E9" max="2.14748E9" units="cm"/>
+          <inkml:channel name="F" type="integer" max="32767" units="dev"/>
+        </inkml:traceFormat>
+        <inkml:channelProperties>
+          <inkml:channelProperty channel="X" name="resolution" value="1000" units="1/cm"/>
+          <inkml:channelProperty channel="Y" name="resolution" value="1000" units="1/cm"/>
+          <inkml:channelProperty channel="F" name="resolution" value="0" units="1/dev"/>
+        </inkml:channelProperties>
+      </inkml:inkSource>
+      <inkml:timestamp xml:id="ts0" timeString="2022-09-14T22:02:22.829"/>
+    </inkml:context>
+    <inkml:brush xml:id="br0">
+      <inkml:brushProperty name="width" value="0.1" units="cm"/>
+      <inkml:brushProperty name="height" value="0.1" units="cm"/>
+    </inkml:brush>
+  </inkml:definitions>
+  <inkml:trace contextRef="#ctx0" brushRef="#br0">7098 3591 24575,'-11'0'0,"2"0"0,2 0 0,0 0 0,0 0 0,-1 0 0,1-3 0,0 2 0,0-5 0,-1 2 0,1 0 0,0-3 0,-1 3 0,1-3 0,-4 3 0,2-7 0,-7 6 0,4-7 0,-5 0 0,1 3 0,0-6 0,-5 1 0,3-2 0,-8-7 0,3 5 0,-11-11 0,4 4 0,-17-12 0,16 11 0,-30-23 0,28 21 0,-28-22 0,23 18 0,-10-11 0,6 10 0,0-3 0,5 6 0,2-1 0,6 2 0,0 0 0,1 5 0,4-3 0,3 9 0,-2-9 0,9 9 0,-7-4 0,-4-2 0,6 6 0,-10-11 0,8 11 0,-2-4 0,-5-1 0,0-1 0,-1-1 0,1-3 0,-1 4 0,0-5 0,1 5 0,-1-4 0,1 4 0,-7-7 0,9 3 0,-26-16 0,29 18 0,-24-16 0,24 19 0,-1-1 0,2-2 0,1 7 0,2-6 0,-7 6 0,7-7 0,-2 8 0,-2-9 0,1 8 0,-7-9 0,0 4 0,0-5 0,1 5 0,-1-4 0,1 4 0,-7-7 0,5 7 0,-4-5 0,5 5 0,0-6 0,0 1 0,0 0 0,-1-6 0,-5 4 0,2-10 0,2 5 0,-4-1 0,13-2 0,-13 2 0,10 2 0,-14-17 0,7 18 0,-5-12 0,2 11 0,4 4 0,-10-5 0,-9-2 0,10 6 0,-19-7 0,17 8 0,-10 4 0,-1-3 0,0 8 0,1-9 0,-1 4 0,6 1 0,-4-4 0,9 4 0,-22-14 0,13 10 0,-4-7 0,11 15 0,10-2 0,-5 9 0,5-2 0,2 6 0,0-2 0,-2-1 0,-11-2 0,-8-5 0,-8-1 0,-23-7-634,4-2 634,29 9 0,1 0 0,-22-9 0,-18-5 0,27 13 0,1 2 0,10 0 0,13 5 0,10 3 0,-2 4 0,13 1 634,-3-1-634,0 1 0,4-1 0,-9 1 0,4-1 0,-10 4 0,4-3 0,-4 3 0,5-4 0,-6 0 0,5-4 0,-1 6 0,3 0 0,-3 7 0,1 0 0,-38 0 0,13 0 0,-17-9 0,5 7 0,10-7 0,-6 4 0,1 0 0,14-6 0,1 1 0,6 5 0,5-3 0,-3 7 0,9-7 0,-5 7 0,6-3 0,-5 4 0,-1-5 0,-6 4 0,0-3 0,0 4 0,0 0 0,0 0 0,5 0 0,-3 0 0,3 0 0,1 0 0,-5 0 0,4 0 0,2 0 0,-12 0 0,10 0 0,-11 0 0,0 0 0,-2 0 0,0 0 0,2 0 0,6 0 0,0 0 0,6 0 0,1 0 0,5 0 0,0 0 0,0 0 0,0 0 0,1 0 0,-7 0 0,-7 0 0,0 0 0,-6 0 0,13 0 0,0 0 0,6 0 0,5 0 0,1 0 0,5 0 0,4 0 0,0 0 0,5 0 0,0 0 0,3-6 0,1-7 0,3 4 0,0-3 0</inkml:trace>
+</inkml:ink>
+</file>
+
+<file path=ppt/ink/ink11.xml><?xml version="1.0" encoding="utf-8"?>
+<inkml:ink xmlns:inkml="http://www.w3.org/2003/InkML">
+  <inkml:definitions>
+    <inkml:context xml:id="ctx0">
+      <inkml:inkSource xml:id="inkSrc0">
+        <inkml:traceFormat>
+          <inkml:channel name="X" type="integer" min="-2.14748E9" max="2.14748E9" units="cm"/>
+          <inkml:channel name="Y" type="integer" min="-2.14748E9" max="2.14748E9" units="cm"/>
+          <inkml:channel name="F" type="integer" max="32767" units="dev"/>
+        </inkml:traceFormat>
+        <inkml:channelProperties>
+          <inkml:channelProperty channel="X" name="resolution" value="1000" units="1/cm"/>
+          <inkml:channelProperty channel="Y" name="resolution" value="1000" units="1/cm"/>
+          <inkml:channelProperty channel="F" name="resolution" value="0" units="1/dev"/>
+        </inkml:channelProperties>
+      </inkml:inkSource>
+      <inkml:timestamp xml:id="ts0" timeString="2022-09-14T22:02:52.814"/>
+    </inkml:context>
+    <inkml:brush xml:id="br0">
+      <inkml:brushProperty name="width" value="0.1" units="cm"/>
+      <inkml:brushProperty name="height" value="0.1" units="cm"/>
+    </inkml:brush>
+  </inkml:definitions>
+  <inkml:trace contextRef="#ctx0" brushRef="#br0">1 914 24575,'16'-8'0,"-2"1"0,-2-1 0,-4 0 0,7 0 0,-6-3 0,6 2 0,-2-7 0,3 7 0,1-6 0,4 5 0,-4-1 0,4-2 0,-5 4 0,1-2 0,-1 2 0,0 1 0,5 0 0,-3-4 0,8 2 0,-4-2 0,0 3 0,4 1 0,-4-5 0,5 3 0,-5-3 0,3 5 0,-7-1 0,8 0 0,1-4 0,1 3 0,10-8 0,-5 7 0,6-7 0,0 7 0,0-7 0,0 7 0,6-4 0,-4 6 0,10-2 0,-4-4 0,5 4 0,-5 0 0,4 2 0,-4 3 0,-1-4 0,5-1 0,-10 1 0,10 0 0,-10 4 0,21-7 0,-19 7 0,14-4 0,-19 1 0,1 8 0,0-3 0,0-1 0,0 4 0,6-3 0,2 4 0,6-5 0,22 4 0,-23-4 0,22 1 0,-21 3 0,2-9 0,11 9 0,-12-4 0,6 5 0,-8 0 0,1 0 0,22 0 0,-10 0 0,19 0 0,-29 0 0,17 0 0,-21 0 0,22 5 0,5 1 0,-13 5 0,5-5 0,-25-1 0,-6-5 0,0 0 0,0 0 0,-5 0 0,4 0 0,-5 0 0,6 0 0,-5 0 0,3 0 0,-3 0 0,5 0 0,0 0 0,0 0 0,0 0 0,-6 0 0,5 0 0,-10 0 0,4 0 0,-5 0 0,0 0 0,0 0 0,-5 0 0,11 0 0,-14 0 0,14 0 0,-11 0 0,0 0 0,4 0 0,-4 4 0,5 1 0,0 4 0,0 4 0,5-3 0,2 8 0,4-3 0,1 4 0,0 1 0,0-1 0,2 6 0,-8-5 0,18 12 0,-20-11 0,14 1 0,-19-5 0,-3-4 0,2 1 0,-3 2 0,1-6 0,2 7 0,-7-8 0,7 8 0,-2-4 0,-1 1 0,3 3 0,-2-8 0,-1 7 0,3-6 0,-3 6 0,-1-7 0,5 8 0,-4-7 0,5 7 0,-5-8 0,3 4 0,-7-1 0,3-3 0,-9 3 0,4-4 0,-8-1 0,3-2 0,-3-2 0,-1-3 0,9 4 0,2 1 0,14 4 0,-3 0 0,8 5 0,-3-3 0,-1 2 0,0-3 0,-11-2 0,-5 1 0,-2-1 0,2 0 0,1 0 0,7 1 0,-3 3 0,5 2 0,0 0 0,5 0 0,-8-2 0,14 2 0,-18-2 0,4-3 0,-9-2 0,2-6 0,-3 6 0,6-6 0,-8 6 0,4-6 0,5 6 0,-3-6 0,3 3 0,-5-4 0,0 0 0,-3 0 0,-5-3 0,-5-9 0,-3-6 0,0-9 0,4 0 0,6-5 0,4-2 0,5 1 0,1-5 0,-6 10 0,3-4 0,-7 10 0,6 1 0,-7 4 0,3 1 0,-4 0 0,0-1 0,4 5 0,1-4 0,-1 4 0,4-5 0,-4 5 0,5-4 0,-1 3 0,0 1 0,-3 0 0,2 1 0,-7 2 0,8-2 0,-8 3 0,7-4 0,-6 4 0,6-7 0,2 6 0,5-8 0,6-1 0,-1-2 0,1-3 0,4 5 0,-3 0 0,3-1 0,-5 1 0,5 0 0,-4 0 0,10 3 0,-10-2 0,22-5 0,-18 6 0,24-9 0,-14 9 0,4 0 0,5-4 0,-4 9 0,6 1 0,-1 0 0,24 9 0,-23-4 0,21 5 0,-33 0 0,4 0 0,-12 0 0,0 0 0,-11 0 0,-5 0 0,-6 0 0,-4 0 0,1 0 0,-1 0 0,0 0 0,1 0 0,2 0 0,6 0 0,1 0 0,14-8 0,-2 1 0,10-11 0,0 7 0,-1-7 0,1 7 0,0-8 0,0 9 0,0-4 0,6 4 0,-4 0 0,4 0 0,-6 0 0,-6 0 0,5 5 0,-10-3 0,10 7 0,-5-3 0,1 0 0,3 3 0,-8-7 0,3 7 0,-5-3 0,-1 0 0,-3 3 0,2-3 0,-11 4 0,6 0 0,-12 0 0,7 0 0,-6 0 0,6 0 0,-2 0 0,3 0 0,5 0 0,-4 0 0,4 0 0,0 0 0,-3 0 0,3 0 0,-5 0 0,-4 0 0,4 0 0,-4 0 0,4 0 0,5 0 0,2 0 0,9 0 0,1 0 0,26 0 0,-20 0 0,24 0 0,-22 0 0,12 0 0,-7 0 0,0 0 0,-7 0 0,6 0 0,-10 0 0,-1 0 0,-8 0 0,-9 0 0,9 0 0,-8 0 0,7 0 0,-7 0 0,7 0 0,-2 0 0,-1 0 0,3 0 0,-3 0 0,5 0 0,0 0 0,5 5 0,-3-4 0,3 7 0,-5-3 0,0 0 0,-1 3 0,1-7 0,0 3 0,0 0 0,0 1 0,-5 0 0,4-1 0,8 0 0,-4-3 0,8 3 0,-15-1 0,2-2 0,-7 7 0,7-8 0,-11 4 0,6 0 0,-12-3 0,4 6 0,-5-7 0,0 4 0,0-4 0,1 0 0,8 0 0,2 4 0,14 1 0,-4 4 0,10-4 0,-10 3 0,10-2 0,-15 2 0,4 1 0,-11-4 0,-4 2 0,0-3 0,-5 0 0,0-1 0,-3 0 0,2-2 0,7 6 0,5-2 0,14 4 0,2 5 0,5 1 0,-6 4 0,5-4 0,-4 2 0,-1-2 0,-1-1 0,-13 3 0,1-8 0,-11 2 0,2-3 0,-4-4 0,0 0 0,0-4 0,0 3 0,0-2 0,5 2 0,-4 0 0,8-2 0,-8 2 0,3 0 0,-4-2 0,1 2 0,-1-3 0,-3 4 0,2-4 0,-2 3 0,3-3 0,4 4 0,2-3 0,3 3 0,-4-1 0,4-2 0,-8 2 0,3-3 0,-3 0 0,-1 0 0,1 3 0,-1-2 0,4 6 0,-2-6 0,6 6 0,-7-6 0,4 3 0,-5-1 0,0-2 0,1 2 0,-1-3 0,-3 0 0,-1 0 0</inkml:trace>
+</inkml:ink>
+</file>
+
+<file path=ppt/ink/ink12.xml><?xml version="1.0" encoding="utf-8"?>
+<inkml:ink xmlns:inkml="http://www.w3.org/2003/InkML">
+  <inkml:definitions>
+    <inkml:context xml:id="ctx0">
+      <inkml:inkSource xml:id="inkSrc0">
+        <inkml:traceFormat>
+          <inkml:channel name="X" type="integer" min="-2.14748E9" max="2.14748E9" units="cm"/>
+          <inkml:channel name="Y" type="integer" min="-2.14748E9" max="2.14748E9" units="cm"/>
+          <inkml:channel name="F" type="integer" max="32767" units="dev"/>
+        </inkml:traceFormat>
+        <inkml:channelProperties>
+          <inkml:channelProperty channel="X" name="resolution" value="1000" units="1/cm"/>
+          <inkml:channelProperty channel="Y" name="resolution" value="1000" units="1/cm"/>
+          <inkml:channelProperty channel="F" name="resolution" value="0" units="1/dev"/>
+        </inkml:channelProperties>
+      </inkml:inkSource>
+      <inkml:timestamp xml:id="ts0" timeString="2022-09-14T22:03:03.530"/>
+    </inkml:context>
+    <inkml:brush xml:id="br0">
+      <inkml:brushProperty name="width" value="0.1" units="cm"/>
+      <inkml:brushProperty name="height" value="0.1" units="cm"/>
+    </inkml:brush>
+  </inkml:definitions>
+  <inkml:trace contextRef="#ctx0" brushRef="#br0">0 471 24575,'11'0'0,"-1"0"0,1 0 0,0 0 0,2 0 0,-3-3 0,-2 2 0,-1-5 0,0 5 0,-3-6 0,3 7 0,-3-4 0,3 4 0,1 0 0,-1 0 0,1-7 0,3 5 0,-2-5 0,6 3 0,-2 3 0,3-6 0,0 6 0,1-6 0,-1 6 0,0-2 0,1 3 0,-1 0 0,0 0 0,0 0 0,1 0 0,-1 0 0,0 0 0,1 0 0,-1 0 0,0 0 0,1-4 0,-1 3 0,0-3 0,1 4 0,-1 0 0,0 0 0,0 0 0,5-4 0,7 3 0,6-7 0,5 7 0,6-8 0,1 3 0,7-4 0,22-2 0,-10 1 0,6 4 0,1 2 0,1 5 0,-16 0 0,3 0 0,-10 0 0,1 0 0,8 0 0,-3 0 0,14 0 0,4 0 0,-5 0 0,1 0 0,-2 0 0,-8 0 0,-14 4 0,0 2 0,-7 3 0,-1 1 0,1 0 0,13-5 0,-3 0 0,10-1 0,1-3 0,-6 4 0,12-5 0,-5 5 0,7 1 0,-6 5 0,-3 0 0,-9-1 0,-9 0 0,0 4 0,-13-4 0,5 8 0,-11-5 0,3 5 0,-7-2 0,3 1 0,-5-1 0,1 1 0,-1-1 0,0 0 0,1 1 0,-5-1 0,4 0 0,-4-3 0,1 2 0,-2-6 0,-3 2 0,-1-3 0,1-1 0,-1-3 0,-3 3 0,3-6 0,-4 2 0,1-6 0,-1-1 0,0-2 0,1-1 0,3-4 0,0 3 0,1-7 0,4 2 0,0-3 0,5 0 0,4-1 0,-4 0 0,4 0 0,-4 1 0,-1-1 0,0 1 0,0 0 0,1 0 0,4-1 0,-4 0 0,9-1 0,-4 1 0,0 0 0,4-1 0,-4 1 0,5 3 0,0-3 0,0 7 0,-1-3 0,1 0 0,0 4 0,5-9 0,2 7 0,11-8 0,-5 8 0,12-8 0,-6 7 0,1-3 0,4 5 0,7-4 0,-9 3 0,2-3 0,-19 9 0,-5-3 0,0 7 0,-5-3 0,4 4 0,-4 0 0,0 0 0,4 0 0,-9-4 0,4 3 0,0-3 0,-3 4 0,3 0 0,-5 0 0,5 0 0,-4 0 0,9 0 0,-4 0 0,5 0 0,0 0 0,0 0 0,-5 0 0,-1 0 0,-5 0 0,-3 0 0,-2 0 0,-4 0 0,1 0 0,-1 0 0,4 0 0,6 0 0,6 0 0,9 0 0,1 0 0,1 0 0,-2 0 0,-10 0 0,4 0 0,-12 0 0,2 0 0,0 0 0,7 0 0,5 0 0,10 0 0,2 5 0,0-4 0,29 13 0,-18-7 0,7 7 0,-20-4 0,-15-2 0,-6 0 0,-6-3 0,-4 1 0,9-1 0,-2 3 0,11 1 0,-2 0 0,-1-1 0,-1 1 0,-5-1 0,-4 0 0,0-1 0,-5 1 0,1-4 0,-1 2 0,3-2 0,2 4 0,9 0 0,1 1 0,5 0 0,5 0 0,-9 0 0,8 0 0,-13-1 0,-1 0 0,-6-3 0,-3-2 0,8 1 0,-3 1 0,8 3 0,-5-3 0,1 2 0,-5-6 0,20 7 0,-16-3 0,26 0 0,-18 3 0,3-7 0,-6 3 0,-4 0 0,22 1 0,-12 0 0,19 4 0,-28-8 0,2 3 0,-8-1 0,15 3 0,-8-2 0,7 4 0,-10-3 0,1-1 0,9 4 0,-7-3 0,12 4 0,-9-4 0,0 2 0,-1-2 0,-8-1 0,18 5 0,-15-4 0,17 4 0,-12-1 0,-8 0 0,7 1 0,-11-2 0,2 1 0,0-1 0,-6 0 0,4 1 0,-1-1 0,4 1 0,5 0 0,-1 0 0,0 0 0,11 5 0,-9 0 0,9 2 0,-11 0 0,-4-6 0,0 2 0,-5-4 0,1 1 0,-1-1 0,0-3 0,-3 2 0,3-2 0,-3 3 0,3 0 0,0 1 0,0-1 0,1 0 0,-1 1 0,1-1 0,-1 0 0,-3 1 0,2-4 0,-2-1 0,0-7 0,2 1 0,7-14 0,1-2 0,20-11 0,-9 7 0,4-5 0,-3 9 0,-8-2 0,0 4 0,-7 5 0,1 0 0,0 4 0,5 0 0,-5 0 0,3 0 0,-2 0 0,3 0 0,0 0 0,1 4 0,-1-4 0,-4 7 0,0-2 0,-5-1 0,0 4 0,1-4 0,-1 4 0,0 0 0,1 0 0,-1 0 0,0 0 0,5-3 0,0 2 0,1-3 0,2 4 0,-3-3 0,0 2 0,0-3 0,-1 4 0,-2 0 0,2-3 0,0 2 0,-2-6 0,6 3 0,-7 0 0,8-3 0,-4 2 0,9 0 0,-4-2 0,4 3 0,-4-4 0,11-1 0,-9 5 0,14-4 0,-11 3 0,0 0 0,4-3 0,-4 7 0,5-3 0,0 4 0,0 0 0,0 0 0,-1 0 0,1 0 0,0 0 0,-5 0 0,4 0 0,-8 0 0,2 0 0,1 0 0,-3 0 0,3 0 0,-5 0 0,-3 0 0,2 0 0,1 0 0,1 0 0,2 0 0,-2 0 0,-1 0 0,0 0 0,-3 0 0,2 0 0,-3 0 0,5 0 0,-5 0 0,3 0 0,-2 0 0,-1 0 0,-1 0 0,-3 0 0,-1 0 0,0 0 0,1 0 0,2 0 0,2 0 0,3 0 0,1 0 0,1 0 0,-1 0 0,-4 0 0,0 0 0,-5 0 0,0 0 0,1 0 0,-1 0 0,5 0 0,5 0 0,5 0 0,10 0 0,2-4 0,-1 3 0,-1-7 0,-5 7 0,-5-3 0,-5 4 0,-5 0 0,-5-4 0,1 4 0,-1-4 0,0 4 0,4-3 0,1 2 0,5-3 0,-5 4 0,-1-3 0,1 2 0,-4-2 0,3 3 0,-3 0 0,-1 0 0,4 0 0,1 0 0,5 0 0,-1 0 0,-4 0 0,4 0 0,-8 0 0,3 0 0,-3 0 0,3 0 0,-3 0 0,4 0 0,-5 0 0,0 0 0,1 0 0,-1 0 0,0 0 0,1 0 0,-1 0 0,5 0 0,-4 0 0,3 0 0,-3 0 0,-1 0 0,0 0 0,1 0 0,-1 0 0,0 0 0,5 0 0,0 0 0,0 0 0,3 3 0,-6-2 0,2 3 0,-4-4 0,1 0 0,-1 0 0,1 0 0,-1 3 0,0-2 0,1 2 0,3 1 0,-3-3 0,8 3 0,-8-4 0,7 3 0,-2-2 0,3 3 0,0-1 0,1-2 0,-5 3 0,-1-4 0,-3 3 0,-1-2 0,4 2 0,2 1 0,-1-3 0,-1 2 0,-3 1 0,-1-4 0,0 4 0,1-4 0,-1 0 0,1 0 0,-1 3 0,4-3 0,1 3 0,0 1 0,4-4 0,-8 7 0,3-6 0,-3 2 0,3 1 0,-3 0 0,4 4 0,-1-1 0,-3 1 0,4 0 0,-5-1 0,9 5 0,-2-3 0,7 3 0,-5 0 0,5 2 0,1 3 0,0 0 0,4-3 0,-9 1 0,4-5 0,-4 1 0,-5-3 0,-1 0 0,-3-1 0,-1 1 0,1-1 0,3 1 0,1-1 0,5-2 0,-5 2 0,8-2 0,3 3 0,1 1 0,14 4 0,-18-4 0,8 3 0,-12-4 0,5 1 0,1-1 0,5 1 0,-5-4 0,-1 3 0,-4-7 0,-1 6 0,0-6 0,0 3 0,-3-4 0,-2 0 0,0 0 0,-2 0 0,6 0 0,-7 0 0,1-6 0,-6-3 0,-3-11 0,0-7 0,0-1 0,0-10 0,0 10 0,0-4 0,0 5 0,0 5 0,0 4 0,0 7 0,0 4 0,0-1 0,0 1 0,0 0 0,0-4 0,3-2 0,6-3 0,0 0 0,6-1 0,-6 5 0,6-3 0,-6 2 0,2 1 0,-3 4 0,-1 2 0,1 1 0,3-6 0,1 2 0,5-6 0,4 2 0,1-1 0,10-3 0,-4 3 0,4-5 0,1 0 0,0 1 0,1-1 0,3 0 0,-3 4 0,5-3 0,0 7 0,0-8 0,6 4 0,-4-1 0,4 2 0,-12 4 0,5 0 0,-10 1 0,4 0 0,-5 0 0,0 0 0,0 0 0,5 0 0,-4 0 0,10-1 0,-5 5 0,12-4 0,-4 4 0,4-1 0,-6 2 0,6-1 0,-10 4 0,9-4 0,-11 5 0,1 0 0,-2 0 0,-5 0 0,0 0 0,0 0 0,-1 0 0,7 0 0,12 0 0,-8 0 0,12 0 0,-15 0 0,5 0 0,-6 0 0,5 4 0,-10-2 0,10 6 0,-10-3 0,10 5 0,-5-1 0,6 1 0,0 0 0,0 0 0,0-1 0,-5 1 0,-2-1 0,-10-4 0,4 3 0,-13-7 0,3 3 0,-5-4 0,-3 3 0,3-2 0,0 2 0,1-3 0,9 0 0,-3 4 0,8-3 0,-4 2 0,0 1 0,4-3 0,-13 3 0,7-1 0,-11-2 0,2 3 0,-4-4 0,9 0 0,-2 0 0,11 4 0,-7-3 0,8 3 0,-9-1 0,9-2 0,-4 3 0,3-1 0,2-2 0,-2 7 0,2-7 0,0 7 0,5-7 0,-4 7 0,0-7 0,-7 3 0,-5-1 0,0-2 0,-3 3 0,-2-4 0,-3 0 0,3 4 0,-3-3 0,8 2 0,-8-3 0,7 0 0,-6 3 0,2-2 0,5 3 0,5-1 0,1 2 0,-2-1 0,-5 0 0,-6-4 0,2 3 0,-4-2 0,0 2 0,-3 0 0,3-2 0,-7 2 0,4-3 0</inkml:trace>
+</inkml:ink>
+</file>
+
+<file path=ppt/ink/ink13.xml><?xml version="1.0" encoding="utf-8"?>
+<inkml:ink xmlns:inkml="http://www.w3.org/2003/InkML">
+  <inkml:definitions>
+    <inkml:context xml:id="ctx0">
+      <inkml:inkSource xml:id="inkSrc0">
+        <inkml:traceFormat>
+          <inkml:channel name="X" type="integer" min="-2.14748E9" max="2.14748E9" units="cm"/>
+          <inkml:channel name="Y" type="integer" min="-2.14748E9" max="2.14748E9" units="cm"/>
+          <inkml:channel name="F" type="integer" max="32767" units="dev"/>
+        </inkml:traceFormat>
+        <inkml:channelProperties>
+          <inkml:channelProperty channel="X" name="resolution" value="1000" units="1/cm"/>
+          <inkml:channelProperty channel="Y" name="resolution" value="1000" units="1/cm"/>
+          <inkml:channelProperty channel="F" name="resolution" value="0" units="1/dev"/>
+        </inkml:channelProperties>
+      </inkml:inkSource>
+      <inkml:timestamp xml:id="ts0" timeString="2022-09-14T22:03:09.726"/>
+    </inkml:context>
+    <inkml:brush xml:id="br0">
+      <inkml:brushProperty name="width" value="0.1" units="cm"/>
+      <inkml:brushProperty name="height" value="0.1" units="cm"/>
+    </inkml:brush>
+  </inkml:definitions>
+  <inkml:trace contextRef="#ctx0" brushRef="#br0">52 1 24575,'0'35'0,"-5"8"0,4-13 0,-8 18 0,3-17 0,-4 20 0,4-11 0,-3 5 0,8-6 0,-3-5 0,4-2 0,0-5 0,0-5 0,0-1 0,0 0 0,0-3 0,0 3 0,0-5 0,0 5 0,0-3 0,0 7 0,0-3 0,0 1 0,0-2 0,0-5 0,0 0 0,0-3 0,0-2 0,0-4 0,0 1 0,0-1 0,0 0 0,0 0 0,0 0 0,0 0 0,0 9 0,3-2 0,-2 12 0,7-9 0,-7 9 0,2-9 0,-3 4 0,0-4 0,0-1 0,0 0 0,0-3 0,0-2 0,0-4 0,0 1 0,0-1 0,0 0 0,0 0 0,3 1 0,-2-1 0,6 0 0,-6 1 0,2-1 0,-3 1 0,3-4 0,-2 2 0,2-8 0,-3-22 0,0 3 0,0-32 0,0 12 0,0-19 0,0 6 0,0-5 0,0 12 0,0 2 0,0 11 0,0 7 0,0 6 0,0 8 0,0 2 0,0 4 0,0 0 0,0 0 0,0-11 0,0-6 0,0-7 0,0-13 0,0 9 0,0-10 0,4 6 0,-3 10 0,4-2 0,-5 17 0,0-2 0,0 9 0,0 0 0,0-3 0,0-7 0,0-3 0,0-7 0,0 5 0,0 1 0,0 4 0,0 5 0,0 1 0,0 3 0,0 1 0,0 3 0,0 1 0</inkml:trace>
+</inkml:ink>
+</file>
+
+<file path=ppt/ink/ink14.xml><?xml version="1.0" encoding="utf-8"?>
+<inkml:ink xmlns:inkml="http://www.w3.org/2003/InkML">
+  <inkml:definitions>
+    <inkml:context xml:id="ctx0">
+      <inkml:inkSource xml:id="inkSrc0">
+        <inkml:traceFormat>
+          <inkml:channel name="X" type="integer" min="-2.14748E9" max="2.14748E9" units="cm"/>
+          <inkml:channel name="Y" type="integer" min="-2.14748E9" max="2.14748E9" units="cm"/>
+          <inkml:channel name="F" type="integer" max="32767" units="dev"/>
+        </inkml:traceFormat>
+        <inkml:channelProperties>
+          <inkml:channelProperty channel="X" name="resolution" value="1000" units="1/cm"/>
+          <inkml:channelProperty channel="Y" name="resolution" value="1000" units="1/cm"/>
+          <inkml:channelProperty channel="F" name="resolution" value="0" units="1/dev"/>
+        </inkml:channelProperties>
+      </inkml:inkSource>
+      <inkml:timestamp xml:id="ts0" timeString="2022-09-14T22:03:21.225"/>
+    </inkml:context>
+    <inkml:brush xml:id="br0">
+      <inkml:brushProperty name="width" value="0.1" units="cm"/>
+      <inkml:brushProperty name="height" value="0.1" units="cm"/>
+    </inkml:brush>
+  </inkml:definitions>
+  <inkml:trace contextRef="#ctx0" brushRef="#br0">1322 0 24575,'0'31'0,"0"4"0,0-7 0,0 10 0,0-10 0,0 9 0,0-3 0,0 0 0,0 3 0,0-3 0,0 5 0,0 0 0,0 6 0,0-5 0,0 5 0,0-6 0,0 0 0,0 0 0,0 0 0,0 0 0,0 0 0,0 0 0,0 0 0,0 0 0,0 0 0,0 0 0,0 0 0,0 0 0,0 0 0,0 6 0,0-5 0,0 12 0,0-6 0,0 7 0,0-7 0,0 6 0,0-12 0,0 11 0,0-10 0,0 4 0,0 0 0,0-5 0,0 5 0,0 12 0,0-14 0,0 19 0,0-21 0,0 10 0,0-11 0,0 12 0,0-12 0,-5 11 0,4-10 0,-4 4 0,5-6 0,0 0 0,0-6 0,0 5 0,-4-10 0,3 10 0,-3-10 0,4 4 0,0 0 0,-4-4 0,3 5 0,-3-7 0,4 1 0,0 17 0,0-12 0,0 17 0,0-21 0,0 5 0,0-11 0,0 3 0,0-11 0,0 2 0,0-9 0,0 1 0,0-1 0,0 0 0,0 0 0,0 4 0,-3-3 0,2 8 0,-2-4 0,0 0 0,2 0 0,-2-5 0,3 0 0,0 1 0,0 3 0,-4 6 0,3 5 0,-7 10 0,6 8 0,-6 1 0,7 10 0,-4-5 0,5 7 0,0 0 0,0-7 0,0-1 0,0-6 0,0-5 0,0-2 0,0-5 0,0-9 0,0-2 0,0-9 0,0 9 0,0 8 0,0 9 0,0 6 0,0 0 0,-4 0 0,3-5 0,-3 3 0,-1 3 0,4 7 0,-4 5 0,5 1 0,0-6 0,0 4 0,0-5 0,0 1 0,0 4 0,0 3 0,0 0 0,0 5 0,0-12 0,0 4 0,0-11 0,0 5 0,0-11 0,0-2 0,0-5 0,0-5 0,0 3 0,0-3 0,0 5 0,0 0 0,4 0 0,-3 5 0,3 8 0,-4 6 0,0 7 0,0-1 0,0 1 0,0 6 0,0-5 0,0 0 0,0-9 0,0-6 0,0 0 0,0-6 0,0 0 0,0-7 0,0 1 0,0 0 0,0 0 0,0 0 0,0 22 0,0-11 0,4 13 0,-3-14 0,3-3 0,-4 5 0,0-6 0,0 0 0,0-6 0,0-1 0,4 1 0,-3 0 0,3 5 0,0-3 0,-3 3 0,7 0 0,-7-4 0,4 10 0,-5-5 0,0 1 0,0 3 0,0-3 0,0-1 0,0 5 0,0-4 0,0 5 0,0-1 0,-8-4 0,-3 4 0,-3-10 0,1-1 0,0-1 0,3-4 0,-2 0 0,-1-1 0,4-4 0,-2-1 0,2 0 0,-3 5 0,-1-3 0,0 3 0,-3-5 0,7 1 0,-3-1 0,5-4 0,-1-1 0,1-3 0,-1-1 0,4 1 0,-6-1 0,5 0 0,-9 1 0,-3 0 0,-1 0 0,-7 5 0,2 1 0,-3 0 0,-1 3 0,0-7 0,0 3 0,0-4 0,0-5 0,1 0 0,-1-4 0,-6 0 0,5 0 0,-9 0 0,8 0 0,-8 0 0,3 0 0,1 0 0,-17-4 0,19-1 0,-13-4 0,17 0 0,0-4 0,5 0 0,-3-5 0,2 1 0,1 0 0,-3-1 0,7-3 0,-3 3 0,-2-9 0,5 5 0,-4-1 0,8-3 0,-2 4 0,6 0 0,-3-4 0,5 4 0,-1-5 0,4 0 0,-3 0 0,7 5 0,-3-16 0,4 13 0,0-9 0,0 9 0,0 3 0,0 0 0,0-4 0,0 4 0,0 0 0,0-4 0,0 4 0,0-5 0,0 0 0,0 5 0,0 1 0,0 5 0,0 3 0,0 2 0,0 4 0,0-1 0,3 4 0,1 1 0,3 3 0,0 0 0,4 0 0,-2 3 0,6-2 0,-6 6 0,2-6 0,-4 2 0,1-3 0,-1 3 0,0-2 0,-3 5 0,3-5 0,-7 5 0,3-2 0,-3 3 0,0 0 0,4 1 0,-4-1 0,4 0 0,-1 0 0,-2 1 0,2-1 0,-3 0 0,0 0 0,0 1 0,0-1 0,0 0 0,0 1 0,0-1 0,0 0 0,0 0 0,0 0 0,0 0 0,3 1 0,-2-1 0,2 0 0,-3 0 0,0 1 0,4-4 0,-3 2 0,2-2 0,0 4 0,1-1 0,0 0 0,3 0 0,-6 1 0,5-1 0,-5 1 0,2-1 0,0-3 0,-2 2 0,5-5 0,-5 6 0,5-3 0,-2 3 0,0 0 0,0 1 0,-1-4 0,-2 2 0,2-2 0,0 0 0,-2 3 0,5-3 0,-5 3 0,2 0 0,1 1 0,-3-1 0,5 0 0,-2 0 0,0 0 0,2 0 0,-5 1 0,5-1 0,-5 0 0,2 1 0,1-1 0,-4 0 0,7 0 0,-3 0 0,3 0 0,0 1 0,-3 3 0,3-3 0,-3 8 0,4-8 0,-1 3 0,1-3 0,-4-1 0,2 0 0,-5 1 0,6-1 0,-6 1 0,2-1 0,0-3 0,-2 2 0,5-5 0,-2 5 0,4-5 0,-1 2 0,0 1 0,0-4 0,0 4 0,1-4 0,-1 0 0,0 0 0,1 0 0,-1 0 0,4 0 0,-2 0 0,2 0 0,-4 0 0,1 0 0,-1 0 0,0 0 0,1 0 0,-1 0 0,0 0 0,0 0 0,1 0 0,-1 0 0,1 0 0,-1 0 0,0 0 0,1 0 0,-1 0 0,0 0 0,1 0 0,-1 0 0,0 0 0,-1-3 0,2 2 0,-4-6 0,2 7 0,-5-7 0,6 6 0,-7-5 0,7 2 0,-3-3 0,3-1 0,1 4 0,0-6 0,3 4 0,-2-5 0,2 3 0,-4 1 0,1 3 0,-1-3 0,0 6 0,1-5 0,-1 2 0,1-8 0,-1 4 0,1-3 0,3 3 0,2-4 0,-1 4 0,-1-4 0,-3 5 0,-1 0 0,0 3 0,1-3 0,-1 6 0,-3-5 0,2 2 0,-2-4 0,4 1 0,-1-1 0,1 1 0,-1 0 0,0 0 0,1-9 0,-1 6 0,2-10 0,-5 12 0,4-12 0,-3 2 0,3-9 0,1 0 0,0 6 0,-1 0 0,-3 4 0,-1 5 0,-1 1 0,-2 3 0,2 1 0,-3-14 0,0 2 0,4-13 0,-3 9 0,3 2 0,-4 5 0,0 0 0,0 3 0,3 2 0,-2 4 0,2-3 0,1 5 0,0-4 0,3 5 0,0-4 0,5 4 0,-4-2 0,3 2 0,-3 0 0,-1 0 0,0 1 0,1 2 0,-1-2 0,0 3 0,0 0 0,0 0 0,1 0 0,-1 0 0,0 0 0,0-3 0,1 2 0,-1-2 0,1 3 0,-1 0 0,0 0 0,0 0 0,0 0 0,4 0 0,-3 0 0,3 0 0,-3 0 0,-1 0 0,0 0 0,1 0 0,-1 0 0,-3 3 0,2-3 0,-2 4 0,3-4 0,0 0 0,0 0 0,1 0 0,-1 0 0,0 0 0,0 0 0,-3 3 0,-1 0 0,-3 4 0,0 0 0,0 0 0,0 0 0,0 0 0,-3 5 0,2-4 0,-3 3 0,4-3 0,-3-1 0,2 1 0,-2-1 0,3 0 0,0 1 0,0-1 0,0 0 0,0 5 0,0 0 0,0 4 0,0 1 0,0-1 0,0-4 0,0 0 0,0-5 0,0 0 0,0 1 0,0-1 0,-3-3 0,-1-1 0,0-3 0,1 0 0</inkml:trace>
+</inkml:ink>
+</file>
+
+<file path=ppt/ink/ink15.xml><?xml version="1.0" encoding="utf-8"?>
+<inkml:ink xmlns:inkml="http://www.w3.org/2003/InkML">
+  <inkml:definitions>
+    <inkml:context xml:id="ctx0">
+      <inkml:inkSource xml:id="inkSrc0">
+        <inkml:traceFormat>
+          <inkml:channel name="X" type="integer" min="-2.14748E9" max="2.14748E9" units="cm"/>
+          <inkml:channel name="Y" type="integer" min="-2.14748E9" max="2.14748E9" units="cm"/>
+          <inkml:channel name="F" type="integer" max="32767" units="dev"/>
+        </inkml:traceFormat>
+        <inkml:channelProperties>
+          <inkml:channelProperty channel="X" name="resolution" value="1000" units="1/cm"/>
+          <inkml:channelProperty channel="Y" name="resolution" value="1000" units="1/cm"/>
+          <inkml:channelProperty channel="F" name="resolution" value="0" units="1/dev"/>
+        </inkml:channelProperties>
+      </inkml:inkSource>
+      <inkml:timestamp xml:id="ts0" timeString="2022-09-14T22:03:45.841"/>
+    </inkml:context>
+    <inkml:brush xml:id="br0">
+      <inkml:brushProperty name="width" value="0.1" units="cm"/>
+      <inkml:brushProperty name="height" value="0.1" units="cm"/>
+    </inkml:brush>
+  </inkml:definitions>
+  <inkml:trace contextRef="#ctx0" brushRef="#br0">1 1578 24575,'0'-11'0,"0"1"0,0-11 0,0 6 0,0-11 0,0 9 0,0 1 0,0 4 0,0 1 0,0 3 0,0-8 0,0 3 0,3-8 0,-2 9 0,11-14 0,-6 11 0,12-16 0,-9 14 0,7-4 0,-7 9 0,2-4 0,-3 8 0,0-7 0,0-2 0,0-1 0,5-8 0,1 4 0,-1 0 0,3 1 0,-7 5 0,3-1 0,-4 5 0,0 1 0,-1 7 0,-3-3 0,3-4 0,-3-2 0,5-11 0,4-4 0,-3 0 0,8-4 0,-4 0 0,4 4 0,-3-10 0,2 10 0,-7 0 0,7 3 0,-4 7 0,5-8 0,-2 9 0,2-9 0,-2 9 0,6-5 0,-8 1 0,11 2 0,-14-2 0,9 4 0,-7 1 0,3-1 0,-3 1 0,2 0 0,-2-1 0,3 1 0,1-5 0,7-4 0,-5 2 0,1 0 0,-5 7 0,-6 3 0,2 2 0,-4 3 0,1 1 0,-1 0 0,0-1 0,1 1 0,3-4 0,6 2 0,1-7 0,3 3 0,-5-3 0,0 3 0,-3 2 0,-2 3 0,-4 4 0,1-3 0,-1 7 0,-3-7 0,3 6 0,-3-5 0,3 2 0,0-3 0,0-1 0,1 1 0,-1-1 0,-3 1 0,3 3 0,-6-3 0,5 7 0,-5-7 0,6 7 0,-3-7 0,3 3 0,0-3 0,1-1 0,-1 4 0,-3-2 0,3 5 0,-6-6 0,2 6 0,-3-2 0</inkml:trace>
+</inkml:ink>
+</file>
+
+<file path=ppt/ink/ink16.xml><?xml version="1.0" encoding="utf-8"?>
+<inkml:ink xmlns:inkml="http://www.w3.org/2003/InkML">
+  <inkml:definitions>
+    <inkml:context xml:id="ctx0">
+      <inkml:inkSource xml:id="inkSrc0">
+        <inkml:traceFormat>
+          <inkml:channel name="X" type="integer" min="-2.14748E9" max="2.14748E9" units="cm"/>
+          <inkml:channel name="Y" type="integer" min="-2.14748E9" max="2.14748E9" units="cm"/>
+          <inkml:channel name="F" type="integer" max="32767" units="dev"/>
+        </inkml:traceFormat>
+        <inkml:channelProperties>
+          <inkml:channelProperty channel="X" name="resolution" value="1000" units="1/cm"/>
+          <inkml:channelProperty channel="Y" name="resolution" value="1000" units="1/cm"/>
+          <inkml:channelProperty channel="F" name="resolution" value="0" units="1/dev"/>
+        </inkml:channelProperties>
+      </inkml:inkSource>
+      <inkml:timestamp xml:id="ts0" timeString="2022-09-14T22:03:49.718"/>
+    </inkml:context>
+    <inkml:brush xml:id="br0">
+      <inkml:brushProperty name="width" value="0.1" units="cm"/>
+      <inkml:brushProperty name="height" value="0.1" units="cm"/>
+    </inkml:brush>
+  </inkml:definitions>
+  <inkml:trace contextRef="#ctx0" brushRef="#br0">1 1 24575,'14'0'0,"1"0"0,-3 0 0,3 3 0,-10 2 0,5-1 0,-6 3 0,8-3 0,-4 3 0,3 1 0,1 0 0,-4-1 0,3 1 0,1 0 0,-4-1 0,3 1 0,1 0 0,-4-1 0,3 1 0,-3-1 0,-1 1 0,4-1 0,-2 1 0,2-1 0,1 1 0,-4 0 0,7 0 0,-6-1 0,2 1 0,0 0 0,-2-1 0,2 1 0,-4-1 0,-3 0 0,3 1 0,-6-1 0,5 1 0,-2-1 0,4 0 0,-4 1 0,2-1 0,-2 0 0,4 1 0,-1-1 0,1 0 0,-1 1 0,0-1 0,1 1 0,-1-1 0,1 4 0,2 1 0,-1 4 0,2-4 0,-3-1 0,-1 0 0,1-2 0,0 2 0,-1-4 0,0 1 0,1 3 0,0-3 0,3 8 0,-2-8 0,2 7 0,-3-2 0,4 3 0,-3 0 0,3 1 0,-4-1 0,0 0 0,0-3 0,0 2 0,-1-7 0,1 8 0,-3-8 0,2 3 0,-3 1 0,3-4 0,1 11 0,0-6 0,-1 2 0,1-3 0,0-1 0,-4-3 0,3 4 0,-6-5 0,2 1 0,0-4 0,-2 2 0,6-2 0,-3 3 0,3 1 0,0-1 0,1 4 0,0 2 0,0-1 0,0 3 0,0-2 0,0 3 0,0 0 0,0-3 0,-1-2 0,-2-4 0,1 1 0,-5-1 0,2 0 0,0 1 0,2-1 0,2 0 0,0 1 0,1 3 0,0 1 0,4 5 0,-3-1 0,2 0 0,1 1 0,1-5 0,0 4 0,2-4 0,-6 1 0,6 2 0,-6-3 0,2 1 0,4 2 0,-6-7 0,3 3 0,-9-4 0,0 1 0,1-1 0,3 0 0,1 4 0,0 2 0,0 3 0,0 0 0,5 5 0,-4-3 0,7 3 0,-7-5 0,3 0 0,-4 1 0,0-1 0,0 0 0,0 1 0,0-5 0,0 3 0,0-6 0,-4 2 0,-1-4 0,-3 1 0,4-1 0,-4 0 0,7 0 0,-3 0 0,3 4 0,1 2 0,0 3 0,0 0 0,0 1 0,1-1 0,-5-4 0,3 0 0,-6-5 0,2 0 0,-3 1 0,3-4 0,-2 2 0,2-2 0,0 3 0,-2 4 0,6-2 0,-7 2 0,4-4 0,-1 1 0,-2-1 0,2 0 0,-3 0 0,0 0 0,3-3 0,-2 2 0,6-2 0,-7 4 0,4-1 0,-4 1 0,3-1 0,-2 0 0,2 1 0,0-1 0,-2 0 0,6 5 0,-6-4 0,6 7 0,-6-6 0,3 2 0,-1-3 0,-2-1 0,2 0 0,-3-3 0,0 0 0</inkml:trace>
+</inkml:ink>
+</file>
+
+<file path=ppt/ink/ink17.xml><?xml version="1.0" encoding="utf-8"?>
+<inkml:ink xmlns:inkml="http://www.w3.org/2003/InkML">
+  <inkml:definitions>
+    <inkml:context xml:id="ctx0">
+      <inkml:inkSource xml:id="inkSrc0">
+        <inkml:traceFormat>
+          <inkml:channel name="X" type="integer" min="-2.14748E9" max="2.14748E9" units="cm"/>
+          <inkml:channel name="Y" type="integer" min="-2.14748E9" max="2.14748E9" units="cm"/>
+          <inkml:channel name="F" type="integer" max="32767" units="dev"/>
+        </inkml:traceFormat>
+        <inkml:channelProperties>
+          <inkml:channelProperty channel="X" name="resolution" value="1000" units="1/cm"/>
+          <inkml:channelProperty channel="Y" name="resolution" value="1000" units="1/cm"/>
+          <inkml:channelProperty channel="F" name="resolution" value="0" units="1/dev"/>
+        </inkml:channelProperties>
+      </inkml:inkSource>
+      <inkml:timestamp xml:id="ts0" timeString="2022-09-14T22:03:53.363"/>
+    </inkml:context>
+    <inkml:brush xml:id="br0">
+      <inkml:brushProperty name="width" value="0.1" units="cm"/>
+      <inkml:brushProperty name="height" value="0.1" units="cm"/>
+    </inkml:brush>
+  </inkml:definitions>
+  <inkml:trace contextRef="#ctx0" brushRef="#br0">174 0 24575,'0'15'0,"0"-4"0,0 9 0,0-7 0,0 8 0,0-4 0,0-1 0,0 0 0,0 1 0,0-1 0,0 5 0,0-4 0,0 0 0,0-1 0,0 1 0,0 0 0,0 0 0,0 3 0,0-6 0,0 11 0,0-2 0,0-1 0,0 3 0,0-2 0,0 3 0,0-3 0,0 2 0,0-3 0,0 5 0,0 0 0,0 0 0,0 0 0,0 0 0,0-1 0,-8 1 0,6 0 0,-6 0 0,4 12 0,3-9 0,-3 14 0,0-16 0,-1 4 0,0-5 0,-3-5 0,7 4 0,-6-9 0,6 4 0,-6 0 0,6-3 0,-3 3 0,0-5 0,3 0 0,-6 1 0,6 4 0,-6-4 0,6 4 0,-6-5 0,6 5 0,-7-3 0,7 8 0,-2-4 0,3 17 0,0-10 0,-4 16 0,2-17 0,-2 9 0,4-8 0,0 8 0,-4-3 0,3-1 0,-4 5 0,1-5 0,-1 1 0,0-2 0,1-5 0,4-5 0,-4 4 0,3-9 0,-3 9 0,4-9 0,0 9 0,0-9 0,0 4 0,0 0 0,0 2 0,-4-1 0,3-1 0,-2-5 0,3 5 0,0-7 0,0 6 0,0-8 0,0 4 0,0-3 0,0 2 0,0-7 0,0 4 0,0-1 0,-4-3 0,3 4 0,-2-5 0,3-3 0,0-1 0</inkml:trace>
+</inkml:ink>
+</file>
+
+<file path=ppt/ink/ink18.xml><?xml version="1.0" encoding="utf-8"?>
+<inkml:ink xmlns:inkml="http://www.w3.org/2003/InkML">
+  <inkml:definitions>
+    <inkml:context xml:id="ctx0">
+      <inkml:inkSource xml:id="inkSrc0">
+        <inkml:traceFormat>
+          <inkml:channel name="X" type="integer" min="-2.14748E9" max="2.14748E9" units="cm"/>
+          <inkml:channel name="Y" type="integer" min="-2.14748E9" max="2.14748E9" units="cm"/>
+          <inkml:channel name="F" type="integer" max="32767" units="dev"/>
+        </inkml:traceFormat>
+        <inkml:channelProperties>
+          <inkml:channelProperty channel="X" name="resolution" value="1000" units="1/cm"/>
+          <inkml:channelProperty channel="Y" name="resolution" value="1000" units="1/cm"/>
+          <inkml:channelProperty channel="F" name="resolution" value="0" units="1/dev"/>
+        </inkml:channelProperties>
+      </inkml:inkSource>
+      <inkml:timestamp xml:id="ts0" timeString="2022-09-14T22:04:01.041"/>
+    </inkml:context>
+    <inkml:brush xml:id="br0">
+      <inkml:brushProperty name="width" value="0.1" units="cm"/>
+      <inkml:brushProperty name="height" value="0.1" units="cm"/>
+    </inkml:brush>
+  </inkml:definitions>
+  <inkml:trace contextRef="#ctx0" brushRef="#br0">0 0 24575,'0'0'0</inkml:trace>
+</inkml:ink>
+</file>
+
+<file path=ppt/ink/ink19.xml><?xml version="1.0" encoding="utf-8"?>
+<inkml:ink xmlns:inkml="http://www.w3.org/2003/InkML">
+  <inkml:definitions>
+    <inkml:context xml:id="ctx0">
+      <inkml:inkSource xml:id="inkSrc0">
+        <inkml:traceFormat>
+          <inkml:channel name="X" type="integer" min="-2.14748E9" max="2.14748E9" units="cm"/>
+          <inkml:channel name="Y" type="integer" min="-2.14748E9" max="2.14748E9" units="cm"/>
+          <inkml:channel name="F" type="integer" max="32767" units="dev"/>
+        </inkml:traceFormat>
+        <inkml:channelProperties>
+          <inkml:channelProperty channel="X" name="resolution" value="1000" units="1/cm"/>
+          <inkml:channelProperty channel="Y" name="resolution" value="1000" units="1/cm"/>
+          <inkml:channelProperty channel="F" name="resolution" value="0" units="1/dev"/>
+        </inkml:channelProperties>
+      </inkml:inkSource>
+      <inkml:timestamp xml:id="ts0" timeString="2022-09-14T22:04:27.372"/>
+    </inkml:context>
+    <inkml:brush xml:id="br0">
+      <inkml:brushProperty name="width" value="0.3" units="cm"/>
+      <inkml:brushProperty name="height" value="0.6" units="cm"/>
+      <inkml:brushProperty name="color" value="#969696"/>
+      <inkml:brushProperty name="tip" value="rectangle"/>
+      <inkml:brushProperty name="rasterOp" value="maskPen"/>
+    </inkml:brush>
+  </inkml:definitions>
+  <inkml:trace contextRef="#ctx0" brushRef="#br0">256 1515 16383,'35'-30'0,"6"1"0,-4 0 0,6 1 0,10-10 0,-5 6 0,13-7 0,3-2 0,9-7 0,-15 12 0,2-1 0,-7 9 0,-5 2 0,6-6 0,-25 17 0,3-4 0,-18 7 0,6 6 0,-11-4 0,9 9 0,-6-12 0,2 7 0,0-7 0,-3 2 0,6 0 0,11-11 0,-3 9 0,9-10 0,-7 9 0,5 0 0,-4-3 0,10 6 0,-10-6 0,9 6 0,-8-2 0,-2 5 0,-1-1 0,-9 0 0,4 1 0,-4 0 0,-1-4 0,5 3 0,-4-3 0,9-1 0,-8 4 0,7-8 0,-3 7 0,0-2 0,4-1 0,-9 4 0,9-4 0,-4 8 0,0-2 0,4 2 0,-8 0 0,3-2 0,-5 6 0,0-7 0,1 8 0,-1-8 0,0 4 0,5-1 0,-4-2 0,4 3 0,-5-4 0,5-1 0,2 4 0,3-3 0,1 3 0,0 0 0,5-3 0,8 2 0,7-8 0,5 2 0,1-3 0,-6 0 0,4 4 0,-11-4 0,5 5 0,-6 1 0,7-1 0,-11 5 0,-1 1 0,-13 4 0,0 0 0,-4 0 0,4 0 0,-8 0 0,7 0 0,-72-4 0,37-1 0,-63 0 0,50 1 0,0 4 0,3 0 0,2 0 0,1 0 0,-3 0 0,7 0 0,-8 0 0,9 0 0,-9 0 0,9 0 0,-4 0 0,0 0 0,3 4 0,-7 1 0,7 3 0,-8 1 0,9-1 0,-9 5 0,4-4 0,-5 4 0,5-4 0,1-1 0,5 1 0,0-5 0,-1 0 0,2-4 0,0 0 0,38-26 0,-10 12 0,39-22 0,-24 18 0,10-1 0,-10 0 0,4 1 0,0-1 0,-4 5 0,10-4 0,-10 4 0,4-1 0,-5 2 0,0 4 0,0-4 0,0 3 0,-5-2 0,4 3 0,-4 0 0,0 1 0,4-1 0,-4-4 0,5 3 0,0-3 0,-1 1 0,1 2 0,0-3 0,0 4 0,-5 4 0,-1-3 0,-5 4 0,1-1 0,-1 1 0,0 1 0,4 2 0,-3-6 0,7 6 0,-6-3 0,3 4 0,-5 0 0,0 0 0,1 0 0,2 0 0,-1 0 0,-3 0 0,4 0 0,-6 0 0,6 0 0,2 0 0,-3 0 0,8 0 0,-4 0 0,5 0 0,5 0 0,-4 0 0,4 0 0,-5 0 0,0 0 0,5 0 0,-4 0 0,5 0 0,-6 0 0,-1 0 0,7 0 0,-5 0 0,4 0 0,0 0 0,-4 0 0,0 0 0,-2 0 0,-4 0 0,5 0 0,0 0 0,-1 0 0,1 0 0,0 0 0,0 0 0,0 0 0,5 4 0,-4-2 0,10 2 0,-5-4 0,6 0 0,-5 0 0,3 4 0,-8-3 0,3 4 0,-5-5 0,-5 0 0,3 0 0,5 0 0,-6 0 0,9 0 0,-6 0 0,1 0 0,5 0 0,-6 0 0,-5 0 0,-1 0 0,-5 0 0,0 0 0,4 0 0,-7 0 0,5 0 0,-3 0 0,-2 0 0,13 0 0,-1 0 0,11 0 0,3 0 0,0 0 0,-5 0 0,4 0 0,1 0 0,8 0 0,5 0 0,1 0 0,22 0 0,-10 0 0,6 0 0,10 0 0,-15 0 0,7 0 0,-1 0 0,-24 0 0,12 0 0,-7 0 0,-12 0 0,2 0 0,-14 0 0,-2 0 0,-1 0 0,-9 0 0,9 0 0,-9 0 0,4 0 0,-8 0 0,2 0 0,1 0 0,4 0 0,-3 0 0,0 0 0,-4 0 0,5 3 0,4-2 0,-1 2 0,5-3 0,-4 0 0,5 0 0,0 0 0,5 0 0,-4 4 0,10-3 0,-10 3 0,9-4 0,-8 4 0,8-3 0,-3 3 0,5 0 0,0-3 0,0 8 0,0-8 0,-1 8 0,1-8 0,-5 7 0,4-3 0,-5 5 0,1-1 0,3 5 0,-3-3 0,11 8 0,-4-8 0,10 4 0,-11-1 0,5-3 0,-6 8 0,-5-9 0,-7 3 0,-6-4 0,0-1 0,-3 1 0,3-1 0,-5 0 0,0 0 0,1-3 0,-1-1 0,0-1 0,1-2 0,4 3 0,-4-4 0,4 3 0,0-2 0,1 3 0,10-4 0,-3 4 0,14-3 0,-8 3 0,10 0 0,-6 2 0,0 3 0,0 1 0,-6-1 0,0 1 0,-12-6 0,0 4 0,-9-7 0,3 2 0,2-3 0,4 0 0,6 0 0,11 0 0,-3 0 0,16 5 0,-10 5 0,-1 5 0,-3 4 0,-9-1 0,5 1 0,-6-1 0,-1 0 0,1-1 0,0-3 0,0-1 0,0 0 0,7 1 0,-10-1 0,9 0 0,-16-5 0,4 4 0,-4-3 0,-1 3 0,0-4 0,0 4 0,5-3 0,2 3 0,3 1 0,1-3 0,0 3 0,0-4 0,0 0 0,0 0 0,0 4 0,-5-3 0,-1 2 0,-5-4 0,0 0 0,-3 0 0,2 0 0,1 3 0,1-2 0,-2 2 0,1-6 0,-4-2 0,4 1 0,4 0 0,-7 1 0,6-2 0,-8 1 0,5 0 0,2 3 0,-6-3 0,5 0 0,-2-1 0,-3 1 0,13 0 0,-11 3 0,9-6 0,-10 2 0,2 1 0,0-3 0,1 3 0,1 2 0,6 2 0,-9 3 0,9 1 0,-15-4 0,7-1 0,0 1 0,0-1 0,3-3 0,0 3 0,-5-3 0,4 0 0,-2 2 0,4-5 0,0 2 0,1-3 0,-4 4 0,0-3 0,1 6 0,-2-6 0,1 6 0,-5 3 0,-3 9 0,-5-3 0,-3 6 0,0-10 0,0 4 0,0 2 0,0-3 0,3 3 0,4-4 0,1-3 0,9 0 0,-5-4 0,2 1 0,3-1 0,-67 0 0,22-3 0,-51-1 0,28-3 0,5-5 0,-7-1 0,0-4 0,1-5 0,5 3 0,-21-16 0,23 10 0,-18-11 0,24 10 0,6 0 0,1 0 0,5 2 0,0-1 0,5 4 0,1-2 0,4 7 0,1-3 0,0 4 0,4 4 0,-3-7 0,0 10 0,-4-6 0,3 7 0,-2 0 0,5 0 0,-8-4 0,4 3 0,-9-3 0,4 4 0,-5 0 0,0 0 0,1 0 0,-7 0 0,5 0 0,-10 0 0,5 0 0,-1 0 0,2 0 0,5 0 0,0 0 0,1 0 0,3 0 0,-2 0 0,7 0 0,-7 0 0,7 0 0,-8 0 0,4 0 0,-5 0 0,5 0 0,-4 0 0,4 0 0,-5 0 0,1 0 0,-1 0 0,-5 0 0,-2 0 0,-11-4 0,-9 2 0,6-2 0,-17-1 0,10 3 0,-29-7 0,18 7 0,-10-2 0,24-1 0,5 4 0,-4-4 0,10 5 0,-4 0 0,0 0 0,5 0 0,-11 0 0,10 0 0,-10 0 0,11 0 0,-12 0 0,12 0 0,-5 0 0,7 0 0,-1 0 0,7 0 0,-6 0 0,10 0 0,-16 0 0,19 0 0,-13 0 0,20 0 0,-7 0 0,3 0 0,-5 0 0,0 0 0,0 4 0,0 1 0,0 4 0,1 0 0,-9 4 0,7-3 0,-6 2 0,7 1 0,0-3 0,-5 8 0,-2-4 0,-5 1 0,0 4 0,0-4 0,-17 13 0,13-6 0,-13 6 0,11-3 0,10-5 0,-9 4 0,9 1 0,-16 3 0,13-5 0,-18 6 0,26-18 0,-4 6 0,8-9 0,-3 4 0,5-2 0,-3 2 0,7-1 0,3-2 0,1 2 0,1-2 0,-1 2 0,3-3 0,-6 4 0,11-5 0,-6 4 0,2 0 0,0 9 0,-3-3 0,6 8 0,-15 9 0,8-4 0,-9 4 0,11-9 0,-1-7 0,5 3 0,-1-6 0,6-2 0,2 4 0,3-2 0,0 11 0,0-6 0,0 7 0,-7-10 0,5-1 0,-5-1 0,7-1 0,0 1 0,-3-80 0,20 5 0,-9 2 0,1-2 0,18-25 0,-10 32 0,-2 0 0,5-40 0,-7 39 0,-2-2 0,-4-10 0,-1 3 0,-1-9 0,-5 16 0,0 1 0,4-5 0,-2-8 0,7-3 0,-4 20 0,0 2 0,-1 19 0,-4 8 0,4-2 0,-3 8 0,2-1 0,1 2 0,0-1 0,18 12 0,26 8 0,11 7 0,36 8 0,-22-6 0,-19-3 0,0 0 0,13 2 0,9 3 0,6-4 0,-28-6 0,12-1 0,3-3 0,11-12 0,13-8 0,1-6 0,-8-10 0,3-1 0,-3 0 0,-23 2 0,23 0 0,-40 11 0,-26 14 0,3 0 0,-16 6 0,-55 28 0,8-3 0,-30 14 0,-7 4 0,29-15 0,-1-1 0,-28 13 0,1-3 0,26-13 0,3-3 0,-48 9 0,44-15 0,3-2 0,-19 2 0,-10 3 0,26-4 0,-7-1 0,3 0 0,-3 0 0,-11 14 0,25-11 0,-19 14 0,22-12 0,12-1 0,1-2 0,12-4 0,4-1 0,-3 1 0,3 0 0,-17 16 0,9-3 0,-28 28 0,27-24 0,-19 11 0,15-12 0,6-9 0,-7 11 0,17-17 0,-6 6 0,53-11 0,-23-1 0,39-3 0,-33 0 0,-1 0 0,16 0 0,-5 0 0,26 0 0,-15 0 0,15 0 0,1 0 0,-14 0 0,28 0 0,-40 0 0,18 0 0,-6 0 0,-8 0 0,33 0 0,-26 0 0,8 0 0,-7 0 0,-6 4 0,-2 1 0,-12-1 0,-5 7 0,-3-6 0,5 3 0,-6-5 0,5-3 0,-10 0 0,17 4 0,-17-3 0,12 2 0,-7 1 0,0-3 0,7 2 0,-10-3 0,14 0 0,-16 0 0,25 0 0,-15 0 0,26-4 0,-17-1 0,27-8 0,-29 3 0,16-3 0,-23 5 0,-2 3 0,4-2 0,-9 6 0,23-11 0,-5 1 0,26-7 0,-15 3 0,11-2 0,-27 11 0,4-6 0,-21 12 0,6-4 0,-1-17 0,6-8 0,3-15 0,11-18 0,-2-18 0,0 9 0,-14 19 0,-1 3 0,4 4 0,2-23 0,-13 43 0,-2-7 0,-8 13 0,0 7 0,0-10 0,0 9 0,0-19 0,0 8 0,0-17 0,0 17 0,8-12 0,-7 22 0,10-4 0,-4 7 0,4 3 0,7-2 0,-6 6 0,5 1 0,-2 3 0,8 0 0,-2 0 0,9 0 0,5-4 0,0 3 0,0-3 0,-8 4 0,-11 0 0,-1 0 0,-31-28 0,-28 11 0,-1-1 0,-4 1 0,-45 6 0,33 8 0,-2 1 0,-4 2 0,0 0 0,11 0 0,0 0 0,-22 0 0,4 0 0,-2 0 0,-14 0 0,21 9 0,12-2 0,-37 8 0,19 0 0,23-9 0,0 0 0,-24 4 0,-24-1 0,25-8 0,0 8 0,-11-8 0,-9 4 0,36-5 0,0 0 0,6 0 0,-1 0 0,-11 0 0,4 0 0,-1 0 0,6 0 0,-1 0 0,-13 0 0,3 0 0,15 0 0,33-4 0,0 4 0,-14-4 0,-18 4 0,-29 0 0,0 0 0,3 0 0,28 0 0,-7 8 0,19 2 0,1 3 0,9 2 0,14-9 0,3 3 0,-12-2 0,-22-2 0,-50 1 0,24-5 0,-5-2 0,-7 1 0,-5 0 0,18 0 0,-3 0 0,4 0 0,-7 0 0,1 0 0,-21 0 0,5 0 0,-5 0 0,18 4 0,-1 2 0,26 0 0,2 1 0,-5 1 0,1 1 0,3-1 0,2 0 0,-19 6 0,2-2 0,8 1 0,12 0 0,2-3 0,8-1 0,-9-1 0,8-3 0,-5 3 0,-25 2 0,-16 0 0,27-4 0,-4-1 0,-6 3 0,1 0 0,13-2 0,0 1 0,-6 3 0,1 0 0,-33 7 0,2 3 0,25-9 0,36-12 0,17-11 0,-3 11 0,-14 5 0,-33 35 0,14-13 0,-28 23 0,18-13 0,-26 21 0,12-15 0,7 2 0,21-19 0,9 3 0,1-2 0,-6 6 0,12-10 0,-10 6 0,15-11 0,-11 6 0,15-6 0,-18 7 0,8-2 0,-17 7 0,-3 2 0,9-8 0,-8 5 0,15-10 0,-11 4 0,8-2 0,1-4 0,10-4 0,7-1 0,2-3 0,3 2 0,-8-2 0,0 6 0,-5-2 0,4 3 0,-6 1 0,12-4 0,-12-1 0,14 0 0,-11-3 0,8 2 0,-8-2 0,7-1 0,-6 1 0,5 0 0,-6 0 0,3 0 0,-4-4 0,4 4 0,-3-7 0,7 6 0,-3-7 0,7 7 0,-4-6 0,4 11 0,-3-7 0,2 8 0,1-3 0,1-2 0,-2 9 0,5-9 0,1 9 0,-3-5 0,6 2 0,-11-3 0,7 2 0,-6-5 0,67-26 0,-11 2 0,15-7 0,4-3 0,21-9 0,8-4 0,-20 2 0,-4 12 0,0-6 0,11 10 0,3-2 0,-6 7 0,13-3 0,-12 3 0,10-4 0,-12 5 0,-13 1 0,-12 1 0,-12 7 0,21-14 0,-1 3 0,35-14 0,-41 13 0,1 0 0,3-1 0,0 0 0,2 0 0,0 0 0,-8 5 0,1 0 0,8 1 0,3 1 0,6 0 0,4-1 0,19-7 0,4-3 0,-24 6 0,2-1 0,-1-1 0,24-12 0,-1 0 0,1 2 0,-4 1 0,-26 5 0,-3 1 0,0 5 0,-2 1 0,-10 3 0,0 0 0,6 3 0,1-1 0,7-2 0,-2-1 0,34-4 0,-29 5 0,0-1 0,20-2 0,-29 7 0,1 1 0,-5 0 0,-1 0 0,39-6 0,-5 3 0,-13 1 0,-18 2 0,-21 7 0,-11-3 0,-12 4 0,10 0 0,5 0 0,12 4 0,9 5 0,2 5 0,5 4 0,-10-2 0,-10-6 0,-16-4 0,-4-6 0,5 0 0,3 0 0,15 0 0,-1 0 0,-1 0 0,-7 0 0,-13 0 0,-5 0 0,8 7 0,-5-2 0,9 6 0,-7-3 0,-4 2 0,3 2 0,-2 3 0,2-1 0,1 1 0,-7 0 0,-1-1 0,-7 4 0,0 8 0,0 7 0,-7 9 0,1-7 0,-5-7 0,3-9 0,0 8 0,-9 20 0,-4 21 0,-14 19 0,9-7 0,-5-18 0,20-22 0,-3-17 0,9-9 0,-2 1 0,-4 0 0,3-1 0,1 1 0,0 3 0,7 32 0,-4-1 0,4 23 0,0 0 0,0-20 0,0 4 0,0-7 0,0-14 0,0 10 0,4-12 0,0-9 0,1-4 0,1-10 0,7-3 0,4 1 0,4-1 0,-6-3 0,-2-1 0,-5-25 0,-2 11 0,-3-28 0,-3 12 0,0 1 0,-11-12 0,4 12 0,-9-7 0,8 9 0,0-3 0,0-2 0,4-14 0,-4-12 0,7-5 0,-3-18 0,1 24 0,2-1 0,-6 34 0,0 7 0,-13 6 0,-11-3 0,-8-2 0,-12-8 0,2-2 0,-39-10 0,3 3 0,13 5 0,-3 0 0,18 2 0,1 1 0,-5-4 0,-1 0 0,1-1 0,2 3 0,-32-3 0,33 11 0,1 4 0,-29 7 0,-4-4 0,33 5 0,-2 2 0,2-1 0,-5 0 0,-24-1 0,-5 3 0,3 5 0,0 4 0,-4 2 0,0 3 0,3 4 0,1 4 0,8 5 0,3 2 0,16-7 0,2-1 0,3 0 0,3-1 0,-24 5 0,5-9 0,-6 3 0,-6-3 0,20 3 0,3-4 0,28-2 0,5-4 0,4-3 0,8 1 0,2-5 0,66 2 0,17-3 0,-3-4 0,3-1 0,-10 2 0,-3-1 0,0-1 0,-3 0 0,38 1 0,-12 4 0,12 0 0,-22 0 0,1 0 0,-9 0 0,-5 0 0,17 0 0,-21 0 0,12 0 0,-3 0 0,-5 0 0,17 0 0,-22 0 0,4 0 0,-12 0 0,13 4 0,-10 0 0,4 4 0,-17 0 0,-8-4 0,-2 3 0,6-6 0,5 7 0,9-8 0,-1 8 0,-8-4 0,1 4 0,-10 0 0,2 0 0,-8-1 0,-4-3 0,-2 6 0,-1-2 0,9 7 0,-1 3 0,3-2 0,-5 6 0,2 1 0,7 13 0,-1-5 0,2 0 0,-10-13 0,-3-6 0,4-1 0,4-3 0,23 4 0,-13-3 0,11-1 0,-17-1 0,6 1 0,0 1 0,9 3 0,-5-4 0,-7 0 0,-7-4 0,-6 3 0,-1 1 0,10 0 0,-2 6 0,-4-9 0,-10 5 0,0 4 0,-5 3 0,6 9 0,-4 2 0,-3-8 0,3 6 0,-3-14 0,1 2 0,12-74 0,9-18 0,-6 13 0,2-2 0,-4 17 0,-1 3 0,11-24 0,-11 8 0,-7-2 0,4-1 0,-6 4 0,-4 40 0,-15-11 0,-20 4 0,-10-22 0,3 10 0,14 0 0,16 26 0,2 8 0,-10 58 0,-1 46 0,5-32 0,2 5 0,3 16 0,2-2 0,2-19 0,1-5 0,2-7 0,0-5 0,0 10 0,0-32 0,10-8 0,-1-6 0,16 6 0,-8-10 0,2 0 0,-6-2 0,-2-2 0,3 7 0,0 0 0,-3 4 0,-4-1 0,-3 13 0,0 20 0,-3 5 0,2 8 0,1-25 0,-3-13 0,-30-61 0,10 13 0,-22-32 0,25 35 0,2 12 0,3 1 0,-15-6 0,8 1 0,-23-12 0,5 4 0,-18-9 0,-8 1 0,13 5 0,-5 1 0,28 12 0,-26-11 0,13 9 0,-20-6 0,12 8 0,15 9 0,12 1 0,14 3 0</inkml:trace>
+</inkml:ink>
+</file>
+
+<file path=ppt/ink/ink2.xml><?xml version="1.0" encoding="utf-8"?>
+<inkml:ink xmlns:inkml="http://www.w3.org/2003/InkML">
+  <inkml:definitions>
+    <inkml:context xml:id="ctx0">
+      <inkml:inkSource xml:id="inkSrc0">
+        <inkml:traceFormat>
+          <inkml:channel name="X" type="integer" min="-2.14748E9" max="2.14748E9" units="cm"/>
+          <inkml:channel name="Y" type="integer" min="-2.14748E9" max="2.14748E9" units="cm"/>
+          <inkml:channel name="F" type="integer" max="32767" units="dev"/>
+        </inkml:traceFormat>
+        <inkml:channelProperties>
+          <inkml:channelProperty channel="X" name="resolution" value="1000" units="1/cm"/>
+          <inkml:channelProperty channel="Y" name="resolution" value="1000" units="1/cm"/>
+          <inkml:channelProperty channel="F" name="resolution" value="0" units="1/dev"/>
+        </inkml:channelProperties>
+      </inkml:inkSource>
+      <inkml:timestamp xml:id="ts0" timeString="2022-09-14T21:56:23.044"/>
+    </inkml:context>
+    <inkml:brush xml:id="br0">
+      <inkml:brushProperty name="width" value="0.1" units="cm"/>
+      <inkml:brushProperty name="height" value="0.1" units="cm"/>
+    </inkml:brush>
+  </inkml:definitions>
+  <inkml:trace contextRef="#ctx0" brushRef="#br0">0 188 24575,'29'0'0,"21"0"0,-6-4 0,53-3 0,-28-4 0,-19 4 0,2 1 0,33-1 0,8-4-1140,-6 10 1140,6-5 0,-23 6 0,28 0 0,-24 0 0,-23 0 0,0 0 0,34 0 0,8 0 0,-6 0 0,-9 0 373,-4 0-373,-13 0 189,7 0-189,-13 0 0,3 0 0,-17 4 578,4-3-578,-6 4 0,0-5 0,0 0 0,-6 0 0,5 0 0,-5 0 0,1 0 0,3 0 0,-3 0 0,5 4 0,0-3 0,0 3 0,0-4 0,0 0 0,0 0 0,6 0 0,-5 0 0,5 0 0,0 0 0,-4 0 0,4 0 0,-12 4 0,5-3 0,-10 7 0,4-3 0,-10 4 0,4 0 0,-9-1 0,9-3 0,-8 2 0,6-3 0,-11 1 0,6-2 0,-11-3 0,3 0 0,-3 0 0,-1 0 0,0 0 0,1 0 0,-1 0 0,0 0 0,1 0 0,-1 0 0,3 0 0,6 0 0,5 0 0,6-4 0,-1 3 0,1-7 0,5 3 0,-4 0 0,5-4 0,-1 8 0,-4-6 0,4 6 0,-10-3 0,4 4 0,-9 0 0,4 0 0,0 0 0,-3 0 0,3 0 0,-5 0 0,5 0 0,-3 0 0,3 0 0,-5 0 0,0 0 0,-3 0 0,2 0 0,-7 0 0,8 0 0,-8 0 0,7 0 0,-2 0 0,3 0 0,0 0 0,1 0 0,-1 0 0,0 0 0,0 0 0,1 0 0,-1 0 0,0 0 0,1 0 0,4 0 0,-4 0 0,9 0 0,-4 0 0,10 0 0,-4 0 0,5 0 0,-1 0 0,1 0 0,1 0 0,4 0 0,-5 0 0,6 0 0,0 0 0,17 0 0,-12 0 0,12 0 0,-17 0 0,0 0 0,-6 0 0,5 0 0,-10 0 0,10 0 0,-5 0 0,6 0 0,0 0 0,0 4 0,-5-3 0,-2 3 0,-5-4 0,-1 4 0,-4-3 0,-1 3 0,0-4 0,-3 0 0,3 4 0,-5-3 0,0 2 0,13 1 0,-6-3 0,12 3 0,-9-4 0,-4 3 0,4-2 0,-8 3 0,7-4 0,-7 0 0,3 0 0,0 0 0,1 0 0,5 0 0,0 0 0,-1 0 0,7 0 0,0 0 0,1 0 0,3 0 0,-3 0 0,11 0 0,-10 0 0,9 0 0,-11 0 0,18 0 0,-9 0 0,4 0 0,-14 0 0,-10 0 0,4 0 0,-9 0 0,4 0 0,-4 0 0,-5 0 0,3 0 0,-2 0 0,3 0 0,0 0 0,0 0 0,5 0 0,-3 0 0,8 0 0,-4 0 0,10 0 0,-4 4 0,10 1 0,13 4 0,-8 1 0,13 0 0,-17-5 0,0 4 0,-6-4 0,5 5 0,-4-5 0,-1-1 0,5-4 0,-5 0 0,6 0 0,-5 0 0,4 0 0,-10 0 0,9 0 0,-3 0 0,0 0 0,3 0 0,-9 0 0,10 0 0,-10 0 0,10 0 0,-15 0 0,20 0 0,-18 0 0,10-4 0,-10 3 0,-7-6 0,7 6 0,-7-6 0,3 6 0,0-6 0,-4 6 0,4-3 0,-4 0 0,-1 3 0,-4-3 0,4 4 0,-4-3 0,4 2 0,1-3 0,4 0 0,1 3 0,10-7 0,-4 7 0,10-8 0,-5 8 0,18-8 0,-9 8 0,9-3 0,-12 0 0,0 3 0,0-4 0,0 5 0,0 0 0,-5 0 0,3 0 0,-9 0 0,10 0 0,-10 0 0,10 0 0,-10 0 0,10 0 0,-10 0 0,9 0 0,-8 0 0,8 0 0,-9 0 0,10 0 0,8 0 0,-10 0 0,14 0 0,-22 0 0,4 0 0,0 0 0,2-4 0,5 3 0,0-3 0,-6 4 0,5 0 0,-4-5 0,5 4 0,-6-3 0,5 4 0,-15 0 0,8 0 0,-13 0 0,7 0 0,-7 0 0,3 0 0,0 0 0,-4 0 0,9 0 0,-4 0 0,0-4 0,4 3 0,-4-2 0,5-1 0,0-1 0,0 0 0,-5-3 0,-1 4 0,-5-1 0,0-2 0,1 6 0,-1-6 0,0 6 0,1-3 0,4 0 0,-4 3 0,9-7 0,-9 7 0,9-7 0,-9 4 0,9-1 0,-4-3 0,0 7 0,-1-6 0,-4 6 0,-1-7 0,0 8 0,0-8 0,1 7 0,-1-6 0,0 6 0,1-2 0,4-1 0,-4 3 0,9-7 0,-4 7 0,10-3 0,-4 0 0,10 3 0,-10-7 0,10 7 0,-10-3 0,10 4 0,-10 0 0,4 0 0,-5 0 0,0 0 0,11 0 0,-8 0 0,9 0 0,-12 0 0,-5 0 0,4 0 0,-9 0 0,9 0 0,-9 0 0,9 0 0,-4 0 0,5 0 0,0 0 0,0 0 0,5 0 0,-4 0 0,5 0 0,-7 4 0,1-3 0,-5 6 0,-1-6 0,0 7 0,-3-7 0,7 7 0,-7-7 0,7 3 0,10 4 0,-5-6 0,5 9 0,-14-10 0,-5 3 0,5-4 0,-7 3 0,6-2 0,-8 2 0,1-3 0,-2 0 0,5 0 0,-3 0 0,8 0 0,6 4 0,-9-2 0,13 2 0,-8-4 0,15 4 0,-8 2 0,8-1 0,-11 3 0,12-7 0,-14 3 0,14 0 0,-22-3 0,0 3 0,-2-4 0,-6 0 0,11 0 0,-11 0 0,11 0 0,-7 0 0,3 4 0,5-3 0,-4 2 0,4-3 0,-4 0 0,-1 4 0,-4-3 0,8 6 0,-10-6 0,10 3 0,-8 0 0,1-3 0,-2 3 0,-4-4 0,9 4 0,-6-3 0,10 3 0,-12-1 0,3-2 0,-3 2 0,3-3 0,2 4 0,3 0 0,-4 1 0,4-2 0,-8 0 0,3-2 0,-3 3 0,-1-4 0,0 0 0,0 3 0,1-3 0,-1 4 0,0-4 0,1 3 0,-1-2 0,0 5 0,-3 4 0,-1 12 0,-3 3 0,0 19 0,0-9 0,0 16 0,0-11 0,0 6 0,0-8 0,0 1 0,0 0 0,0-5 0,0 4 0,0-10 0,0 4 0,0-5 0,0 0 0,0-1 0,0 1 0,0-5 0,-4 4 0,3-4 0,-7 5 0,4-5 0,-5 4 0,4 2 0,-3 0 0,7 4 0,-7-5 0,7-5 0,-3 4 0,4-9 0,0 4 0,0-1 0,0-3 0,-3 2 0,2-2 0,-7 4 0,7 1 0,-3 5 0,4-1 0,-4 7 0,3-5 0,-3 4 0,4-5 0,0 0 0,0 0 0,0-5 0,0 4 0,0-9 0,0 9 0,0-4 0,0 5 0,0 0 0,0-1 0,0 7 0,0-5 0,0 9 0,0-8 0,4 15 0,-3-14 0,7 8 0,-4-15 0,5 2 0,0-3 0,-4 5 0,3 0 0,-3 5 0,4 2 0,1 0 0,-5 3 0,3-9 0,-7 10 0,3-10 0,-1 0 0,-2-7 0,3-9 0,-4 3 0,0-6 0,0 2 0,0-4 0,0 1 0,0-1 0,0 4 0,0 1 0,0 9 0,0-3 0,0 13 0,0-7 0,0 13 0,0-9 0,0 10 0,4-10 0,-3 4 0,3-5 0,0 0 0,-3-5 0,3-1 0,0 0 0,-3-4 0,6 4 0,-2-4 0,-1-1 0,0 0 0,0 5 0,1 9 0,0-2 0,3 2 0,-7-5 0,2-2 0,1 3 0,-3 1 0,7 0 0,-7-5 0,3-1 0,0 0 0,-3-3 0,3-1 0,-4-2 0,3-6 0,-2 2 0,2-4 0,-3 1 0,0-1 0,0 0 0,0 5 0,0 0 0,0 12 0,0-6 0,0 5 0,0-6 0,0 4 0,0-4 0,0 4 0,0-5 0,0 5 0,0-3 0,-4 13 0,3-8 0,-8 15 0,8-10 0,-7 10 0,6-5 0,-2 6 0,4-5 0,0 4 0,0-15 0,0 8 0,0-14 0,0 4 0,0-4 0,0 6 0,0 0 0,0 2 0,0 0 0,0-2 0,0 3 0,0 7 0,0-5 0,0-1 0,0-6 0,0-4 0,0-5 0,0-1 0,0-3 0,0 8 0,0-7 0,0 16 0,0-7 0,0 9 0,0 0 0,0 0 0,0-5 0,0 4 0,0-9 0,0 11 0,0-14 0,0 5 0,0-12 0,0 1 0,0-1 0,0 4 0,0 2 0,0 8 0,4-4 0,-3 9 0,6-4 0,-1 10 0,-1-4 0,3 5 0,-3-11 0,-1 4 0,4-4 0,-7 5 0,3-5 0,-4-1 0,0-5 0,0-4 0,0 0 0,0-2 0,0-1 0,0 1 0,0-3 0,0 0 0,0 0 0,0 1 0,0-1 0,0 0 0,0 1 0,0-1 0,0 0 0,0 0 0,0 5 0,0-4 0,0 7 0,0-3 0,0 5 0,0-5 0,0 3 0,0-6 0,0 2 0,0-4 0,0 1 0,0-1 0,0 0 0,0 1 0,0-1 0,0 0 0,0 1 0,0 8 0,0-7 0,0 11 0,0-11 0,0 6 0,0-7 0,0 4 0,0-5 0,0 0 0,0 0 0,0 1 0,0-1 0,0 0 0,0 0 0,0 1 0,0-1 0,0 5 0,0 5 0,0 0 0,0 9 0,0-4 0,0 5 0,0 0 0,0-1 0,0 1 0,0 0 0,0-5 0,0-1 0,0-8 0,0-2 0,0-4 0,0 1 0,0-1 0,0 0 0,0 0 0,4 4 0,-3 2 0,6 3 0,-6 5 0,2-4 0,-3 4 0,0-4 0,0-5 0,4-1 0,-4-3 0,4-1 0,-4 0 0,3-2 0,-5-2 0,-2-3 0,-3 0 0,-3 0 0,3 0 0,0 0 0,0 0 0,0 0 0,0 0 0,0 0 0,0 0 0,-1 0 0,1 0 0,0 0 0,0 0 0,0 0 0,0 0 0,0 0 0,1 0 0,-1 0 0,0 0 0,-1 0 0,1 3 0,-1-2 0,1 2 0,0-3 0,-1 0 0,1 0 0,0 0 0,-1 0 0,1 0 0,0 0 0,-2 0 0,4 3 0,-4 1 0,6 3 0,-1 0 0,-2-3 0,5-1 0,-2-3 0</inkml:trace>
+</inkml:ink>
+</file>
+
+<file path=ppt/ink/ink20.xml><?xml version="1.0" encoding="utf-8"?>
+<inkml:ink xmlns:inkml="http://www.w3.org/2003/InkML">
+  <inkml:definitions>
+    <inkml:context xml:id="ctx0">
+      <inkml:inkSource xml:id="inkSrc0">
+        <inkml:traceFormat>
+          <inkml:channel name="X" type="integer" min="-2.14748E9" max="2.14748E9" units="cm"/>
+          <inkml:channel name="Y" type="integer" min="-2.14748E9" max="2.14748E9" units="cm"/>
+          <inkml:channel name="F" type="integer" max="32767" units="dev"/>
+        </inkml:traceFormat>
+        <inkml:channelProperties>
+          <inkml:channelProperty channel="X" name="resolution" value="1000" units="1/cm"/>
+          <inkml:channelProperty channel="Y" name="resolution" value="1000" units="1/cm"/>
+          <inkml:channelProperty channel="F" name="resolution" value="0" units="1/dev"/>
+        </inkml:channelProperties>
+      </inkml:inkSource>
+      <inkml:timestamp xml:id="ts0" timeString="2022-09-14T22:04:33.369"/>
+    </inkml:context>
+    <inkml:brush xml:id="br0">
+      <inkml:brushProperty name="width" value="0.3" units="cm"/>
+      <inkml:brushProperty name="height" value="0.6" units="cm"/>
+      <inkml:brushProperty name="color" value="#969696"/>
+      <inkml:brushProperty name="tip" value="rectangle"/>
+      <inkml:brushProperty name="rasterOp" value="maskPen"/>
+    </inkml:brush>
+  </inkml:definitions>
+  <inkml:trace contextRef="#ctx0" brushRef="#br0">0 969 16383,'38'-9'0,"2"2"0,-30 4 0,10-5 0,0-1 0,-2-3 0,11-1 0,-11 4 0,3-7 0,-5 7 0,1-7 0,-1 7 0,0-3 0,-4 5 0,4-2 0,-1-2 0,-1 6 0,7-9 0,-11 9 0,8-2 0,-5 0 0,3 2 0,0-3 0,1 0 0,4-1 0,-8 1 0,7 4 0,-8-3 0,3 3 0,0-3 0,0-1 0,1 0 0,5 0 0,-4-4 0,9-2 0,-4 1 0,5-4 0,0 7 0,0-7 0,-5 7 0,-1-2 0,-5 4 0,1 0 0,4-1 0,-4-3 0,9 2 0,-4-6 0,5 6 0,-5-6 0,4 2 0,-4 1 0,0 1 0,-1 3 0,0 1 0,-4 3 0,4-3 0,0 3 0,2-3 0,9-1 0,1-1 0,6-4 0,0 3 0,12-7 0,-9 7 0,4-2 0,-14 4 0,-10 4 0,-1-3 0,0 7 0,-3-6 0,7 6 0,-7-6 0,7 2 0,-2-4 0,3 0 0,1 1 0,0-1 0,0 4 0,0-3 0,-5 3 0,-1 0 0,0 2 0,-4-1 0,4 3 0,0-3 0,2 0 0,3 3 0,1-7 0,0 7 0,0-7 0,0 7 0,-5-2 0,-1 3 0,-5 0 0,1 0 0,-1 0 0,0 0 0,1 0 0,4 0 0,-4 0 0,9 0 0,-4 0 0,5 0 0,-5 0 0,-1 0 0,-5 0 0,-3 0 0,5 0 0,-5 0 0,10 0 0,-1 0 0,3-4 0,2 3 0,0-7 0,5 7 0,-3-7 0,-2 7 0,-1-3 0,-13 4 0,7 0 0,-7 0 0,2-4 0,4 4 0,-7-4 0,9 4 0,-9-3 0,6-1 0,3 0 0,1-4 0,0 4 0,4-5 0,-4 4 0,5-3 0,-1 3 0,-3 0 0,-2-2 0,-9 6 0,7-6 0,-3 6 0,4-6 0,-4 6 0,-1-2 0,3-1 0,-4 3 0,7-2 0,-10 0 0,4 2 0,3-6 0,-5 3 0,5 0 0,-6-3 0,4 6 0,0-6 0,0 3 0,0-1 0,4-2 0,-7 6 0,5-5 0,-64 5 0,32-2 0,-50 7 0,42 1 0,-11 4 0,5 0 0,-22 12 0,18-6 0,-20 16 0,12-5 0,-3 10 0,-4-3 0,10 8 0,1-9 0,6 3 0,10-12 0,-1-1 0,12-10 0,1 0 0,-2 7 0,1-5 0,-4 15 0,-3-6 0,5 9 0,-6 1 0,1 6 0,2-5 0,-3-7 0,7-6 0,2-4 0,5-5 0,-1 6 0,3-6 0,-2 9 0,3-8 0,0 5 0,0-4 0,0 1 0,-3 3 0,-4-4 0,-2 1 0,-1 0 0,2-4 0,-2 3 0,-2 2 0,0 0 0,0 4 0,4-8 0,0 2 0,1-2 0,-11-8 0,1-8 0,-3-15 0,5-1 0,7-6 0,-1 9 0,0-9 0,1 8 0,3-3 0,-2 5 0,6 0 0,-6 0 0,0 4 0,-9 5 0,-5 3 0,-4 0 0,-2 3 0,0-3 0,-5 4 0,4 0 0,-10 0 0,10 0 0,-10 0 0,10 0 0,-9 5 0,8 0 0,-8 9 0,9-4 0,-10 8 0,4-3 0,-5 0 0,0 4 0,6-9 0,-5 4 0,10-5 0,0 0 0,3 0 0,7-1 0,-3-3 0,9-1 0,-3-4 0,-1 0 0,-4 0 0,-1 0 0,6 0 0,-5 0 0,6 0 0,-12 0 0,4-4 0,-5 3 0,1-7 0,-7 7 0,5-7 0,-4 7 0,0-8 0,4 8 0,-5-7 0,6 7 0,5-3 0,-3 4 0,7 0 0,-3 0 0,5 0 0,4 0 0,-11 0 0,13 0 0,-13 0 0,4 0 0,6 0 0,-8 0 0,76-35 0,-15 5 0,46-20 0,-20 17 0,-17 7 0,10 4 0,-13 1 0,-1 2 0,-11 8 0,-2-2 0,0 4 0,-4 0 0,10-5 0,-5 3 0,6-3 0,0 0 0,0 3 0,-5-7 0,4 8 0,-5-8 0,6 7 0,0-3 0,0 0 0,0 3 0,6-8 0,-5 8 0,0-3 0,-2 0 0,-10 4 0,4-4 0,-10 5 0,4 1 0,-4-1 0,0 0 0,4 0 0,-8 1 0,3 3 0,-5-2 0,-4 3 0,7-1 0,-3-5 0,5 5 0,3-7 0,-2 4 0,5-1 0,0-4 0,-5 3 0,4-3 0,-13 9 0,3-4 0,-2 8 0,-2-7 0,13 3 0,-12 0 0,9-3 0,-6 6 0,1-6 0,2 6 0,2-7 0,-3 7 0,-1-6 0,-2 6 0,-3-6 0,3 3 0,3-3 0,-1 3 0,6-3 0,-5 2 0,7-4 0,-3-3 0,5 2 0,0-3 0,-5 4 0,-1 1 0,-8 3 0,-2 1 0</inkml:trace>
+</inkml:ink>
+</file>
+
+<file path=ppt/ink/ink21.xml><?xml version="1.0" encoding="utf-8"?>
+<inkml:ink xmlns:inkml="http://www.w3.org/2003/InkML">
+  <inkml:definitions>
+    <inkml:context xml:id="ctx0">
+      <inkml:inkSource xml:id="inkSrc0">
+        <inkml:traceFormat>
+          <inkml:channel name="X" type="integer" min="-2.14748E9" max="2.14748E9" units="cm"/>
+          <inkml:channel name="Y" type="integer" min="-2.14748E9" max="2.14748E9" units="cm"/>
+          <inkml:channel name="F" type="integer" max="32767" units="dev"/>
+        </inkml:traceFormat>
+        <inkml:channelProperties>
+          <inkml:channelProperty channel="X" name="resolution" value="1000" units="1/cm"/>
+          <inkml:channelProperty channel="Y" name="resolution" value="1000" units="1/cm"/>
+          <inkml:channelProperty channel="F" name="resolution" value="0" units="1/dev"/>
+        </inkml:channelProperties>
+      </inkml:inkSource>
+      <inkml:timestamp xml:id="ts0" timeString="2022-09-14T22:04:38.542"/>
+    </inkml:context>
+    <inkml:brush xml:id="br0">
+      <inkml:brushProperty name="width" value="0.3" units="cm"/>
+      <inkml:brushProperty name="height" value="0.6" units="cm"/>
+      <inkml:brushProperty name="color" value="#969696"/>
+      <inkml:brushProperty name="tip" value="rectangle"/>
+      <inkml:brushProperty name="rasterOp" value="maskPen"/>
+    </inkml:brush>
+  </inkml:definitions>
+  <inkml:trace contextRef="#ctx0" brushRef="#br0">0 914 16383,'17'-46'0,"11"2"0,-8 22 0,15-13 0,-6 4 0,2 0 0,9-8 0,-10 13 0,11-10 0,-11 6 0,0 1 0,-8 6 0,-5 2 0,0 5 0,-1-1 0,-3 1 0,-2 4 0,-3-4 0,4 4 0,-3-4 0,6-1 0,-6 1 0,7 0 0,-7-1 0,2 5 0,-3-3 0,3 3 0,4-4 0,6 8 0,0-7 0,10 9 0,-8-10 0,28-1 0,-20-1 0,26-3 0,-22 2 0,16 2 0,-10-1 0,4 7 0,-16-3 0,2 5 0,-14 1 0,4 3 0,-4-2 0,4 6 0,1-3 0,5 4 0,5-4 0,1 3 0,6-4 0,0 1 0,0 3 0,-6-7 0,-5 3 0,-7 0 0,-9 2 0,3-8 0,2 8 0,5-7 0,5 10 0,5 0 0,8 0 0,0 4 0,11 2 0,-10 4 0,4 0 0,-6 0 0,0 4 0,-6-4 0,-1 4 0,1-1 0,-5-2 0,4 2 0,-5-4 0,-5 0 0,-1-1 0,0 1 0,-7-1 0,6 0 0,-8 0 0,4 0 0,0 0 0,5 1 0,-3-1 0,3 0 0,0 1 0,-4-1 0,9 1 0,-8-1 0,-1 0 0,-2 0 0,-7 0 0,10 0 0,-6-4 0,7 3 0,-4-3 0,2 1 0,-1 2 0,0-6 0,1 6 0,-1-2 0,0 3 0,1-4 0,-1 4 0,0-4 0,1 4 0,-1 0 0,0 1 0,0-1 0,1 0 0,-1 0 0,-4 0 0,4 0 0,-4 0 0,4 0 0,1 0 0,-1 0 0,0 0 0,-3 0 0,2 0 0,-3 0 0,5 0 0,-1 0 0,-4 0 0,4 0 0,-1 3 0,2-5 0,-1 4 0,-1-9 0,-3 5 0,3-2 0,0 10 0,-4-5 0,0 4 0,3-2 0,0 1 0,5 1 0,-6 2 0,2-6 0,-2 3 0,-1-4 0,3 3 0,-4 0 0,1 5 0,-1-5 0,0 4 0,-3-4 0,3 4 0,-1 0 0,2-4 0,-1 0 0,7 0 0,-9-3 0,6 3 0,-4 0 0,-3 0 0,2 3 0,-2 1 0,3 1 0,-1 0 0,5 0 0,-6 1 0,2-5 0,-2 3 0,1-3 0,-1 0 0,-52-5 0,22-8 0,-55-9 0,41-5 0,-16-10 0,11 4 0,-12-5 0,17 7 0,-8 4 0,14-2 0,-3 6 0,10-1 0,1 3 0,5 1 0,-1 0 0,1 4 0,0-4 0,4 4 0,-11-4 0,9 0 0,-10 4 0,12-3 0,-3 6 0,0-2 0,-1-1 0,-2 4 0,3-7 0,-1 2 0,-5 1 0,4-3 0,-15 1 0,9-2 0,-9 2 0,5-2 0,0 3 0,0 0 0,5-2 0,1 6 0,9-6 0,-11 2 0,8-3 0,-14-4 0,7 2 0,0-6 0,-4 6 0,4-6 0,-5 2 0,1 0 0,3-2 0,-2 6 0,7-2 0,-3 0 0,0 3 0,4-3 0,-9-1 0,4 3 0,-10-3 0,4 0 0,-10 2 0,10-2 0,-10-1 0,5 4 0,-6-4 0,0 0 0,0 3 0,0 1 0,0 2 0,-7 3 0,6-1 0,4 2 0,5 4 0,9 0 0,0 0 0,-4 0 0,9 0 0,-4 0 0,5 0 0,-1 0 0,1 0 0,0 0 0,-1 0 0,-4 0 0,4 0 0,-4 0 0,0 0 0,3 0 0,-7 0 0,7 0 0,-7 0 0,7 0 0,-8 0 0,6 0 0,-2 0 0,2 0 0,4 4 0,0 0 0,-1 5 0,-4-1 0,4 0 0,-4 1 0,5-1 0,-1 0 0,1 0 0,0 0 0,-5 1 0,3 3 0,-7 2 0,7 2 0,-8 2 0,4-1 0,0 0 0,-4 1 0,9-5 0,0-1 0,6-4 0,0 2 0,50-8 0,-27 3 0,46-8 0,-31 3 0,2 0 0,8-4 0,-3 2 0,11-7 0,-5 4 0,11-1 0,-10-2 0,10 6 0,-10-6 0,-2 7 0,-6-4 0,-7 5 0,1 0 0,-5-3 0,-1 2 0,-4-3 0,-1 4 0,4 0 0,-7 0 0,5 0 0,-3 0 0,-2 0 0,8 0 0,-8 0 0,7 0 0,-4 0 0,5 0 0,-3 0 0,7 0 0,-11 0 0,6 0 0,-9 0 0,5 0 0,-2 0 0</inkml:trace>
+</inkml:ink>
+</file>
+
+<file path=ppt/ink/ink22.xml><?xml version="1.0" encoding="utf-8"?>
+<inkml:ink xmlns:inkml="http://www.w3.org/2003/InkML">
+  <inkml:definitions>
+    <inkml:context xml:id="ctx0">
+      <inkml:inkSource xml:id="inkSrc0">
+        <inkml:traceFormat>
+          <inkml:channel name="X" type="integer" min="-2.14748E9" max="2.14748E9" units="cm"/>
+          <inkml:channel name="Y" type="integer" min="-2.14748E9" max="2.14748E9" units="cm"/>
+          <inkml:channel name="F" type="integer" max="32767" units="dev"/>
+        </inkml:traceFormat>
+        <inkml:channelProperties>
+          <inkml:channelProperty channel="X" name="resolution" value="1000" units="1/cm"/>
+          <inkml:channelProperty channel="Y" name="resolution" value="1000" units="1/cm"/>
+          <inkml:channelProperty channel="F" name="resolution" value="0" units="1/dev"/>
+        </inkml:channelProperties>
+      </inkml:inkSource>
+      <inkml:timestamp xml:id="ts0" timeString="2022-09-14T22:04:45.811"/>
+    </inkml:context>
+    <inkml:brush xml:id="br0">
+      <inkml:brushProperty name="width" value="0.3" units="cm"/>
+      <inkml:brushProperty name="height" value="0.6" units="cm"/>
+      <inkml:brushProperty name="color" value="#969696"/>
+      <inkml:brushProperty name="tip" value="rectangle"/>
+      <inkml:brushProperty name="rasterOp" value="maskPen"/>
+    </inkml:brush>
+  </inkml:definitions>
+  <inkml:trace contextRef="#ctx0" brushRef="#br0">137 623 16383,'30'-37'0,"7"-2"0,-13 20 0,10-16 0,-11 15 0,2-12 0,6 16 0,-10-8 0,5 16 0,-9-11 0,4 13 0,1-6 0,5 3 0,0 4 0,-5-6 0,9 5 0,-7-7 0,8 4 0,0 0 0,-4 0 0,5-1 0,-1 1 0,-4 0 0,10 4 0,-10-3 0,4 3 0,-5-4 0,0 4 0,0-3 0,0 7 0,-1-7 0,-3 7 0,2-7 0,-7 7 0,3-6 0,0 6 0,-4-3 0,4 0 0,0 3 0,-3-6 0,3 6 0,0-2 0,-4-1 0,4 3 0,-5-2 0,-3 3 0,5-4 0,-4 3 0,4-3 0,-2 4 0,-1 0 0,-1-3 0,4 2 0,-1-6 0,-3 6 0,2-6 0,-4 3 0,8-4 0,-7 0 0,1 0 0,-2 0 0,-1-2 0,5-2 0,-4-4 0,-2 5 0,1-4 0,-2 7 0,4-3 0,1 4 0,3 3 0,5 1 0,1 3 0,-1 3 0,-1 2 0,-9 3 0,3 3 0,-2-2 0,3 6 0,0-6 0,5 7 0,2-2 0,3 0 0,1 3 0,-5-4 0,-1 1 0,-8-3 0,-2-3 0,0 2 0,0 1 0,0 1 0,3 2 0,-6-3 0,3 4 0,-7-1 0,-1 1 0,3 0 0,3 3 0,3-1 0,-1 2 0,-7-2 0,4-1 0,-4 0 0,4 1 0,1-1 0,-2-4 0,1 3 0,4-2 0,-3 3 0,6-3 0,-6 2 0,7-2 0,-7-1 0,2 4 0,-3-5 0,-1 1 0,4 2 0,4-2 0,-2-1 0,6 1 0,-7-5 0,0 1 0,3 3 0,-4-3 0,1 6 0,2-2 0,-2 0 0,3-1 0,2-3 0,-5 0 0,3 0 0,-3 2 0,0-1 0,2 5 0,-6-6 0,6 3 0,-2-4 0,4 1 0,0 0 0,-1 0 0,-4-1 0,3 6 0,-5-4 0,4 8 0,-4-9 0,5 10 0,-5-5 0,2 2 0,-3 1 0,-1-8 0,4 10 0,-3-6 0,0 3 0,5-1 0,-4-6 0,5 2 0,3-3 0,-8 0 0,7 0 0,-1 4 0,-6-3 0,7 5 0,-11-1 0,6-1 0,-1 6 0,-1-8 0,1 8 0,3-6 0,-7 0 0,9 2 0,-7-1 0,4-4 0,2 8 0,-6-10 0,5 8 0,-1 0 0,-1-5 0,0 6 0,-1-4 0,1-3 0,-46-48 0,11 18 0,-43-47 0,25 36 0,0-4 0,1 11 0,0-4 0,7 10 0,5 0 0,8 8 0,8 4 0,-1 0 0,3 1 0,-8-4 0,3-1 0,-4 0 0,8 0 0,-3 4 0,3 1 0,-4-1 0,1 0 0,0 4 0,0 0 0,0 4 0,0 0 0,-4 0 0,2 0 0,-3 0 0,8 0 0,-8 0 0,6 0 0,-7 0 0,5 0 0,4 4 0,-6 0 0,6 3 0,-6 0 0,4 0 0,-2-3 0,1 3 0,-1-6 0,0 2 0,-5 1 0,-1-3 0,-5 3 0,-5-4 0,-2 0 0,-5 0 0,0 0 0,-6 0 0,-1 0 0,-1 0 0,-4 0 0,11 0 0,-5 0 0,6-4 0,0 3 0,0-4 0,0 1 0,0 3 0,0-3 0,6 4 0,-5-5 0,10 4 0,-9-3 0,9 4 0,-5 0 0,6 0 0,-11 0 0,13 0 0,-13 0 0,16 0 0,0 0 0,-4 0 0,9 0 0,-9 0 0,9 0 0,-9 0 0,4 0 0,-5 4 0,-5 1 0,-2 0 0,-5 4 0,0-4 0,0 1 0,-6 3 0,5-8 0,-5 8 0,0-8 0,4 4 0,-4-5 0,6 0 0,-12 0 0,9 0 0,-3 0 0,13 0 0,5 0 0,0 0 0,5 0 0,1 0 0,5 0 0,3 0 0,-4 0 0,5 3 0,-6 4 0,7 5 0,3 2 0,5 4 0,3 1 0,3-3 0,5 1 0,0-5 0,2-1 0,1 7 0,-3-10 0,2 9 0,-6-3 0,2-2 0,12-2 0,2-11 0,12-8 0,-5-5 0,5-4 0,-4 0 0,4 3 0,-5 2 0,-5 5 0,4-1 0,-8 0 0,3 1 0,0 3 0,1-2 0,5 2 0,-1-4 0,1-4 0,5 3 0,-8-3 0,2 4 0,-9 1 0,-1 4 0,-4-3 0,10-5 0,-8 3 0,9-6 0,-2 2 0,1 0 0,0-5 0,-1 5 0,-8 2 0,2 3 0,-4 0 0,9-3 0,-4 2 0,14-7 0,5-4 0,18-2 0,8-10 0,0 9 0,6-5 0,-6 1 0,-6 5 0,-3-4 0,-13 11 0,-11 2 0,-1 4 0,-15 1 0,3 3 0,-2-5 0,3 5 0,5-12 0,1 8 0,10-9 0,-3 8 0,10-7 0,-10 7 0,-4-2 0,-9 7 0,-5 2 0,8 3 0,-6 0 0,12 0 0,-16 0 0,13 0 0,-6 0 0,1 3 0,1 2 0,-6 2 0,4 1 0,3 0 0,-6 0 0,2 0 0,-5 2 0,2 1 0</inkml:trace>
+</inkml:ink>
+</file>
+
+<file path=ppt/ink/ink23.xml><?xml version="1.0" encoding="utf-8"?>
+<inkml:ink xmlns:inkml="http://www.w3.org/2003/InkML">
+  <inkml:definitions>
+    <inkml:context xml:id="ctx0">
+      <inkml:inkSource xml:id="inkSrc0">
+        <inkml:traceFormat>
+          <inkml:channel name="X" type="integer" min="-2.14748E9" max="2.14748E9" units="cm"/>
+          <inkml:channel name="Y" type="integer" min="-2.14748E9" max="2.14748E9" units="cm"/>
+          <inkml:channel name="F" type="integer" max="32767" units="dev"/>
+        </inkml:traceFormat>
+        <inkml:channelProperties>
+          <inkml:channelProperty channel="X" name="resolution" value="1000" units="1/cm"/>
+          <inkml:channelProperty channel="Y" name="resolution" value="1000" units="1/cm"/>
+          <inkml:channelProperty channel="F" name="resolution" value="0" units="1/dev"/>
+        </inkml:channelProperties>
+      </inkml:inkSource>
+      <inkml:timestamp xml:id="ts0" timeString="2022-09-14T22:04:54.882"/>
+    </inkml:context>
+    <inkml:brush xml:id="br0">
+      <inkml:brushProperty name="width" value="0.3" units="cm"/>
+      <inkml:brushProperty name="height" value="0.6" units="cm"/>
+      <inkml:brushProperty name="color" value="#969696"/>
+      <inkml:brushProperty name="tip" value="rectangle"/>
+      <inkml:brushProperty name="rasterOp" value="maskPen"/>
+    </inkml:brush>
+  </inkml:definitions>
+  <inkml:trace contextRef="#ctx0" brushRef="#br0">0 0 16383,'47'0'0,"-8"0"0,-13 0 0,-4 0 0,5 0 0,-1 0 0,13 0 0,-10 0 0,15 4 0,-10-3 0,-1 4 0,0-1 0,-7-3 0,-3 6 0,-6-2 0,-2-1 0,-4-1 0,8-3 0,-4 0 0,2 0 0,2 0 0,2 0 0,0 0 0,0-3 0,-9 2 0,8-3 0,-6 0 0,11 4 0,3-8 0,0 7 0,4-4 0,0 5 0,-3 0 0,8 0 0,-3 0 0,-1 0 0,0 0 0,-1 0 0,-4 0 0,4 0 0,1 0 0,-5 0 0,9 0 0,-8 4 0,8-3 0,-3 7 0,5-2 0,-6 3 0,0-3 0,-7 2 0,-3-7 0,-2 6 0,-5-6 0,-4 3 0,7-4 0,-7 0 0,7 0 0,1 0 0,6 4 0,2 1 0,10 5 0,2-1 0,0 6 0,5-4 0,-6 3 0,0-4 0,0-5 0,0 4 0,-6-8 0,0 7 0,-1-3 0,1 0 0,6 4 0,6-8 0,-10 7 0,9-2 0,-16-1 0,0 3 0,-7-4 0,-5 1 0,-4-2 0,6 1 0,-6 0 0,7 0 0,-4-1 0,0 0 0,0 1 0,0 0 0,8 7 0,-6-6 0,8 3 0,-4 0 0,-4-4 0,4 5 0,-5-1 0,1 0 0,-5 0 0,3 0 0,-2 0 0,3 0 0,0 4 0,1-3 0,-1 6 0,5-5 0,1 2 0,5 1 0,0-3 0,-5 2 0,-1-3 0,-5-1 0,-3 0 0,1 0 0,1-1 0,5 1 0,4 0 0,-3 0 0,0-3 0,-5 2 0,0-2 0,-3 2 0,5 1 0,-6 0 0,5-1 0,-1 1 0,-1-4 0,1 6 0,-1-5 0,0 2 0,0 0 0,0-3 0,0 4 0,2 0 0,-5 0 0,3 0 0,-3 0 0,4-1 0,-5 4 0,3-3 0,-3 5 0,1-4 0,2 4 0,-6 0 0,3-2 0,-3 4 0,-1 0 0,0 0 0,1-1 0,-1 0 0,0-3 0,3 4 0,-1-1 0,1-2 0,1 2 0,0-3 0,-2 1 0,4 2 0,-8-3 0,8 4 0,-4-1 0,1-2 0,4 1 0,-2-5 0,2 3 0,0-1 0,-3-5 0,6 1 0,-3-6 0,4 0 0,-4 4 0,1 0 0,0 4 0,0-1 0,0 1 0,0-4 0,-1-1 0,4-3 0,-3 0 0,0 13 0,-4-4 0,-4 9 0,0-1 0,-2-8 0,-29 1 0,5-11 0,-22-8 0,8-1 0,5-3 0,-4 4 0,0-1 0,4 1 0,-5 4 0,7-3 0,-1 7 0,0-3 0,0 4 0,0 0 0,0 0 0,0 0 0,5 0 0,-3 0 0,7 0 0,-3 0 0,5 0 0,0 0 0,-1 0 0,1 0 0,-4 0 0,7 0 0,-5 0 0,3-3 0,3 2 0,-10-3 0,10 0 0,-7 3 0,2-6 0,1 6 0,0-6 0,-5 2 0,3 1 0,-7-4 0,3 3 0,-1 0 0,-2-3 0,3 7 0,-5-7 0,0 7 0,0-7 0,0 7 0,-5-7 0,-2 2 0,-5-4 0,6 1 0,-5 4 0,10-3 0,-4 3 0,0 0 0,3-3 0,-8 7 0,9-7 0,-10 7 0,4-3 0,-5 4 0,6 0 0,-5 0 0,5-4 0,-13 2 0,11-2 0,-4 4 0,13 0 0,-1 0 0,0 0 0,5 0 0,-4 0 0,4 0 0,0 0 0,-4 0 0,4 0 0,0 0 0,-4 0 0,4 0 0,0 4 0,1-3 0,4 6 0,1-3 0,0 5 0,0-1 0,3 0 0,-2 0 0,-1 3 0,3-3 0,-5 4 0,9-5 0,-9 4 0,9-2 0,-6 2 0,-4 0 0,5-2 0,-5 2 0,3-3 0,4 4 0,-4-3 0,3 2 0,-2-3 0,-1 7 0,3-6 0,-1 6 0,3-4 0,3-3 0,-6 9 0,6-8 0,-6 5 0,2-4 0,1-2 0,-6 0 0,2-15 0,-4 1 0,4-8 0,0 6 0,7 0 0,-7-3 0,4 3 0,-4 1 0,-2-2 0,5 7 0,-6-8 0,6 6 0,-3-4 0,0 0 0,4 1 0,-3-3 0,2-6 0,-3 0 0,2-4 0,2 4 0,-1 0 0,2-5 0,-6-2 0,3 1 0,-5-3 0,1 3 0,-1-5 0,5 0 0,-4 0 0,7 5 0,-7-3 0,8 7 0,-7-3 0,7 5 0,-3 0 0,1 0 0,2 3 0,-2 2 0,-4-4 0,5 2 0,-5-3 0,3 4 0,4 5 0,-15-5 0,13 4 0,-12 0 0,6-3 0,3 6 0,-5-6 0,7 4 0,-4 3 0,51-2 0,-1 5 0,46-2 0,-19 3 0,-3 0 0,1 0 0,-6 0 0,5 0 0,-6 0 0,-1 0 0,0 0 0,-5 0 0,-2 0 0,0 0 0,-5 0 0,5 0 0,-6 0 0,0 0 0,-6 0 0,-1 0 0,-9 0 0,-2 0 0,-5 0 0,0 0 0,12 0 0,-4 0 0,6 0 0,1 0 0,-8 4 0,10 1 0,-11 3 0,4 1 0,-9-4 0,0 2 0,-2-6 0,-3 6 0,7-3 0,-2 1 0,7 2 0,-7-6 0,9 7 0,-9-3 0,9 0 0,-4 2 0,0-6 0,-1 7 0,-5-7 0,-3 6 0,5-3 0,-3 3 0</inkml:trace>
+</inkml:ink>
+</file>
+
+<file path=ppt/ink/ink24.xml><?xml version="1.0" encoding="utf-8"?>
+<inkml:ink xmlns:inkml="http://www.w3.org/2003/InkML">
+  <inkml:definitions>
+    <inkml:context xml:id="ctx0">
+      <inkml:inkSource xml:id="inkSrc0">
+        <inkml:traceFormat>
+          <inkml:channel name="X" type="integer" min="-2.14748E9" max="2.14748E9" units="cm"/>
+          <inkml:channel name="Y" type="integer" min="-2.14748E9" max="2.14748E9" units="cm"/>
+          <inkml:channel name="F" type="integer" max="32767" units="dev"/>
+        </inkml:traceFormat>
+        <inkml:channelProperties>
+          <inkml:channelProperty channel="X" name="resolution" value="1000" units="1/cm"/>
+          <inkml:channelProperty channel="Y" name="resolution" value="1000" units="1/cm"/>
+          <inkml:channelProperty channel="F" name="resolution" value="0" units="1/dev"/>
+        </inkml:channelProperties>
+      </inkml:inkSource>
+      <inkml:timestamp xml:id="ts0" timeString="2022-09-14T22:05:08.123"/>
+    </inkml:context>
+    <inkml:brush xml:id="br0">
+      <inkml:brushProperty name="width" value="0.1" units="cm"/>
+      <inkml:brushProperty name="height" value="0.2" units="cm"/>
+      <inkml:brushProperty name="color" value="#969696"/>
+      <inkml:brushProperty name="tip" value="rectangle"/>
+      <inkml:brushProperty name="rasterOp" value="maskPen"/>
+    </inkml:brush>
+  </inkml:definitions>
+  <inkml:trace contextRef="#ctx0" brushRef="#br0">1052 1 16383,'11'15'0,"-1"-2"0,-3-5 0,-2 3 0,1-3 0,-5 8 0,2 1 0,-3 0 0,0 4 0,0-5 0,0 1 0,0-1 0,0 0 0,0 1 0,0-1 0,0-4 0,-3 4 0,-2-4 0,-3 0 0,4 4 0,-3-8 0,3 7 0,-4-6 0,4 6 0,1-7 0,-1 4 0,4-5 0,-4 1 0,4-1 0,3-3 0,5-1 0,9-7 0,0-4 0,0-1 0,-1-3 0,-8 8 0,4-3 0,-5 6 0,-6-2 0,-12 3 0,-2 0 0,-5 3 0,2 2 0,7 11 0,-6-2 0,2 7 0,0-5 0,-3 5 0,7-7 0,-3 6 0,4-8 0,0 0 0,0 0 0,1-1 0,3-3 0,-3 4 0,6-5 0,-6 0 0,6 1 0,-2-1 0,0-3 0,2 2 0,-5-2 0,5 3 0,-5 0 0,2 1 0,-4-4 0,4 2 0,-2-2 0,2 4 0,0-1 0,-3 0 0,3-3 0,0 3 0,-2-3 0,2 3 0,-6 0 0,2-3 0,-2 2 0,3-5 0,-1 3 0,1-1 0,-5-2 0,4 2 0,-3-3 0,-1 0 0,0 0 0,-4 0 0,-1 0 0,1 0 0,-5 0 0,4 0 0,-4 0 0,0 0 0,3 0 0,-3 0 0,0 0 0,4 0 0,-4 0 0,0 0 0,7 0 0,-6 0 0,12 0 0,-3 0 0,3 0 0,1 0 0,-1 0 0,1 0 0,0 0 0,0 0 0,0 0 0,-1-3 0,1 2 0,0-2 0,0 3 0,-1 0 0,4-4 0,-2 3 0,2-2 0,-3 3 0,-1 0 0,1 0 0,0 0 0,-4 0 0,2 0 0,-2 0 0,3 0 0,1 0 0,0 0 0,-1 0 0,-3 0 0,3 0 0,-3 0 0,3 0 0,1 0 0,0 0 0,-1 0 0,-3 0 0,3 0 0,-4 0 0,5 0 0,-1 0 0,1 0 0,0 0 0,0-3 0,-1 2 0,1-2 0,0 0 0,3-1 0,-3-4 0,3 1 0,-3 0 0,-1-1 0,1 1 0,-1-4 0,1 2 0,-1-6 0,0 3 0,3-1 0,-2-2 0,6 7 0,-2-4 0,-1 1 0,3 3 0,-3-4 0,4 5 0,-3-1 0,2 1 0,-2 0 0,3-5 0,0 4 0,0-3 0,0 3 0,0 1 0,0 0 0,-6 19 0,1-8 0,-1 21 0,-1-17 0,6 4 0,-2-5 0,3 0 0,0 0 0,0 0 0,0 0 0,0 1 0,0-1 0,0 0 0,0 0 0,0 0 0,3-3 0,4-1 0,1 1 0,3 0 0,-4 0 0,4 3 0,-2-3 0,6 0 0,-3 3 0,5-2 0,-5-1 0,3 4 0,-6-4 0,6 0 0,-7 3 0,8-6 0,-8 5 0,7-5 0,-7 5 0,4-1 0,-5 2 0,0-3 0,8 6 0,-6-5 0,10 6 0,-11-3 0,8 0 0,-4 0 0,0 0 0,4 0 0,-4 0 0,0-4 0,4 3 0,-8-6 0,7 6 0,-2-6 0,-1 6 0,3-6 0,-2 6 0,-1-6 0,-1 2 0,-3-3 0,3 0 0,-3 0 0,4 0 0,-5 0 0,4 0 0,1 0 0,-1 0 0,1 0 0,-5 0 0,1 0 0,-1 0 0,0 0 0,1 0 0,-1 0 0,0 0 0,0 0 0,0 0 0,0 0 0,1 0 0,-1 0 0,1 0 0,-1 0 0,0 0 0,1 0 0,-1 0 0,0 0 0,1 0 0,-1 0 0,0 0 0,1 0 0,-1 0 0,1 0 0,-1 0 0,0 0 0,1 0 0,-1 0 0,0 0 0,1 0 0,-1 0 0,0 0 0,5 0 0,-7 0 0,2 0 0</inkml:trace>
+</inkml:ink>
+</file>
+
+<file path=ppt/ink/ink3.xml><?xml version="1.0" encoding="utf-8"?>
+<inkml:ink xmlns:inkml="http://www.w3.org/2003/InkML">
+  <inkml:definitions>
+    <inkml:context xml:id="ctx0">
+      <inkml:inkSource xml:id="inkSrc0">
+        <inkml:traceFormat>
+          <inkml:channel name="X" type="integer" min="-2.14748E9" max="2.14748E9" units="cm"/>
+          <inkml:channel name="Y" type="integer" min="-2.14748E9" max="2.14748E9" units="cm"/>
+          <inkml:channel name="F" type="integer" max="32767" units="dev"/>
+        </inkml:traceFormat>
+        <inkml:channelProperties>
+          <inkml:channelProperty channel="X" name="resolution" value="1000" units="1/cm"/>
+          <inkml:channelProperty channel="Y" name="resolution" value="1000" units="1/cm"/>
+          <inkml:channelProperty channel="F" name="resolution" value="0" units="1/dev"/>
+        </inkml:channelProperties>
+      </inkml:inkSource>
+      <inkml:timestamp xml:id="ts0" timeString="2022-09-14T21:56:23.045"/>
+    </inkml:context>
+    <inkml:brush xml:id="br0">
+      <inkml:brushProperty name="width" value="0.1" units="cm"/>
+      <inkml:brushProperty name="height" value="0.1" units="cm"/>
+    </inkml:brush>
+  </inkml:definitions>
+  <inkml:trace contextRef="#ctx0" brushRef="#br0">1 0 24575,'0'27'0,"0"-1"0,0 7 0,0 0 0,0 1 0,0 3 0,0-8 0,0 10 0,0 1 0,0 2 0,0 3 0,0-6 0,0-5 0,0 16 0,0-13 0,0 15 0,0 0 0,0-4 0,0 6 0,0-3 0,0-11 0,0 0 0,0-8 0,0-3 0,0-6 0,0-3 0,0-5 0,0-6 0,3 6 0,2-3 0,3 5 0,1 4 0,-5-4 0,0 9 0,0-9 0,-3 9 0,2-9 0,-3 4 0,0-4 0,0-1 0,0 0 0,0 5 0,0-3 0,0 13 0,0-8 0,0 10 0,0-1 0,0 13 0,0-3 0,0 4 0,0-9 0,0-8 0,0 3 0,0 0 0,0-4 0,0 10 0,0-10 0,0 10 0,0-10 0,0 9 0,0-8 0,0 8 0,0-9 0,0 5 0,0-6 0,0-1 0,0 1 0,0 0 0,0 5 0,0-3 0,0 8 0,0 14 0,0-8 0,0 14 0,0-18 0,0-6 0,0 5 0,0-5 0,0 6 0,0-5 0,5 3 0,-4-3 0,7-1 0,-7 5 0,3-10 0,-4 10 0,0-5 0,0 1 0,0 4 0,0-5 0,0 1 0,0 3 0,0-3 0,0 17 0,0-9 0,0 3 0,0-13 0,0-10 0,0 4 0,0-8 0,0-1 0,0-2 0,0-7 0,0 8 0,0-4 0,0 4 0,0 5 0,0 1 0,4 5 0,1 5 0,0-3 0,4 8 0,-4-3 0,1-1 0,2 0 0,-3-7 0,0-3 0,7 14 0,-6-16 0,6 12 0,-4-17 0,-3 0 0,2 5 0,-6-7 0,3 6 0,-4-8 0,0 4 0,0-3 0,0 2 0,0-3 0,0 1 0,0-2 0,0 0 0,0-2 0,0 6 0,0-7 0,0 4 0,0-1 0,0-3 0,0 8 0,0-8 0,0 7 0,0-2 0,0-1 0,0 3 0,0-2 0,0 3 0,0-4 0,0 3 0,0 3 0,0-1 0,0 4 0,0 0 0,0 1 0,0 0 0,0 4 0,0-4 0,0 10 0,0-3 0,0 3 0,0-10 0,0 4 0,0-4 0,0 5 0,0-5 0,0 4 0,0-4 0,0 0 0,4-1 0,-3 0 0,2-4 0,1 4 0,-3 3 0,3-6 0,-1 5 0,-2-2 0,3-3 0,-4 7 0,4-2 0,-3-1 0,3 3 0,-4 3 0,0-4 0,0 12 0,3-17 0,-2 17 0,3-17 0,-4 12 0,0-9 0,4 0 0,-4 4 0,8-8 0,-7 3 0,6-5 0,-2 5 0,-1-4 0,4 4 0,-7-8 0,6 2 0,-6-3 0,3 1 0,-4 2 0,0-7 0,0 8 0,0-8 0,0 7 0,0-6 0,0 6 0,0-7 0,0 8 0,0-4 0,0 0 0,0 3 0,0-6 0,0 2 0,0-3 0,0-1 0,0 0 0,0 0 0,0 0 0,0 0 0,0 0 0,0 0 0,0 1 0,0-1 0,0 0 0,0 0 0,0 0 0,0 0 0,0-1 0,0 1 0,0 0 0,-4 0 0,4 0 0,-4 0 0,4 1 0,0-1 0,-3 0 0,2 1 0,-2-1 0,-3-4 0,4 0 0,-4-3 0</inkml:trace>
+</inkml:ink>
+</file>
+
+<file path=ppt/ink/ink4.xml><?xml version="1.0" encoding="utf-8"?>
+<inkml:ink xmlns:inkml="http://www.w3.org/2003/InkML">
+  <inkml:definitions>
+    <inkml:context xml:id="ctx0">
+      <inkml:inkSource xml:id="inkSrc0">
+        <inkml:traceFormat>
+          <inkml:channel name="X" type="integer" min="-2.14748E9" max="2.14748E9" units="cm"/>
+          <inkml:channel name="Y" type="integer" min="-2.14748E9" max="2.14748E9" units="cm"/>
+          <inkml:channel name="F" type="integer" max="32767" units="dev"/>
+        </inkml:traceFormat>
+        <inkml:channelProperties>
+          <inkml:channelProperty channel="X" name="resolution" value="1000" units="1/cm"/>
+          <inkml:channelProperty channel="Y" name="resolution" value="1000" units="1/cm"/>
+          <inkml:channelProperty channel="F" name="resolution" value="0" units="1/dev"/>
+        </inkml:channelProperties>
+      </inkml:inkSource>
+      <inkml:timestamp xml:id="ts0" timeString="2022-09-14T21:56:23.046"/>
+    </inkml:context>
+    <inkml:brush xml:id="br0">
+      <inkml:brushProperty name="width" value="0.1" units="cm"/>
+      <inkml:brushProperty name="height" value="0.1" units="cm"/>
+    </inkml:brush>
+  </inkml:definitions>
+  <inkml:trace contextRef="#ctx0" brushRef="#br0">0 66 24575,'31'0'0,"4"0"0,-7 0 0,9 0 0,-3 0 0,5 0 0,12 0 0,-9 0 0,15 0 0,-11 0 0,7 0 0,-6 0 0,4 0 0,-5 0 0,7 0 0,-7 0 0,6 0 0,0-10 0,2 8 0,5-13 0,11 5 0,-13 3 0,13-2 0,-18 9 0,1 0 0,-1 0 0,0-5 0,1 4 0,-7-4 0,-1 5 0,-6 0 0,-5 0 0,4 0 0,-10 0 0,4 0 0,-5 0 0,5 0 0,2 0 0,-1 0 0,5 0 0,-5 0 0,6 0 0,0 0 0,-6 0 0,5 0 0,-4 0 0,5 0 0,0 0 0,23 0 0,-12 0 0,20 0 0,-11 5 0,-5-4 0,13 9 0,-13-4 0,5 0 0,1 4 0,-6-9 0,6 4 0,-8-5 0,23 0 0,-28 0 0,32 0 0,-29 0 0,11 0 0,-2 0 0,-6 0 0,7 0 0,-6 0 0,5 0 0,17-4 0,-17 3 0,40-4 0,-53 5 0,49-6 0,-48 5 0,35-5 0,-28 6 0,12 0 0,-12 0 0,5 0 0,-6 0 0,-1 0 0,1 0 0,-7 0 0,-1 0 0,0 0 0,-10 0 0,9 0 0,-16 0 0,5 0 0,-11 0 0,3 0 0,-7 0 0,3 0 0,0 0 0,3 0 0,-1 0 0,1 0 0,-8 0 0,1 0 0,-1 0 0,0 0 0,0 0 0,1 0 0,-5 0 0,3 0 0,-2 0 0,8 0 0,-4 0 0,9 0 0,-9 0 0,9 0 0,-4 0 0,5 0 0,0 0 0,5 0 0,-4 0 0,16 0 0,-19 0 0,13 0 0,-16 0 0,0 0 0,-1 0 0,0 0 0,-3 0 0,3 0 0,-5 0 0,0 0 0,-3 0 0,-2 0 0,-4 0 0,1 0 0,-1 0 0,0 0 0,-3-3 0,2 2 0,-2-2 0,4 3 0,-1 0 0,1 0 0,3 0 0,1 0 0,1 0 0,2 0 0,-3 0 0,4 0 0,1 0 0,-5 0 0,3 0 0,-2 0 0,-1 0 0,3 0 0,-6 0 0,2 0 0,0 0 0,-2 0 0,2 0 0,-3 0 0,-1 0 0,0 0 0,1 0 0,3 0 0,1 0 0,5-4 0,-1 3 0,0-3 0,-3 1 0,-2 2 0,-4-2 0,1 3 0,-1 0 0,0 0 0,0 0 0,0 0 0,0 0 0,0 0 0,1 0 0,-1 0 0,0 0 0,0 0 0,0 0 0,0 0 0,0 0 0,0 0 0,0 0 0,0 0 0,0 0 0,0 0 0,0 0 0,0 0 0,0 0 0,0 0 0,1 0 0,-1 0 0,1 0 0,-1 0 0,0 0 0,1 0 0,-4 0 0,-1 0 0</inkml:trace>
+</inkml:ink>
+</file>
+
+<file path=ppt/ink/ink5.xml><?xml version="1.0" encoding="utf-8"?>
+<inkml:ink xmlns:inkml="http://www.w3.org/2003/InkML">
+  <inkml:definitions>
+    <inkml:context xml:id="ctx0">
+      <inkml:inkSource xml:id="inkSrc0">
+        <inkml:traceFormat>
+          <inkml:channel name="X" type="integer" min="-2.14748E9" max="2.14748E9" units="cm"/>
+          <inkml:channel name="Y" type="integer" min="-2.14748E9" max="2.14748E9" units="cm"/>
+          <inkml:channel name="F" type="integer" max="32767" units="dev"/>
+        </inkml:traceFormat>
+        <inkml:channelProperties>
+          <inkml:channelProperty channel="X" name="resolution" value="1000" units="1/cm"/>
+          <inkml:channelProperty channel="Y" name="resolution" value="1000" units="1/cm"/>
+          <inkml:channelProperty channel="F" name="resolution" value="0" units="1/dev"/>
+        </inkml:channelProperties>
+      </inkml:inkSource>
+      <inkml:timestamp xml:id="ts0" timeString="2022-09-14T21:56:23.047"/>
+    </inkml:context>
+    <inkml:brush xml:id="br0">
+      <inkml:brushProperty name="width" value="0.1" units="cm"/>
+      <inkml:brushProperty name="height" value="0.1" units="cm"/>
+    </inkml:brush>
+  </inkml:definitions>
+  <inkml:trace contextRef="#ctx0" brushRef="#br0">1 245 24575,'34'0'0,"-2"0"0,19 0 0,-10 0 0,17-5 0,-3-1 0,6-5 0,5 0 0,-18 1 0,10-1 0,-18 1 0,5 0 0,-11 1 0,4-1 0,-10 1 0,9-5 0,-3 8 0,5-7 0,0 7 0,0-3 0,0-1 0,-6 5 0,5-4 0,-10 8 0,10-3 0,-10 0 0,4 3 0,0-8 0,-4 4 0,10 0 0,-10-3 0,10 3 0,-10 0 0,4-4 0,-5 8 0,0-3 0,0 4 0,0 0 0,0 0 0,-1 0 0,1 0 0,0 0 0,0 0 0,0 0 0,0 0 0,7 0 0,-10 0 0,9 0 0,-11 0 0,5 0 0,-1 0 0,1 0 0,0 0 0,5 0 0,-3 0 0,8 0 0,-9 0 0,10 0 0,-10 0 0,4 0 0,1 0 0,0 0 0,6 0 0,0 0 0,0 0 0,0 0 0,0 0 0,6 0 0,-5 0 0,12 0 0,-6 0 0,7 0 0,-7 0 0,-1 0 0,-6 0 0,0 0 0,0 0 0,-5 0 0,3 0 0,-8 0 0,8 0 0,-3 0 0,5 0 0,0 0 0,0 0 0,0 0 0,0 0 0,-6 0 0,5 0 0,-10 4 0,9-3 0,-8 3 0,8-4 0,-3 0 0,5 0 0,0 0 0,0 5 0,6-4 0,1 8 0,1-8 0,-2 3 0,-6 1 0,0 0 0,-6 1 0,0 2 0,-7-3 0,1 4 0,0-4 0,0 3 0,0-3 0,0 0 0,0 3 0,5-7 0,-4 3 0,4-4 0,0 0 0,-4 4 0,10-3 0,-10 3 0,4-4 0,-10 0 0,4 0 0,-4 0 0,5 0 0,0 0 0,-1 0 0,-3 0 0,10 0 0,-14 0 0,5 0 0,-13 0 0,-3 0 0,-1 0 0,1 0 0,-1 0 0,4 0 0,1 0 0,4 0 0,1 0 0,4 0 0,1 0 0,0 0 0,-1 0 0,-5 0 0,1 0 0,-5 0 0,8 0 0,-6 0 0,11 0 0,-7 0 0,19 0 0,-7-5 0,21 4 0,10-9 0,-11 9 0,23-9 0,-25 4 0,11 0 0,-12-3 0,-2 8 0,-16-7 0,-3 7 0,-10-3 0,-3 1 0,-2 2 0,-4-2 0,-3 0 0,2 2 0,-2-5 0,3 5 0,0-5 0,5 5 0,-4-6 0,7 7 0,-6-4 0,2 4 0,-3-3 0,8 2 0,-7-2 0,10 3 0,-6 0 0,12 0 0,-6 0 0,12 0 0,-13 0 0,8 0 0,-9 0 0,4 0 0,-9 0 0,4 0 0,-8 0 0,3 0 0,-3 0 0,-1 0 0,4 0 0,2 0 0,8 0 0,-4 0 0,4 0 0,-5 0 0,1 0 0,-5 0 0,-1 0 0,-3 0 0,-1 0 0,1 0 0,-1 0 0,0 0 0,0 0 0,1 0 0,-1 0 0,0 0 0,0 0 0,0 0 0,-1 0 0,1 0 0,0 0 0,-3-7 0,-1 5 0,-3-5 0</inkml:trace>
+</inkml:ink>
+</file>
+
+<file path=ppt/ink/ink6.xml><?xml version="1.0" encoding="utf-8"?>
+<inkml:ink xmlns:inkml="http://www.w3.org/2003/InkML">
+  <inkml:definitions>
+    <inkml:context xml:id="ctx0">
+      <inkml:inkSource xml:id="inkSrc0">
+        <inkml:traceFormat>
+          <inkml:channel name="X" type="integer" min="-2.14748E9" max="2.14748E9" units="cm"/>
+          <inkml:channel name="Y" type="integer" min="-2.14748E9" max="2.14748E9" units="cm"/>
+          <inkml:channel name="F" type="integer" max="32767" units="dev"/>
+        </inkml:traceFormat>
+        <inkml:channelProperties>
+          <inkml:channelProperty channel="X" name="resolution" value="1000" units="1/cm"/>
+          <inkml:channelProperty channel="Y" name="resolution" value="1000" units="1/cm"/>
+          <inkml:channelProperty channel="F" name="resolution" value="0" units="1/dev"/>
+        </inkml:channelProperties>
+      </inkml:inkSource>
+      <inkml:timestamp xml:id="ts0" timeString="2022-09-14T21:59:26.004"/>
+    </inkml:context>
+    <inkml:brush xml:id="br0">
+      <inkml:brushProperty name="width" value="0.3" units="cm"/>
+      <inkml:brushProperty name="height" value="0.6" units="cm"/>
+      <inkml:brushProperty name="color" value="#969696"/>
+      <inkml:brushProperty name="tip" value="rectangle"/>
+      <inkml:brushProperty name="rasterOp" value="maskPen"/>
+    </inkml:brush>
+  </inkml:definitions>
+  <inkml:trace contextRef="#ctx0" brushRef="#br0">89 35 16383,'66'3'0,"1"0"0,25 2 0,6 0 0,-23-2 0,3 0 0,0 0 0,3 0 0,0-1 0,2 0 0,5 0 0,1 0 0,-3-2 0,-13 0 0,-3-2 0,1 0 0,1 0 0,2-1 0,-1-1 0,-1 1 0,1 0 0,-1-1 0,-4-1 0,0 0 0,-1 0 0,31-1 0,2 0 0,-25 2 0,2 0 0,-2 1 0,-6 1 0,-2 0 0,2 1 0,6 0 0,2 1 0,-4-1 0,17 1 0,-7 0 0,-19 0 0,-6 0 0,14 0 0,-32 0 0,-9-1 0,-2 1 0,9-1 0,-4 2 0,5 1 0,-5 2 0,1-1 0,5 1 0,5-1 0,4-1 0,-5-1 0,9-1 0,0 0 0,11 0 0,0 0 0,-5 0 0,-7 0 0,-1 0 0,1-1 0,6 0 0,16 0 0,-4-1 0,-5 2 0,-14 1 0,-8 1 0,-4 1 0,0 0 0,-4-1 0,-8-1 0,10-1 0,-1 0 0,1 0 0,0 0 0,-5 0 0,3 1 0,14-1 0,15 2 0,12 1 0,2 0 0,-9 1 0,-22-3 0,-18 0 0,-12-1 0,3 0 0,15 3 0,23 1 0,21 7 0,8 0 0,-34-2 0,0 1 0,37 9 0,-20-5 0,-36-2 0,-36-8 0,-39 7 0,15-2 0,-10 4 0,26-7 0,3 0 0,-8 2 0,-16 4 0,-14 5 0,-49 6 0,23-10 0,-9-2 0,12-3 0,-6-2 0,-4 0 0,6-2 0,-4 0 0,-3-1 0,0-1 0,-6-2 0,-2 0 0,-1-1 0,1-1 0,2 0 0,0 0 0,0 0 0,0-1 0,-3 0 0,-1 0 0,1 0 0,3 0 0,-8 0 0,4 0 0,1 1 0,4 1 0,1 0 0,2 1 0,12 1 0,2 0 0,2 0 0,-16 1 0,5 0 0,9 0 0,3-1 0,4 0 0,1-2 0,8-1 0,0-1 0,-5-1 0,-1-2 0,-36-5 0,6 1 0,27 2 0,-10 3 0,-15 0 0,31 0 0,-3 0 0,1 1 0,1 2 0,0-2 0,4 2 0,-11 2 0,11 5 0,28-1 0,-5 8 0,-7 1 0,-17 5 0,-24 1 0,25-8 0,-3-1 0,-9 0 0,-1-1 0,-5 1 0,2-1 0,7 0 0,3 0 0,-31 6 0,35-1 0,17-2 0,8-2 0,5 0 0,-5 0 0,5-2 0,3-1 0,3-2 0,5-2 0,-5 2 0,-1 0 0,-4 0 0,-7 1 0,-2-1 0,2-1 0,4-1 0,8-1 0,0 0 0,-5-1 0,-14 0 0,-5-1 0,2 1 0,15-1 0,67 23 0,17-5 0,16 0 0,5 4 0,11 2 0,6-2 0,-24-7 0,4-2 0,3 0 0,2 0 0,1-1 0,9 1 0,2 0 0,1 0 0,1-1 0,-1-2 0,-3-1 0,1-1 0,-1 0 0,-2-2 0,-3 1 0,3 0 0,-2-1 0,-3 0 0,-3-1 0,10-1 0,-4-1 0,-10 0 0,-5 0 0,-6-1 0,0-4 0,-1-1 0,-4 1 0,2-1 0,12-2 0,3 0 0,6 2 0,5 1 0,-11-1 0,3-1 0,2 2 0,-1 1 0,0 1 0,1 0 0,5 0 0,0 1 0,-4 0 0,-15 0 0,-2-1 0,-7 2 0,3 1 0,-10-1 0,0-4 0,-29 0 0,-4-3 0,9 0 0,7 1 0,7 0 0,2 3 0,25 0 0,7 1 0,-30 0 0,3 0 0,0 0 0,0 0 0,33-1 0,-24 0 0,-24-1 0,-23 0 0,1 1 0,3 1 0,6-1 0,14 1 0,5 1 0,20-1 0,-11 1 0,-2-1 0,-26 0 0,6 0 0,-9 0 0,7 0 0,-5-1 0,-14 1 0,4 13 0,-25 12 0,2 9 0,-27 7 0,-13-8 0,-28-1 0,20-15 0,-8-3 0,-17-1 0,-8-2 0,11-3 0,-5-2 0,-2-1 0,-8-1 0,-2-3 0,1 0 0,3 0 0,0-1 0,1-1 0,1 0 0,0-1 0,4-1 0,16 1 0,3-1 0,1-1 0,-29-1 0,4 0 0,14 0 0,5 0 0,15 0 0,3 1 0,4-2 0,1 1 0,-49-8 0,45 5 0,0 0 0,-36-6 0,16 2 0,23 5 0,-5-1 0,-10 1 0,-24-4 0,36 3 0,-1 0 0,-14 0 0,0-1 0,8 0 0,0 1 0,-2 1 0,2 1 0,-19 0 0,25 5 0,15 3 0,7 1 0,-7 3 0,-20 0 0,-10 1 0,-26 0 0,39-5 0,-2 0 0,-1 1 0,-1-1 0,3 0 0,-1 0 0,2 1 0,0 0 0,4 1 0,1 0 0,-3 0 0,1 0 0,-1 1 0,2 1 0,-32 4 0,17 1 0,20-1 0,13-2 0,11-2 0,-1 1 0,7-3 0,-4 2 0,-9 0 0,-2-1 0,-10 2 0,-1-1 0,4 1 0,5-2 0,11 0 0,14-2 0,-8 0 0,8 1 0,-14 1 0,5 1 0,-5 1 0,-1-2 0,4 1 0,7-2 0,-4 2 0,8-3 0,-11 3 0,-1-2 0,-6 1 0,0 2 0,6-2 0,7 0 0,94 8 0,6 0 0,7 0 0,11 2 0,-36-4 0,2 0 0,-2 1 0,32 5 0,-1 1 0,-1 0 0,-6-1 0,-31-7 0,-7-1 0,28 3 0,-34-10 0,6-1 0,13-2 0,-5 0 0,10 2 0,-4-1 0,7 1 0,3 0 0,15 3 0,4 0 0,2 1 0,-19-2 0,0 0 0,1 0 0,-4 0 0,11 2 0,-4 0 0,-5-1 0,6-1 0,-9-3 0,10-7 0,-29-4 0,-4-2 0,14-1 0,27 8 0,-45 3 0,4 2 0,22 3 0,2 1 0,-11-1 0,-2 0 0,2 1 0,-1-1 0,30-2 0,-12-5 0,-13 0 0,21-5 0,6 0 0,-31 5 0,3 0 0,7 1 0,3 2 0,4 1 0,-1 0 0,-12 2 0,-4 0 0,-9 0 0,-7 0 0,5 0 0,-20-1 0,-9-1 0,3 0 0,1-1 0,1 0 0,15-3 0,23 3 0,-15 0 0,3-1 0,-3 3 0,-1 0 0,34-2 0,-41 2 0,-8 0 0,-21 0 0,15 0 0,-19 0 0,8 3 0,8 3 0,7 0 0,-7 0 0,-12-5 0,-6 3 0,10 4 0,-8-3 0,6 9 0,-13 3 0,-3-2 0,2 7 0,-2-10 0,-1 2 0,-12 6 0,0 1 0,-9 6 0,5-6 0,-2 0 0,-16-2 0,-20 2 0,-32-1 0,33-11 0,-4-2 0,-16-1 0,-2-3 0,1 0 0,-4-1 0,11-2 0,-4 0 0,0 0 0,2-2 0,-1 0 0,-2 0 0,-10 1 0,-2 1 0,1-2 0,4 0 0,2-1 0,2 1 0,-23 1 0,6 0 0,22 0 0,6 0 0,-28 2 0,26 0 0,-6-2 0,-9-5 0,30-1 0,-2-1 0,1 0 0,-1 0 0,-6-2 0,-1 1 0,8 1 0,2 1 0,-1 0 0,0 0 0,-47-2 0,1-4 0,9 6 0,-11-4 0,23 5 0,11 0 0,17 6 0,24 1 0,-11 1 0,-2 1 0,-15-1 0,-20 1 0,-18 0 0,39-1 0,0 0 0,-48 1 0,43-1 0,-1 0 0,5 0 0,0 0 0,-7 0 0,0 0 0,2-1 0,0 1 0,0-1 0,1 0 0,-45 1 0,47-1 0,1 0 0,-35 1 0,9-1 0,25 2 0,17 1 0,14-2 0,-3 3 0,5-2 0,1 0 0,6-1 0,-5 3 0,4-3 0,-9 2 0,-2-1 0,-7 0 0,-5 0 0,1-1 0,8 0 0,5 2 0,11-1 0,-5 2 0,2-2 0,-10 3 0,2-2 0,-8 3 0,-2-2 0,-15 5 0,-16-1 0,-15 4 0,-4-4 0,-3 3 0,28-5 0,15 2 0,33-2 0,82 13 0,-25-8 0,4 0 0,34 5 0,4 1 0,-18-3 0,-3-2 0,-12-3 0,-5-2 0,5 0 0,-36-6 0,-11-2 0,8 0 0,6 0 0,22 0 0,2 0 0,12 0 0,-11 0 0,3 0 0,1 0 0,14 1 0,5 0 0,-21-1 0,3 1 0,9-1 0,4-2 0,21 1 0,7-1 0,-22 0 0,3 1 0,-1-1 0,-5 1 0,-1 0 0,0 0 0,3-1 0,0 1 0,-4 0 0,7 0 0,-3-1 0,1 1 0,-1-1 0,-6 0 0,-2-1 0,7 1 0,-1 0 0,-2 0 0,0 0 0,11 0 0,1 1 0,-7 0 0,-2 2 0,1 0 0,-2 1 0,-4-1 0,-2 1 0,-2 1 0,0 0 0,1 0 0,3 0 0,10 3 0,2 0 0,0-2 0,2 1 0,8 3 0,3 0 0,5-1 0,-2-1 0,-8 2 0,-3 0 0,-9-2 0,-4-1 0,-15-2 0,-4 0 0,22-2 0,-6-1 0,-13 0 0,-9 0 0,-13-1 0,6 0 0,9 0 0,31 0 0,14 2 0,-4-1 0,-26 1 0,-31-2 0,-16-1 0,2 1 0,7 0 0,7 2 0,-10-1 0,7 6 0,5 5 0,13 6 0,1-3 0,-12-2 0,-18-8 0,-1 3 0,1 1 0,-2 0 0,1 5 0,-2 2 0,-3 1 0,2-1 0,-6-1 0,-6-1 0,-1 6 0,1 2 0,-1 0 0,0 0 0,0-4 0,-1 0 0,-4-1 0,0-3 0,-8 7 0,3-2 0,-5 7 0,0-4 0,1-2 0,0-5 0,-2 3 0,2-3 0,-4 4 0,4-4 0,0 2 0,5-6 0,-6 3 0,-7-5 0,-16 0 0,-19-3 0,-23-3 0,-9-4 0,27 0 0,-2-1 0,2-1 0,0-1 0,-2 1 0,1 1 0,8-1 0,4 0 0,-31-1 0,20 0 0,-11-7 0,-3-3 0,-19-5 0,47 9 0,0 0 0,-47-11 0,20 6 0,-9-4 0,0 0 0,33 7 0,-3 1 0,-1-1 0,1 0 0,-40-6 0,24 6 0,19 7 0,11 4 0,3 0 0,2 0 0,12 1 0,2 1 0,-9-1 0,-11 0 0,-11-1 0,-18-1 0,-18 0 0,-6 2 0,30-1 0,-3 1 0,11 0 0,-1 1 0,-8 1 0,-1 1 0,7-1 0,3 0 0,6 2 0,0 0 0,-4-2 0,-1 1 0,5-1 0,1 1 0,-7-1 0,0 1 0,0-1 0,0-1 0,-2 1 0,1 0 0,7-1 0,1 1 0,-8-1 0,0 0 0,-38 1 0,42 0 0,0 0 0,-43-1 0,22 2 0,13-1 0,17 0 0,8-1 0,4 0 0,5 0 0,-2 0 0,2 0 0,2 0 0,5 0 0,3 0 0,8-1 0,-21 1 0,14-1 0,-10 1 0,3 2 0,-14 4 0,1 1 0,-18 2 0,11-1 0,-8 2 0,-3 1 0,-6 3 0,7-1 0,0 2 0,20-3 0,10-3 0,14-5 0,-3 2 0,-1 1 0,-3 2 0,2 0 0,4-2 0,-1 4 0,-1 3 0,-1 10 0,5-7 0,0 7 0,6-13 0,0 3 0,0 2 0,2-2 0,0 5 0,4-2 0,5 4 0,6 0 0,71 17 0,-36-22 0,5-2 0,35 8 0,5-1 0,-9-7 0,-3-3 0,-13-2 0,-4-3 0,-12-2 0,-6-2 0,11-6 0,-5-3 0,0-1 0,5-2 0,33-5 0,-10 2 0,-26 4 0,-2 1 0,25-2 0,-7 2 0,-16 4 0,-12-1 0,-9 1 0,-10 0 0,6 1 0,16 2 0,44 2 0,-6 1 0,-25-1 0,2 1 0,34 0 0,-44-2 0,0 1 0,31 0 0,-9-2 0,-26 0 0,4-2 0,44-2 0,-20 3 0,-17 0 0,0 0 0,18 0 0,1 1 0,0 0 0,-5 1 0,20 1 0,-2-1 0,-34 1 0,2-1 0,-4 0 0,-1-1 0,2-1 0,-2 0 0,32 0 0,-16-4 0,-10 4 0,-15 0 0,11 1 0,-11 1 0,15 0 0,5 0 0,-4-1 0,4 0 0,-15-2 0,31-1 0,6-3 0,2-3 0,0 2 0,-3-1 0,-21-6 0,14-5 0,-19 3 0,17-5 0,-26 4 0,5-1 0,21-13 0,-20 8 0,19-10 0,-34 13 0,33-12 0,-25 9 0,15-9 0,-33 15 0,-12 3 0,-5 2 0,-6 3 0,3-5 0,-1 4 0,2-2 0,-1 1 0,4-3 0,15-16 0,-7 1 0,7-11 0,-13 12 0,1-15 0,-4 13 0,7-23 0,-10 25 0,4-32 0,-10 25 0,-1-25 0,-4 33 0,0-5 0,2 8 0,-2 7 0,2-6 0,-2 2 0,0 2 0,0-25 0,0 15 0,0-12 0,-1 16 0,0-9 0,-1 14 0,0-9 0,1 18 0,-1 0 0,-1-6 0,0 5 0,-7-18 0,2 11 0,-4-9 0,3 8 0,-13-13 0,6 9 0,-11-11 0,13 20 0,6 4 0,4 6 0</inkml:trace>
+</inkml:ink>
+</file>
+
+<file path=ppt/ink/ink7.xml><?xml version="1.0" encoding="utf-8"?>
+<inkml:ink xmlns:inkml="http://www.w3.org/2003/InkML">
+  <inkml:definitions>
+    <inkml:context xml:id="ctx0">
+      <inkml:inkSource xml:id="inkSrc0">
+        <inkml:traceFormat>
+          <inkml:channel name="X" type="integer" min="-2.14748E9" max="2.14748E9" units="cm"/>
+          <inkml:channel name="Y" type="integer" min="-2.14748E9" max="2.14748E9" units="cm"/>
+          <inkml:channel name="F" type="integer" max="32767" units="dev"/>
+        </inkml:traceFormat>
+        <inkml:channelProperties>
+          <inkml:channelProperty channel="X" name="resolution" value="1000" units="1/cm"/>
+          <inkml:channelProperty channel="Y" name="resolution" value="1000" units="1/cm"/>
+          <inkml:channelProperty channel="F" name="resolution" value="0" units="1/dev"/>
+        </inkml:channelProperties>
+      </inkml:inkSource>
+      <inkml:timestamp xml:id="ts0" timeString="2022-09-14T21:59:41.107"/>
+    </inkml:context>
+    <inkml:brush xml:id="br0">
+      <inkml:brushProperty name="width" value="0.3" units="cm"/>
+      <inkml:brushProperty name="height" value="0.6" units="cm"/>
+      <inkml:brushProperty name="color" value="#969696"/>
+      <inkml:brushProperty name="tip" value="rectangle"/>
+      <inkml:brushProperty name="rasterOp" value="maskPen"/>
+    </inkml:brush>
+  </inkml:definitions>
+  <inkml:trace contextRef="#ctx0" brushRef="#br0">157 270 16383,'57'4'0,"0"0"0,6 2 0,4 1 0,0-1 0,7 1 0,0 1 0,2 0 0,1 1 0,2 0 0,10 2 0,3-1 0,-2 0 0,-11-1 0,-2-1 0,-2-1 0,-6 0 0,-1-1 0,-5-2 0,4 1 0,-3-3 0,0-2 0,0-1 0,-9-2 0,1-1 0,12 0 0,2-2 0,0 0 0,-2 0 0,-1 0 0,-2 2 0,-12-1 0,0 1 0,1 0 0,-1 1 0,42-5 0,-37 3 0,1 0 0,-4 0 0,-1 0 0,-1-1 0,-3 0 0,25-3 0,-19 2 0,-14 2 0,-1 2 0,4-1 0,-3 1 0,9-3 0,-3 0 0,7-3 0,-16 3 0,-11 2 0,-11 1 0,0 1 0,8 0 0,2 1 0,0-1 0,-2 1 0,0-1 0,12 1 0,-2-1 0,8-1 0,1 1 0,4 0 0,0 0 0,2 1 0,-7-1 0,3 2 0,-2-1 0,-6 1 0,0 0 0,6 0 0,5 0 0,9 0 0,-9-1 0,-10 0 0,-10-2 0,-9 0 0,4 0 0,-3-1 0,-3 0 0,-1 1 0,-2 1 0,10 1 0,-1-1 0,3 1 0,-10 1 0,-5-1 0,17-2 0,7 0 0,24-1 0,-6 2 0,2 0 0,-9 2 0,-8-2 0,-7 1 0,-7 0 0,-3 0 0,-3 1 0,-7 0 0,7 0 0,1 1 0,13 1 0,9 2 0,10 0 0,12 0 0,-10 0 0,-4-3 0,-28 0 0,-9-1 0,2 0 0,2 0 0,9 0 0,-4 0 0,-8 0 0,5 0 0,-2 0 0,5 0 0,0 0 0,-7 0 0,0 0 0,6 3 0,-1 0 0,11 2 0,-1-1 0,-1 1 0,-9-3 0,-7 1 0,6-1 0,-11 0 0,-53 1 0,11-1 0,-55 0 0,36-4 0,1 2 0,9-2 0,2 1 0,14 0 0,-8-1 0,-4-2 0,-12-2 0,-6-4 0,-6-4 0,3-1 0,-6-5 0,-9-4 0,5 3 0,14 3 0,23 10 0,20 3 0,-2 0 0,-29-10 0,-4-2 0,-2 0 0,21 8 0,15 5 0,5 4 0,-23-3 0,-2 0 0,-17-2 0,0 2 0,15 1 0,7 0 0,15 1 0,1 3 0,-16 0 0,-15 0 0,-15 0 0,7-1 0,2 1 0,6 0 0,11 0 0,3 0 0,15 0 0,6 1 0,-7 5 0,4-1 0,-13 6 0,-4 0 0,-12 2 0,-12 2 0,-3 0 0,9-1 0,3-1 0,5-2 0,2-3 0,-3-2 0,-5 0 0,2-4 0,-11 4 0,5-3 0,2 3 0,4 0 0,6 2 0,9-1 0,-5 2 0,3-2 0,0 0 0,0 0 0,0-2 0,4-1 0,-1 0 0,8-2 0,0 0 0,-1-1 0,2 0 0,-1-1 0,-6 0 0,-5-1 0,-9 0 0,-5-2 0,2 0 0,-11-3 0,-10-2 0,-13-5 0,-6-2 0,10 1 0,17 4 0,17 4 0,0 1 0,4 1 0,-6 0 0,9 0 0,-1-1 0,-15-1 0,-7-3 0,-8-1 0,8 2 0,18 2 0,14 3 0,7 1 0,1 2 0,1-1 0,-11 3 0,11-2 0,-2 2 0,-4 1 0,3-1 0,-17 2 0,1-2 0,-5 1 0,5-2 0,4 2 0,5-1 0,2 3 0,0-1 0,0 1 0,-8 2 0,1 0 0,-10 7 0,5-2 0,-4 6 0,-1 6 0,-10 8 0,-1 3 0,-13 10 0,3-4 0,-8 6 0,1-1 0,0 1 0,8-1 0,7 2 0,13-5 0,5-1 0,11-10 0,2-7 0,6-11 0,2-5 0,2-4 0,-12 0 0,0-1 0,-6 0 0,3-2 0,5-1 0,1-1 0,7 0 0,-10-2 0,1-1 0,-6-1 0,3 0 0,4 0 0,2-1 0,-5 0 0,-1 0 0,1-1 0,8 3 0,-4-8 0,12 1 0,-5-9 0,12-2 0,7-1 0,7 0 0,7 1 0,1 4 0,3-2 0,5-2 0,0 1 0,-2 0 0,-9 7 0,-3 4 0,-6 5 0,8-1 0,2 5 0,26 3 0,42 10 0,-16-1 0,9 2 0,-12-3 0,4 1 0,1-1 0,3 0 0,0-1 0,-1 0 0,-5-1 0,-2 0 0,-1-3 0,27-1 0,-4-3 0,-19-1 0,0-3 0,22-5 0,0-1 0,-23 1 0,-1-1 0,6-1 0,-3 1 0,-19 1 0,-4 1 0,48 2 0,-4 0 0,-40 0 0,-2 0 0,39 0 0,-3-3 0,4 0 0,3 1 0,-41 2 0,1 0 0,8 1 0,2 0 0,3 1 0,0 0 0,-2 1 0,2 0 0,14 0 0,2 0 0,-5 0 0,2-1 0,12 0 0,1-1 0,-5-1 0,-3-1 0,-7-1 0,-5-2 0,-14 2 0,-2-1 0,-3-1 0,-2 1 0,29-1 0,3-2 0,-14 2 0,-11-1 0,-12 3 0,3 0 0,-10-1 0,6 0 0,-3-2 0,-11 3 0,-5 0 0,1 3 0,3 0 0,13 1 0,1 0 0,-4 0 0,-12 0 0,-6 0 0,-5 0 0,1 0 0,-5 0 0,4 0 0,-4 0 0,3 0 0,5 0 0,0 0 0,-6 0 0,1 0 0,2 0 0,2 0 0,5 0 0,-4-1 0,-6 0 0,-5 0 0,-14 29 0,-6-11 0,-8 21 0,2-19 0,0-2 0,-3 0 0,-4 1 0,0-2 0,-6 3 0,-4-5 0,-22 4 0,-26 0 0,27-8 0,-5 1 0,-14-1 0,-5-1 0,-16-1 0,-5-2 0,25-4 0,-3 0 0,-3-2 0,5 0 0,-4-1 0,0-1 0,0 0 0,1 0 0,1 0 0,-1-1 0,0 1 0,-2-1 0,-2 1 0,2-1 0,2 1 0,-10 0 0,4 0 0,2 1 0,10-1 0,2 1 0,4 0 0,-12 2 0,3 0 0,3 0 0,2 1 0,9 0 0,1 0 0,-4 1 0,-1-1 0,2 0 0,1 1 0,-1-2 0,1 1 0,7-1 0,2-1 0,-46 2 0,5-4 0,43 0 0,-2-1 0,-3 0 0,-1 0 0,-4-1 0,-1 0 0,4 0 0,0 2 0,2 0 0,2 0 0,-28 2 0,16 4 0,19 2 0,11 1 0,4 2 0,3-3 0,-11 6 0,-3 1 0,-3 5 0,-5 3 0,7-2 0,-15 5 0,-4 1 0,-12 5 0,-22 1 0,11-4 0,-4 2 0,27-4 0,12 0 0,12 0 0,11-6 0,6-4 0,4-2 0,6-3 0,-4 0 0,0-3 0,-17 0 0,-9-1 0,-6 0 0,-1 1 0,11-1 0,12-1 0,10-3 0,-9-11 0,3 1 0,-5-4 0,11 7 0,102 28 0,-13-4 0,-4-1 0,1 0 0,13 0 0,-18-6 0,-7-6 0,17 1 0,18-4 0,-32 0 0,4-2 0,2-3 0,1 0 0,-4 0 0,-2 0 0,3-3 0,-4 0 0,19-4 0,-6-3 0,-29 1 0,-5-2 0,-5 3 0,17-4 0,11 0 0,21-3 0,11 4 0,-5 5 0,-11 2 0,2 5 0,3 0 0,-24 1 0,3 1 0,3 0 0,2-1 0,12 1 0,1-1 0,-5 0 0,0-1 0,10 1 0,0 1 0,-17-1 0,0 0 0,2 2 0,-1-1 0,-13 1 0,-1-1 0,2 1 0,2 1 0,-2 0 0,1 0 0,15 1 0,1-1 0,-5 0 0,-1-1 0,1 0 0,-3-1 0,-16-1 0,-4 0 0,26 1 0,-23 1 0,9 4 0,-3 1 0,7 2 0,-5 0 0,1-2 0,-7-2 0,3-2 0,-7-2 0,-1-2 0,7-1 0,-8 1 0,8 0 0,-15 0 0,3-1 0,-4-1 0,6-1 0,-4 2 0,-5-1 0,-14 3 0,-8-2 0,9-2 0,3-3 0,26-7 0,0 0 0,16-6 0,-9-1 0,-8 0 0,-18 1 0,-19 7 0,-11 4 0,-1-8 0,-4-3 0,1-2 0,-1 1 0,0 11 0,-1-5 0,0-1 0,-1 0 0,-3-14 0,0 4 0,-2-9 0,0 1 0,4 4 0,2-2 0,1 2 0,1 5 0,1 7 0,0 2 0,1 2 0,0-7 0,0 4 0,1-1 0,4-2 0,1 2 0,0-1 0,1 0 0,1 5 0,0 2 0,1-2 0,-72 11 0,-20-4 0,2 6 0,-7 0 0,-1-2 0,1-1 0,-2 0 0,3 1 0,7 0 0,5 1 0,18 1 0,5 2 0,-31 3 0,17 4 0,-28 0 0,31-4 0,-6-2 0,-12 0 0,-2-3 0,2 0 0,0-3 0,-4-1 0,1-1 0,12-2 0,0 0 0,-2-2 0,0 0 0,5-1 0,2 0 0,9 3 0,3 0 0,-20-2 0,28 6 0,29 7 0,2 1 0,-8 13 0,-8 4 0,-26 18 0,-12 2 0,7-7 0,-8 2 0,-5 4 0,-6 3 0,11-7 0,-5 2 0,0 1 0,-5 1 0,-2 0 0,1-1 0,4-2 0,1-1 0,-2-1 0,-3 1 0,-1-2 0,3-1 0,13-8 0,3-1 0,-1-1 0,-2 0 0,-1 0 0,1-2 0,-24 6 0,-1-1 0,-2-1 0,2-1 0,13-4 0,1 0 0,1 1 0,3 1 0,14-3 0,2 0 0,-2 2 0,0 0 0,2-2 0,1 1 0,5-2 0,1-1 0,-29 12 0,9 2 0,15-3 0,-6 5 0,-4 3 0,-1-3 0,7-3 0,11-8 0,22-10 0,15-8 0,48-28 0,-20 15 0,31-21 0,-34 25 0,-1 0 0,3-1 0,-2 2 0,-1-1 0,2 3 0,1 3 0,-16 25 0,-1-4 0,-21 22 0,3-14 0,1 2 0,5-5 0,1 4 0,7-3 0,0 3 0,3 0 0,1-6 0,0 3 0,0-4 0,2-2 0,-1-1 0,1-6 0,13-6 0,6-3 0,11-3 0,-1 1 0,-7-2 0,-8 1 0,-4 0 0,-11 18 0,2-10 0,-7 12 0,-2-9 0,1-7 0,-10 10 0,6-5 0,-1 1 0,47 9 0,9-13 0,44 7 0,-6-19 0,-35-5 0,0-4 0,31-9 0,1-10 0,-26 8 0,-5 2 0,-10 2 0,9-3 0,1 2 0,4 0 0,-1 3 0,-4 3 0,-7 2 0,7-1 0,-5 3 0,2-1 0,-1 2 0,-4 1 0,1 3 0,11 2 0,1 1 0,8 1 0,6 1 0,8-1 0,2 1 0,21 0 0,-12-3 0,0 1 0,-20 0 0,-16 0 0,-13 3 0,13 2 0,11 2 0,18 1 0,11 1 0,-4-1 0,-10-2 0,0-1 0,19-2 0,-11 0 0,-32-1 0,0 0 0,21 3 0,-7-3 0,-10 2 0,-9-2 0,-9 1 0,-6 0 0,-8 0 0,30 6 0,-12-1 0,25 4 0,-19-3 0,12 4 0,5 0 0,11 4 0,1-1 0,3-2 0,1-2 0,16 2 0,-4-3 0,-4 1 0,-14-3 0,-16-2 0,-11-2 0,5 3 0,28 1 0,-18-2 0,14 1 0,-43-5 0,-10 0 0,-7-1 0,-4 0 0,7 0 0,3 2 0,7-1 0,12-1 0,-13-1 0,0-2 0,-18 3 0,0 0 0,10 0 0,7 0 0,8-2 0,-7 0 0,-3-3 0,-8 3 0,7-5 0,-9 5 0,9-3 0,-6 4 0,1-1 0,0 1 0,-9-1 0,12 0 0,-10-1 0,15 0 0,-4 1 0,-9-1 0,2 1 0,-5-1 0,-1 0 0,12-2 0,-2 0 0,2 0 0,-6 1 0,-6 2 0,6-2 0,-7 2 0,17-4 0,-16 2 0,5-2 0,-6-7 0,-4 5 0,4-13 0,-6 12 0,-1-8 0,-3 1 0,-3 0 0,-1 0 0,1 0 0,-1 0 0,3 1 0,-1-4 0,1 5 0,1-3 0,-1-2 0,0 2 0,0 1 0,-1 0 0,1 2 0,0-8 0,0 2 0,0-3 0,0 5 0,0 1 0,0 4 0,-1-4 0,-17 9 0,2 2 0,-33 12 0,13 1 0,-12 2 0,-12-1 0,16 0 0,-37 8 0,40-6 0,-12 4 0,27-9 0,-5-1 0,-41 0 0,9-3 0,11-1 0,-2 1 0,-27-1 0,15 0 0,0 0 0,-22 0 0,32 0 0,2 0 0,2 0 0,2 0 0,-38-2 0,17 1 0,-24-2 0,36 1 0,-3-3 0,8-1 0,-3-1 0,-41-7 0,34 6 0,4 0 0,-9 0 0,21 6 0,-3 2 0,8-2 0,-34 1 0,10-3 0,-19 0 0,-8 1 0,24 0 0,-3 3 0,27 0 0,-12 1 0,-7 1 0,10-2 0,-2 1 0,-31 0 0,-2 2 0,18-1 0,3 0 0,9 1 0,-1 0 0,-19 6 0,1 1 0,24-4 0,2 0 0,-22 3 0,1 1 0,20-4 0,1 0 0,-23 2 0,0 0 0,21-2 0,0 1 0,-19 1 0,1 0 0,-19 4 0,41-7 0,2 0 0,-19 3 0,9-1 0,38-2 0,-8 4 0,13-4 0,-12 5 0,5-3 0,-4 3 0,6-4 0,-3 5 0,10-6 0,-19 8 0,4-4 0,-16 4 0,-15 2 0,11-5 0,-12 3 0,18-7 0,1 0 0,10-2 0,1 0 0,8-1 0,5-1 0,5-2 0,3-19 0,12-1 0,-2-9 0,4 9 0,-1 13 0,18-2 0,-7 4 0,9-1 0,-14 1 0</inkml:trace>
+</inkml:ink>
+</file>
+
+<file path=ppt/ink/ink8.xml><?xml version="1.0" encoding="utf-8"?>
+<inkml:ink xmlns:inkml="http://www.w3.org/2003/InkML">
+  <inkml:definitions>
+    <inkml:context xml:id="ctx0">
+      <inkml:inkSource xml:id="inkSrc0">
+        <inkml:traceFormat>
+          <inkml:channel name="X" type="integer" min="-2.14748E9" max="2.14748E9" units="cm"/>
+          <inkml:channel name="Y" type="integer" min="-2.14748E9" max="2.14748E9" units="cm"/>
+          <inkml:channel name="F" type="integer" max="32767" units="dev"/>
+        </inkml:traceFormat>
+        <inkml:channelProperties>
+          <inkml:channelProperty channel="X" name="resolution" value="1000" units="1/cm"/>
+          <inkml:channelProperty channel="Y" name="resolution" value="1000" units="1/cm"/>
+          <inkml:channelProperty channel="F" name="resolution" value="0" units="1/dev"/>
+        </inkml:channelProperties>
+      </inkml:inkSource>
+      <inkml:timestamp xml:id="ts0" timeString="2022-09-14T21:59:58.138"/>
+    </inkml:context>
+    <inkml:brush xml:id="br0">
+      <inkml:brushProperty name="width" value="0.3" units="cm"/>
+      <inkml:brushProperty name="height" value="0.6" units="cm"/>
+      <inkml:brushProperty name="color" value="#969696"/>
+      <inkml:brushProperty name="tip" value="rectangle"/>
+      <inkml:brushProperty name="rasterOp" value="maskPen"/>
+    </inkml:brush>
+  </inkml:definitions>
+  <inkml:trace contextRef="#ctx0" brushRef="#br0">5684 92 16383,'-81'0'0,"-11"1"0,39 0 0,-2 1 0,1-1 0,-3 1 0,-12-1 0,-4-1 0,-8 1 0,-5 0 0,14-1 0,-3 0 0,1 0 0,2 0 0,1 0 0,-1 0 0,-1-1 0,0 1 0,4 1 0,-10 0 0,3 2 0,2-1 0,1 1 0,12 1 0,1 1 0,-4 0 0,1 1 0,1-3 0,0 0 0,-3 1 0,0-2 0,7-1 0,2-1 0,-4 1 0,2 0 0,-23 0 0,14 3 0,13-2 0,9 1 0,-27-2 0,-17-3 0,29 1 0,-3-1 0,0 1 0,-1 0 0,-1-1 0,1 0 0,12 0 0,1 1 0,-2-1 0,0-1 0,-38-2 0,39 1 0,-1-1 0,-3 1 0,-1-1 0,0-1 0,0 0 0,3 1 0,1 1 0,-39-5 0,33 5 0,8 2 0,9 0 0,-5 0 0,-3 0 0,-10-4 0,7-1 0,5 1 0,9 1 0,1 2 0,-12-1 0,1-1 0,8 0 0,24 3 0,1 2 0,-19 0 0,-37 1 0,-25-4 0,40 2 0,1-1 0,-41-1 0,19 0 0,15 3 0,9 2 0,6 1 0,4 3 0,13-2 0,9 1 0,7-2 0,-2 0 0,-5-1 0,-9-1 0,1 1 0,1-1 0,14 0 0,2 9 0,8 4 0,2 8 0,1 0 0,1 1 0,2-2 0,1 1 0,0-2 0,1-1 0,-2-3 0,1 0 0,0-1 0,-1 1 0,1 0 0,19-5 0,7-5 0,9-4 0,-4-2 0,-16-1 0,2 0 0,9 0 0,11 1 0,12 4 0,18 1 0,15 3 0,-34-5 0,0-1 0,3 0 0,1 0 0,-3-1 0,-1-1 0,31 1 0,-1 0 0,0-2 0,17-2 0,-43 0 0,1 0 0,1-2 0,0 1 0,1-2 0,-1 1 0,-5 0 0,-1 1 0,42-4 0,-18 2 0,-12 3 0,-9-2 0,18 2 0,11-2 0,-29 3 0,4-1 0,15 1 0,4-1 0,-1 1 0,0 0 0,-3-1 0,-3 0 0,-3 0 0,-5-2 0,28-5 0,2 2 0,-10-2 0,-7 6 0,-9-1 0,22 4 0,10 1 0,-27 2 0,4 1 0,-2 0 0,0-1 0,-1 1 0,-2 0 0,-16-2 0,-3 0 0,37-1 0,-23-2 0,19-1 0,-11 0 0,-2 0 0,-2 2 0,-4 0 0,14 2 0,-11 0 0,-5-1 0,-24-1 0,4-3 0,-3 1 0,8-1 0,3-1 0,4 1 0,5-3 0,14 1 0,-13 1 0,-10 0 0,-28 2 0,-16 3 0,20-5 0,-1 0 0,15-1 0,-11-2 0,-10 3 0,1-1 0,-1 2 0,4-1 0,0 0 0,-2 0 0,11-4 0,-8 2 0,10-4 0,-8 4 0,-1 0 0,-6 1 0,-5 3 0,-73-13 0,10 7 0,-7-1 0,-2 0 0,-15 1 0,17 3 0,20 3 0,15 3 0,1 2 0,-2 0 0,-3 2 0,-5 0 0,3 0 0,-9 0 0,-9-1 0,-14-2 0,-17 2 0,4-2 0,4 2 0,-7 0 0,-8-1 0,29 0 0,-3-1 0,-6-2 0,-2-1 0,-4 0 0,1 0 0,8-1 0,0 0 0,-2 0 0,3 0 0,-27 0 0,-11-1 0,11 4 0,4-2 0,6 2 0,3 0 0,-5 2 0,-7-2 0,7 1 0,14-2 0,10 1 0,12-2 0,-3 1 0,6-2 0,0 0 0,0 0 0,5 1 0,6 1 0,14 1 0,-7 0 0,-7 0 0,-25 0 0,-18 0 0,-5-1 0,-4 1 0,2-2 0,4 2 0,-15 0 0,5 0 0,-5 0 0,-5-1 0,2 1 0,12 0 0,17 1 0,33 0 0,17 0 0,2 3 0,-4 9 0,-3-2 0,-8 11 0,-9 3 0,-9 6 0,-18 11 0,0 0 0,2 0 0,0 3 0,3-1 0,-3 7 0,-5 3 0,-8 7 0,9-7 0,-3 1 0,21-11 0,3-3 0,7-6 0,3-7 0,5-7 0,2-5 0,1-3 0,5-1 0,3-2 0,6-1 0,0-1 0,-10 1 0,1-2 0,-11 1 0,10-4 0,-1 2 0,2-1 0,5-1 0,-5-1 0,-9-2 0,0-1 0,-8 0 0,14-1 0,6-6 0,-7-11 0,-6-5 0,-6-3 0,10 9 0,12 10 0,98 34 0,-3-9 0,-1 2 0,8-1 0,-11-10 0,2-3 0,9-2 0,2-2 0,-2-3 0,-1-3 0,-13 1 0,-3-1 0,-11-1 0,-6 0 0,16-2 0,7 3 0,4 1 0,-26 3 0,3-1 0,6 1 0,3 0 0,19 1 0,3 0 0,4 0 0,1 2 0,-26-2 0,2 2 0,-2-2 0,23 1 0,-4-1 0,-12-1 0,-6-2 0,-18-1 0,-2-1 0,46-15 0,-13 2 0,-29 5 0,2 0 0,-1 1 0,1 2 0,9-1 0,0 1 0,-4 1 0,2 1 0,12-1 0,1 1 0,-3 1 0,-1 1 0,9-2 0,0 1 0,-5 0 0,-3 0 0,-11-1 0,-2 0 0,-2 1 0,-2-1 0,-3 0 0,-1 0 0,5 1 0,1 0 0,1 0 0,-1 0 0,-2 2 0,-3 0 0,34-4 0,-9 5 0,-16 1 0,0 1 0,5 0 0,6 0 0,5 0 0,23 1 0,-3-1 0,-4-1 0,-16-1 0,-18-2 0,-19 0 0,-2-1 0,-19 4 0,0-1 0,30 2 0,-4-2 0,21-1 0,-24 0 0,-16-1 0,-18 7 0,-19 28 0,3-15 0,-9 17 0,17-27 0,-6 6 0,-24 13 0,-18 7 0,-31 11 0,-4-9 0,33-14 0,-1-2 0,1-4 0,0-1 0,-8 1 0,0-1 0,4-3 0,0-1 0,3-2 0,1 0 0,-37 1 0,2-5 0,-2-2 0,-4-4 0,4 1 0,37-1 0,-1 1 0,-46-2 0,41 4 0,0-1 0,-43-1 0,8 2 0,38 1 0,0-2 0,-3 0 0,1 0 0,-1 1 0,1 0 0,2-1 0,2 1 0,-24 1 0,0 3 0,2-3 0,4 4 0,-24-4 0,37 0 0,-3 0 0,-21-1 0,-4-1 0,-4-1 0,-2 0 0,0 1 0,3 1 0,17-1 0,3 1 0,10 1 0,5 1 0,-9 5 0,10-2 0,24 4 0,-9-2 0,4-1 0,-20-1 0,-7 3 0,-8-2 0,-12 6 0,-13-2 0,43-6 0,-2 1 0,-14 0 0,-3-1 0,1-1 0,0 0 0,0 1 0,1 1 0,4-2 0,1 1 0,8 0 0,1 0 0,-40 2 0,1-2 0,11 2 0,-17-1 0,11 1 0,14-2 0,20 2 0,27-2 0,9 0 0,0 0 0,4-1 0,-9 3 0,2 0 0,3 0 0,0 9 0,4-2 0,-3 7 0,3-1 0,1-2 0,0 1 0,-5 2 0,-2-1 0,-6 3 0,-1 0 0,2-1 0,2 1 0,6-3 0,3-1 0,-1 0 0,-2-1 0,-4 2 0,-6 1 0,-4 1 0,2-2 0,1 2 0,12-6 0,5-5 0,63-10 0,-7-5 0,50-9 0,-20-2 0,2 0 0,-13 0 0,6 1 0,-7 3 0,5 0 0,10 0 0,-1 2 0,-5 0 0,4 3 0,-9 3 0,13 1 0,7 1 0,-34 1 0,2 1 0,-1 0 0,1 0 0,6 0 0,-1 1 0,-7 0 0,-1 0 0,2 0 0,-1 0 0,-2 0 0,0 0 0,-1-1 0,-1-1 0,39 0 0,-1-2 0,-16 3 0,9 0 0,3 1 0,-2 0 0,15 0 0,-2 0 0,-42-1 0,3 0 0,6 1 0,2-2 0,3 0 0,2-2 0,-2 2 0,2-1 0,5 0 0,0 1 0,-4 1 0,1 1 0,10 2 0,0 1 0,-7-1 0,-1 1 0,0 1 0,-1-1 0,-16-1 0,0-1 0,7 0 0,1-1 0,-1 0 0,1 0 0,8 1 0,0 0 0,2 0 0,-1 0 0,-9 0 0,-3 1 0,-8-1 0,-1 1 0,-1-1 0,-1 1 0,38 0 0,9 0 0,-9-1 0,-20-1 0,-15-2 0,-29 1 0,0-3 0,-4 2 0,11-2 0,3 1 0,-5 0 0,1 1 0,-12 0 0,-3 1 0,2-2 0,-2 2 0,18-3 0,-4 0 0,4-2 0,-7 0 0,-9 1 0,-6 2 0,7 7 0,4 1 0,1 0 0,-7 4 0,-16 12 0,-3 3 0,-4 13 0,1-9 0,1-6 0,2-6 0,0-3 0,1 2 0,-9 0 0,-6 2 0,-17 4 0,-17 4 0,-11 3 0,-20 6 0,31-18 0,-4-1 0,-9 0 0,-3-2 0,-6-1 0,0-1 0,10-4 0,3 0 0,-32 1 0,13-4 0,-3-4 0,-15-5 0,-1-3 0,46 2 0,1-1 0,-37-7 0,35 5 0,-1 0 0,-38-4 0,-3 0 0,-5 6 0,13 1 0,33 4 0,0 0 0,-45 1 0,34-1 0,-3-1 0,-4 1 0,-2-1 0,-11-3 0,-1 0 0,9 1 0,1 0 0,-5-2 0,1 2 0,16 1 0,2 2 0,6 0 0,3 1 0,-27 2 0,30 2 0,7 4 0,-18-1 0,-11 1 0,15-2 0,-6-1 0,-15-2 0,-5-1 0,14 1 0,-4 1 0,1-1 0,-29-1 0,2 1 0,29 1 0,0 2 0,5 0 0,-7 2 0,5 2 0,1 4 0,1 1 0,3 1 0,2 0 0,4 1 0,1-1 0,-43 11 0,17-2 0,22-9 0,4 0 0,11-6 0,8-2 0,-5-3 0,-3 2 0,-11 1 0,2 3 0,11-1 0,9 0 0,13-2 0,1-1 0,0-1 0,3 0 0,-2-2 0,-9 5 0,-3-2 0,-16 6 0,8-2 0,6 1 0,12-2 0,9-3 0,-3 10 0,3-4 0,-9 11 0,-2-1 0,6-6 0,0 1 0,9-8 0,-3 5 0,3 1 0,-2 1 0,25-1 0,0-7 0,14-1 0,2-2 0,11 0 0,23-1 0,8-1 0,-16-1 0,-1 1 0,20-1 0,-5 0 0,2-2 0,-41-1 0,-3-1 0,5 0 0,7 0 0,7-2 0,11 0 0,0 0 0,8-1 0,-1 1 0,3-1 0,6-3 0,13-3 0,5-5 0,-45 7 0,-1-1 0,49-10 0,-6-1 0,-15 4 0,3-3 0,-16 4 0,5-2 0,-7 6 0,4 2 0,21 8 0,-38 2 0,3 1 0,11 0 0,3-1 0,5 2 0,3-1 0,6-1 0,-1 0 0,-8 0 0,-2 0 0,0 0 0,-2 0 0,29-3 0,0 2 0,-46-2 0,1 0 0,7 1 0,1-1 0,-3 1 0,0 0 0,9 0 0,0 0 0,-12 1 0,-1 0 0,1 1 0,-2-1 0,30 0 0,-13 0 0,17-2 0,-11-3 0,-21 2 0,1 0 0,32-4 0,-15 2 0,-20 1 0,-29 4 0,-4 0 0,5 1 0,17 1 0,8 0 0,21 3 0,9 3 0,0-1 0,-15 0 0,-25-4 0,-24-2 0,-7 0 0,25 1 0,0-1 0,29 2 0,-7-1 0,-10 1 0,-8-1 0,5-1 0,-1 3 0,15 2 0,-3 4 0,-2 1 0,-13-1 0,-10-2 0,-17-5 0,11 5 0,6 0 0,24 10 0,-5-3 0,0 2 0,-20-7 0,-10-4 0,-1 0 0,6 0 0,2 2 0,-2 3 0,-10 0 0,-6 5 0,0 1 0,-6 4 0,-4-4 0,-8 2 0,3-4 0,-1-2 0,-3-3 0,-4 0 0,-3 1 0,-2 2 0,3 0 0,-3 0 0,4-3 0,1-2 0,-7-4 0,0 1 0,1 0 0,6-1 0,0-1 0,-4 0 0,-14 0 0,-3 1 0,-4-2 0,9 1 0,3-1 0,16 0 0,5 0 0,-23-1 0,15 0 0,-21 1 0,23-1 0,2 1 0,-3 0 0,-8-1 0,-3 1 0,-24-1 0,3-1 0,0 1 0,10-1 0,21 2 0,7 1 0,-8 2 0,6-2 0,-11 5 0,2-2 0,1-1 0,5 0 0,-5-3 0,12 0 0,-12-3 0,-5-4 0,-2 0 0,-11-2 0,14 3 0,0 0 0,3 2 0,-1 0 0,-4-1 0,-5 0 0,-20-1 0,18 2 0,-5 0 0,19 2 0,-45-6 0,27 4 0,-31-4 0,57 7 0,3 0 0,-10 1 0,-5 0 0,-29 0 0,-2-1 0,-5 1 0,9 1 0,10 0 0,5 3 0,-4-2 0,-4 1 0,-12 1 0,2-1 0,-12 3 0,24-3 0,-7 1 0,20-2 0,-5 0 0,-21 0 0,15 0 0,-25 0 0,34-2 0,0 0 0,1-1 0,-31 0 0,6 0 0,-18 0 0,28-1 0,0-1 0,11 0 0,2-1 0,-16-2 0,4-2 0,-36-6 0,5 1 0,18 4 0,9 1 0,18 4 0,-1 1 0,-19-1 0,19 2 0,-6 1 0,17 0 0,-3 0 0,-37 0 0,20 0 0,-14 0 0,32 0 0,10 0 0,-18 1 0,-4 0 0,-28 1 0,-26 3 0,26-2 0,-12 3 0,30-3 0,-10 3 0,-4-1 0,-8 2 0,17-3 0,1 1 0,15-3 0,-2 2 0,-16 0 0,12 0 0,-22 2 0,33-3 0,3-1 0,17-1 0,-20-1 0,13 0 0,-31 0 0,1 0 0,12 0 0,-1 0 0,18 0 0,-7-1 0,1 1 0,-30-11 0,-19-11 0,13 2 0,-28-11 0,59 19 0,-15-3 0,3 4 0,-3 0 0,4 4 0,-17 2 0,23 5 0,-8 0 0,-11 0 0,27 0 0,-26 0 0,11 0 0,3 0 0,5 0 0,13 0 0,7 2 0,-2 3 0,-3 0 0,-2 1 0</inkml:trace>
+</inkml:ink>
+</file>
+
+<file path=ppt/ink/ink9.xml><?xml version="1.0" encoding="utf-8"?>
+<inkml:ink xmlns:inkml="http://www.w3.org/2003/InkML">
+  <inkml:definitions>
+    <inkml:context xml:id="ctx0">
+      <inkml:inkSource xml:id="inkSrc0">
+        <inkml:traceFormat>
+          <inkml:channel name="X" type="integer" min="-2.14748E9" max="2.14748E9" units="cm"/>
+          <inkml:channel name="Y" type="integer" min="-2.14748E9" max="2.14748E9" units="cm"/>
+          <inkml:channel name="F" type="integer" max="32767" units="dev"/>
+        </inkml:traceFormat>
+        <inkml:channelProperties>
+          <inkml:channelProperty channel="X" name="resolution" value="1000" units="1/cm"/>
+          <inkml:channelProperty channel="Y" name="resolution" value="1000" units="1/cm"/>
+          <inkml:channelProperty channel="F" name="resolution" value="0" units="1/dev"/>
+        </inkml:channelProperties>
+      </inkml:inkSource>
+      <inkml:timestamp xml:id="ts0" timeString="2022-09-14T22:02:14.270"/>
+    </inkml:context>
+    <inkml:brush xml:id="br0">
+      <inkml:brushProperty name="width" value="0.1" units="cm"/>
+      <inkml:brushProperty name="height" value="0.1" units="cm"/>
+    </inkml:brush>
+  </inkml:definitions>
+  <inkml:trace contextRef="#ctx0" brushRef="#br0">0 3591 24575,'11'0'0,"-2"0"0,-2 0 0,0 0 0,0 0 0,1 0 0,-1-3 0,0 2 0,0-5 0,1 2 0,-1 0 0,0-3 0,1 3 0,-1-3 0,4 3 0,-2-7 0,7 6 0,-4-7 0,5 0 0,-1 3 0,0-6 0,5 1 0,-3-2 0,8-7 0,-3 5 0,11-11 0,-4 4 0,17-12 0,-16 11 0,30-23 0,-28 21 0,28-22 0,-23 18 0,10-11 0,-6 10 0,0-3 0,-5 6 0,-2-1 0,-6 2 0,0 0 0,-1 5 0,-4-3 0,-3 9 0,2-9 0,-9 9 0,7-4 0,4-2 0,-6 6 0,10-11 0,-8 11 0,2-4 0,5-1 0,0-1 0,1-1 0,-1-3 0,1 4 0,0-5 0,-1 5 0,1-4 0,-1 4 0,7-7 0,-9 3 0,26-16 0,-29 18 0,24-16 0,-24 19 0,1-1 0,-2-2 0,-1 7 0,-2-6 0,7 6 0,-7-7 0,2 8 0,2-9 0,-1 8 0,7-9 0,0 4 0,0-5 0,-1 5 0,1-4 0,-1 4 0,7-7 0,-5 7 0,4-5 0,-5 5 0,0-6 0,0 1 0,0 0 0,1-6 0,5 4 0,-2-10 0,-2 5 0,4-1 0,-13-2 0,13 2 0,-10 2 0,14-17 0,-7 18 0,5-12 0,-2 11 0,-4 4 0,10-5 0,9-2 0,-10 6 0,19-7 0,-17 8 0,10 4 0,1-3 0,0 8 0,-1-9 0,1 4 0,-6 1 0,4-4 0,-9 4 0,22-14 0,-13 10 0,4-7 0,-11 15 0,-10-2 0,5 9 0,-5-2 0,-2 6 0,0-2 0,2-1 0,11-2 0,8-5 0,9-1 0,21-7-634,-3-2 634,-29 9 0,-1 0 0,22-9 0,18-5 0,-27 13 0,-1 2 0,-10 0 0,-13 5 0,-10 3 0,2 4 0,-13 1 634,3-1-634,0 1 0,-4-1 0,9 1 0,-4-1 0,10 4 0,-4-3 0,4 3 0,-5-4 0,6 0 0,-5-4 0,1 6 0,-3 0 0,3 7 0,-1 0 0,38 0 0,-13 0 0,17-9 0,-5 7 0,-10-7 0,6 4 0,-1 0 0,-14-6 0,-1 1 0,-6 5 0,-5-3 0,3 7 0,-9-7 0,5 7 0,-6-3 0,5 4 0,1-5 0,6 4 0,0-3 0,0 4 0,0 0 0,0 0 0,-5 0 0,3 0 0,-3 0 0,-1 0 0,5 0 0,-4 0 0,-2 0 0,12 0 0,-10 0 0,11 0 0,0 0 0,2 0 0,0 0 0,-2 0 0,-6 0 0,0 0 0,-6 0 0,-1 0 0,-5 0 0,0 0 0,0 0 0,0 0 0,-1 0 0,7 0 0,7 0 0,0 0 0,6 0 0,-13 0 0,0 0 0,-6 0 0,-5 0 0,-1 0 0,-5 0 0,-4 0 0,0 0 0,-5 0 0,0 0 0,-3-6 0,-1-7 0,-3 4 0,0-3 0</inkml:trace>
+</inkml:ink>
+</file>
+
 <file path=ppt/slideLayouts/slideLayout1.xml><?xml version="1.0" encoding="utf-8"?>
 <p:sldLayout xmlns:a="http://schemas.openxmlformats.org/drawingml/2006/main" xmlns:r="http://schemas.openxmlformats.org/officeDocument/2006/relationships" xmlns:p="http://schemas.openxmlformats.org/presentationml/2006/main" type="title" preserve="1">
   <p:cSld name="Title Slide">
@@ -259,7 +935,7 @@
           <a:p>
             <a:fld id="{D7E6124A-1481-9F4D-BC02-F6A3A1AB3571}" type="datetimeFigureOut">
               <a:rPr lang="en-US" smtClean="0"/>
-              <a:t>6/17/22</a:t>
+              <a:t>9/14/22</a:t>
             </a:fld>
             <a:endParaRPr lang="en-US"/>
           </a:p>
@@ -457,7 +1133,7 @@
           <a:p>
             <a:fld id="{D7E6124A-1481-9F4D-BC02-F6A3A1AB3571}" type="datetimeFigureOut">
               <a:rPr lang="en-US" smtClean="0"/>
-              <a:t>6/17/22</a:t>
+              <a:t>9/14/22</a:t>
             </a:fld>
             <a:endParaRPr lang="en-US"/>
           </a:p>
@@ -665,7 +1341,7 @@
           <a:p>
             <a:fld id="{D7E6124A-1481-9F4D-BC02-F6A3A1AB3571}" type="datetimeFigureOut">
               <a:rPr lang="en-US" smtClean="0"/>
-              <a:t>6/17/22</a:t>
+              <a:t>9/14/22</a:t>
             </a:fld>
             <a:endParaRPr lang="en-US"/>
           </a:p>
@@ -863,7 +1539,7 @@
           <a:p>
             <a:fld id="{D7E6124A-1481-9F4D-BC02-F6A3A1AB3571}" type="datetimeFigureOut">
               <a:rPr lang="en-US" smtClean="0"/>
-              <a:t>6/17/22</a:t>
+              <a:t>9/14/22</a:t>
             </a:fld>
             <a:endParaRPr lang="en-US"/>
           </a:p>
@@ -1138,7 +1814,7 @@
           <a:p>
             <a:fld id="{D7E6124A-1481-9F4D-BC02-F6A3A1AB3571}" type="datetimeFigureOut">
               <a:rPr lang="en-US" smtClean="0"/>
-              <a:t>6/17/22</a:t>
+              <a:t>9/14/22</a:t>
             </a:fld>
             <a:endParaRPr lang="en-US"/>
           </a:p>
@@ -1403,7 +2079,7 @@
           <a:p>
             <a:fld id="{D7E6124A-1481-9F4D-BC02-F6A3A1AB3571}" type="datetimeFigureOut">
               <a:rPr lang="en-US" smtClean="0"/>
-              <a:t>6/17/22</a:t>
+              <a:t>9/14/22</a:t>
             </a:fld>
             <a:endParaRPr lang="en-US"/>
           </a:p>
@@ -1815,7 +2491,7 @@
           <a:p>
             <a:fld id="{D7E6124A-1481-9F4D-BC02-F6A3A1AB3571}" type="datetimeFigureOut">
               <a:rPr lang="en-US" smtClean="0"/>
-              <a:t>6/17/22</a:t>
+              <a:t>9/14/22</a:t>
             </a:fld>
             <a:endParaRPr lang="en-US"/>
           </a:p>
@@ -1956,7 +2632,7 @@
           <a:p>
             <a:fld id="{D7E6124A-1481-9F4D-BC02-F6A3A1AB3571}" type="datetimeFigureOut">
               <a:rPr lang="en-US" smtClean="0"/>
-              <a:t>6/17/22</a:t>
+              <a:t>9/14/22</a:t>
             </a:fld>
             <a:endParaRPr lang="en-US"/>
           </a:p>
@@ -2069,7 +2745,7 @@
           <a:p>
             <a:fld id="{D7E6124A-1481-9F4D-BC02-F6A3A1AB3571}" type="datetimeFigureOut">
               <a:rPr lang="en-US" smtClean="0"/>
-              <a:t>6/17/22</a:t>
+              <a:t>9/14/22</a:t>
             </a:fld>
             <a:endParaRPr lang="en-US"/>
           </a:p>
@@ -2380,7 +3056,7 @@
           <a:p>
             <a:fld id="{D7E6124A-1481-9F4D-BC02-F6A3A1AB3571}" type="datetimeFigureOut">
               <a:rPr lang="en-US" smtClean="0"/>
-              <a:t>6/17/22</a:t>
+              <a:t>9/14/22</a:t>
             </a:fld>
             <a:endParaRPr lang="en-US"/>
           </a:p>
@@ -2668,7 +3344,7 @@
           <a:p>
             <a:fld id="{D7E6124A-1481-9F4D-BC02-F6A3A1AB3571}" type="datetimeFigureOut">
               <a:rPr lang="en-US" smtClean="0"/>
-              <a:t>6/17/22</a:t>
+              <a:t>9/14/22</a:t>
             </a:fld>
             <a:endParaRPr lang="en-US"/>
           </a:p>
@@ -2909,7 +3585,7 @@
           <a:p>
             <a:fld id="{D7E6124A-1481-9F4D-BC02-F6A3A1AB3571}" type="datetimeFigureOut">
               <a:rPr lang="en-US" smtClean="0"/>
-              <a:t>6/17/22</a:t>
+              <a:t>9/14/22</a:t>
             </a:fld>
             <a:endParaRPr lang="en-US"/>
           </a:p>
@@ -3341,14 +4017,14 @@
           <p:nvPr>
             <p:extLst>
               <p:ext uri="{D42A27DB-BD31-4B8C-83A1-F6EECF244321}">
-                <p14:modId xmlns:p14="http://schemas.microsoft.com/office/powerpoint/2010/main" val="3632655735"/>
+                <p14:modId xmlns:p14="http://schemas.microsoft.com/office/powerpoint/2010/main" val="1777993977"/>
               </p:ext>
             </p:extLst>
           </p:nvPr>
         </p:nvGraphicFramePr>
         <p:xfrm>
-          <a:off x="605639" y="228600"/>
-          <a:ext cx="5692419" cy="3200401"/>
+          <a:off x="605640" y="228601"/>
+          <a:ext cx="4130749" cy="2226923"/>
         </p:xfrm>
         <a:graphic>
           <a:graphicData uri="http://schemas.openxmlformats.org/drawingml/2006/table">
@@ -3357,28 +4033,28 @@
                 <a:tableStyleId>{5C22544A-7EE6-4342-B048-85BDC9FD1C3A}</a:tableStyleId>
               </a:tblPr>
               <a:tblGrid>
-                <a:gridCol w="548790">
+                <a:gridCol w="398234">
                   <a:extLst>
                     <a:ext uri="{9D8B030D-6E8A-4147-A177-3AD203B41FA5}">
                       <a16:colId xmlns:a16="http://schemas.microsoft.com/office/drawing/2014/main" val="20000"/>
                     </a:ext>
                   </a:extLst>
                 </a:gridCol>
-                <a:gridCol w="552198">
+                <a:gridCol w="400707">
                   <a:extLst>
                     <a:ext uri="{9D8B030D-6E8A-4147-A177-3AD203B41FA5}">
                       <a16:colId xmlns:a16="http://schemas.microsoft.com/office/drawing/2014/main" val="20001"/>
                     </a:ext>
                   </a:extLst>
                 </a:gridCol>
-                <a:gridCol w="2311055">
+                <a:gridCol w="1677035">
                   <a:extLst>
                     <a:ext uri="{9D8B030D-6E8A-4147-A177-3AD203B41FA5}">
                       <a16:colId xmlns:a16="http://schemas.microsoft.com/office/drawing/2014/main" val="20002"/>
                     </a:ext>
                   </a:extLst>
                 </a:gridCol>
-                <a:gridCol w="2280376">
+                <a:gridCol w="1654773">
                   <a:extLst>
                     <a:ext uri="{9D8B030D-6E8A-4147-A177-3AD203B41FA5}">
                       <a16:colId xmlns:a16="http://schemas.microsoft.com/office/drawing/2014/main" val="20003"/>
@@ -3386,7 +4062,7 @@
                   </a:extLst>
                 </a:gridCol>
               </a:tblGrid>
-              <a:tr h="501605">
+              <a:tr h="329707">
                 <a:tc>
                   <a:txBody>
                     <a:bodyPr/>
@@ -3462,7 +4138,7 @@
                   </a:ext>
                 </a:extLst>
               </a:tr>
-              <a:tr h="493720">
+              <a:tr h="324524">
                 <a:tc>
                   <a:txBody>
                     <a:bodyPr/>
@@ -3555,7 +4231,7 @@
                   </a:ext>
                 </a:extLst>
               </a:tr>
-              <a:tr h="1102538">
+              <a:tr h="724702">
                 <a:tc rowSpan="2">
                   <a:txBody>
                     <a:bodyPr/>
@@ -3660,7 +4336,7 @@
                   </a:ext>
                 </a:extLst>
               </a:tr>
-              <a:tr h="1102538">
+              <a:tr h="709741">
                 <a:tc vMerge="1">
                   <a:txBody>
                     <a:bodyPr/>
@@ -3749,10 +4425,1803 @@
           </a:graphicData>
         </a:graphic>
       </p:graphicFrame>
+      <mc:AlternateContent xmlns:mc="http://schemas.openxmlformats.org/markup-compatibility/2006">
+        <mc:Choice xmlns:p14="http://schemas.microsoft.com/office/powerpoint/2010/main" Requires="p14">
+          <p:contentPart p14:bwMode="auto" r:id="rId2">
+            <p14:nvContentPartPr>
+              <p14:cNvPr id="2" name="Ink 1">
+                <a:extLst>
+                  <a:ext uri="{FF2B5EF4-FFF2-40B4-BE49-F238E27FC236}">
+                    <a16:creationId xmlns:a16="http://schemas.microsoft.com/office/drawing/2014/main" id="{40952C21-78BA-D3D4-A136-F49BC47735DC}"/>
+                  </a:ext>
+                </a:extLst>
+              </p14:cNvPr>
+              <p14:cNvContentPartPr/>
+              <p14:nvPr/>
+            </p14:nvContentPartPr>
+            <p14:xfrm>
+              <a:off x="4892877" y="3314412"/>
+              <a:ext cx="4370760" cy="2152440"/>
+            </p14:xfrm>
+          </p:contentPart>
+        </mc:Choice>
+        <mc:Fallback>
+          <p:pic>
+            <p:nvPicPr>
+              <p:cNvPr id="2" name="Ink 1">
+                <a:extLst>
+                  <a:ext uri="{FF2B5EF4-FFF2-40B4-BE49-F238E27FC236}">
+                    <a16:creationId xmlns:a16="http://schemas.microsoft.com/office/drawing/2014/main" id="{40952C21-78BA-D3D4-A136-F49BC47735DC}"/>
+                  </a:ext>
+                </a:extLst>
+              </p:cNvPr>
+              <p:cNvPicPr/>
+              <p:nvPr/>
+            </p:nvPicPr>
+            <p:blipFill>
+              <a:blip r:embed="rId3"/>
+              <a:stretch>
+                <a:fillRect/>
+              </a:stretch>
+            </p:blipFill>
+            <p:spPr>
+              <a:xfrm>
+                <a:off x="4874877" y="3296412"/>
+                <a:ext cx="4406400" cy="2188080"/>
+              </a:xfrm>
+              <a:prstGeom prst="rect">
+                <a:avLst/>
+              </a:prstGeom>
+            </p:spPr>
+          </p:pic>
+        </mc:Fallback>
+      </mc:AlternateContent>
+      <mc:AlternateContent xmlns:mc="http://schemas.openxmlformats.org/markup-compatibility/2006">
+        <mc:Choice xmlns:p14="http://schemas.microsoft.com/office/powerpoint/2010/main" Requires="p14">
+          <p:contentPart p14:bwMode="auto" r:id="rId4">
+            <p14:nvContentPartPr>
+              <p14:cNvPr id="3" name="Ink 2">
+                <a:extLst>
+                  <a:ext uri="{FF2B5EF4-FFF2-40B4-BE49-F238E27FC236}">
+                    <a16:creationId xmlns:a16="http://schemas.microsoft.com/office/drawing/2014/main" id="{7B6B0D1A-2D8B-3BD4-4CB8-22C195A13BB0}"/>
+                  </a:ext>
+                </a:extLst>
+              </p14:cNvPr>
+              <p14:cNvContentPartPr/>
+              <p14:nvPr/>
+            </p14:nvContentPartPr>
+            <p14:xfrm>
+              <a:off x="4928157" y="3228372"/>
+              <a:ext cx="4459680" cy="2119320"/>
+            </p14:xfrm>
+          </p:contentPart>
+        </mc:Choice>
+        <mc:Fallback>
+          <p:pic>
+            <p:nvPicPr>
+              <p:cNvPr id="3" name="Ink 2">
+                <a:extLst>
+                  <a:ext uri="{FF2B5EF4-FFF2-40B4-BE49-F238E27FC236}">
+                    <a16:creationId xmlns:a16="http://schemas.microsoft.com/office/drawing/2014/main" id="{7B6B0D1A-2D8B-3BD4-4CB8-22C195A13BB0}"/>
+                  </a:ext>
+                </a:extLst>
+              </p:cNvPr>
+              <p:cNvPicPr/>
+              <p:nvPr/>
+            </p:nvPicPr>
+            <p:blipFill>
+              <a:blip r:embed="rId5"/>
+              <a:stretch>
+                <a:fillRect/>
+              </a:stretch>
+            </p:blipFill>
+            <p:spPr>
+              <a:xfrm>
+                <a:off x="4910157" y="3210372"/>
+                <a:ext cx="4495320" cy="2154960"/>
+              </a:xfrm>
+              <a:prstGeom prst="rect">
+                <a:avLst/>
+              </a:prstGeom>
+            </p:spPr>
+          </p:pic>
+        </mc:Fallback>
+      </mc:AlternateContent>
+      <mc:AlternateContent xmlns:mc="http://schemas.openxmlformats.org/markup-compatibility/2006">
+        <mc:Choice xmlns:p14="http://schemas.microsoft.com/office/powerpoint/2010/main" Requires="p14">
+          <p:contentPart p14:bwMode="auto" r:id="rId6">
+            <p14:nvContentPartPr>
+              <p14:cNvPr id="5" name="Ink 4">
+                <a:extLst>
+                  <a:ext uri="{FF2B5EF4-FFF2-40B4-BE49-F238E27FC236}">
+                    <a16:creationId xmlns:a16="http://schemas.microsoft.com/office/drawing/2014/main" id="{814AF6CB-14FC-E14A-3517-BAF20281FACA}"/>
+                  </a:ext>
+                </a:extLst>
+              </p14:cNvPr>
+              <p14:cNvContentPartPr/>
+              <p14:nvPr/>
+            </p14:nvContentPartPr>
+            <p14:xfrm>
+              <a:off x="7114077" y="3342132"/>
+              <a:ext cx="93600" cy="2032560"/>
+            </p14:xfrm>
+          </p:contentPart>
+        </mc:Choice>
+        <mc:Fallback>
+          <p:pic>
+            <p:nvPicPr>
+              <p:cNvPr id="5" name="Ink 4">
+                <a:extLst>
+                  <a:ext uri="{FF2B5EF4-FFF2-40B4-BE49-F238E27FC236}">
+                    <a16:creationId xmlns:a16="http://schemas.microsoft.com/office/drawing/2014/main" id="{814AF6CB-14FC-E14A-3517-BAF20281FACA}"/>
+                  </a:ext>
+                </a:extLst>
+              </p:cNvPr>
+              <p:cNvPicPr/>
+              <p:nvPr/>
+            </p:nvPicPr>
+            <p:blipFill>
+              <a:blip r:embed="rId7"/>
+              <a:stretch>
+                <a:fillRect/>
+              </a:stretch>
+            </p:blipFill>
+            <p:spPr>
+              <a:xfrm>
+                <a:off x="7096077" y="3324132"/>
+                <a:ext cx="129240" cy="2068200"/>
+              </a:xfrm>
+              <a:prstGeom prst="rect">
+                <a:avLst/>
+              </a:prstGeom>
+            </p:spPr>
+          </p:pic>
+        </mc:Fallback>
+      </mc:AlternateContent>
+      <mc:AlternateContent xmlns:mc="http://schemas.openxmlformats.org/markup-compatibility/2006">
+        <mc:Choice xmlns:p14="http://schemas.microsoft.com/office/powerpoint/2010/main" Requires="p14">
+          <p:contentPart p14:bwMode="auto" r:id="rId8">
+            <p14:nvContentPartPr>
+              <p14:cNvPr id="6" name="Ink 5">
+                <a:extLst>
+                  <a:ext uri="{FF2B5EF4-FFF2-40B4-BE49-F238E27FC236}">
+                    <a16:creationId xmlns:a16="http://schemas.microsoft.com/office/drawing/2014/main" id="{BDA65473-3E79-A0C1-DB89-257DACA34133}"/>
+                  </a:ext>
+                </a:extLst>
+              </p14:cNvPr>
+              <p14:cNvContentPartPr/>
+              <p14:nvPr/>
+            </p14:nvContentPartPr>
+            <p14:xfrm>
+              <a:off x="4963437" y="4381812"/>
+              <a:ext cx="2173320" cy="24120"/>
+            </p14:xfrm>
+          </p:contentPart>
+        </mc:Choice>
+        <mc:Fallback>
+          <p:pic>
+            <p:nvPicPr>
+              <p:cNvPr id="6" name="Ink 5">
+                <a:extLst>
+                  <a:ext uri="{FF2B5EF4-FFF2-40B4-BE49-F238E27FC236}">
+                    <a16:creationId xmlns:a16="http://schemas.microsoft.com/office/drawing/2014/main" id="{BDA65473-3E79-A0C1-DB89-257DACA34133}"/>
+                  </a:ext>
+                </a:extLst>
+              </p:cNvPr>
+              <p:cNvPicPr/>
+              <p:nvPr/>
+            </p:nvPicPr>
+            <p:blipFill>
+              <a:blip r:embed="rId9"/>
+              <a:stretch>
+                <a:fillRect/>
+              </a:stretch>
+            </p:blipFill>
+            <p:spPr>
+              <a:xfrm>
+                <a:off x="4945437" y="4363812"/>
+                <a:ext cx="2208960" cy="59760"/>
+              </a:xfrm>
+              <a:prstGeom prst="rect">
+                <a:avLst/>
+              </a:prstGeom>
+            </p:spPr>
+          </p:pic>
+        </mc:Fallback>
+      </mc:AlternateContent>
+      <mc:AlternateContent xmlns:mc="http://schemas.openxmlformats.org/markup-compatibility/2006">
+        <mc:Choice xmlns:p14="http://schemas.microsoft.com/office/powerpoint/2010/main" Requires="p14">
+          <p:contentPart p14:bwMode="auto" r:id="rId10">
+            <p14:nvContentPartPr>
+              <p14:cNvPr id="7" name="Ink 6">
+                <a:extLst>
+                  <a:ext uri="{FF2B5EF4-FFF2-40B4-BE49-F238E27FC236}">
+                    <a16:creationId xmlns:a16="http://schemas.microsoft.com/office/drawing/2014/main" id="{19779107-7BF5-454C-5182-D5168AABB231}"/>
+                  </a:ext>
+                </a:extLst>
+              </p14:cNvPr>
+              <p14:cNvContentPartPr/>
+              <p14:nvPr/>
+            </p14:nvContentPartPr>
+            <p14:xfrm>
+              <a:off x="7153677" y="4308732"/>
+              <a:ext cx="2173320" cy="88560"/>
+            </p14:xfrm>
+          </p:contentPart>
+        </mc:Choice>
+        <mc:Fallback>
+          <p:pic>
+            <p:nvPicPr>
+              <p:cNvPr id="7" name="Ink 6">
+                <a:extLst>
+                  <a:ext uri="{FF2B5EF4-FFF2-40B4-BE49-F238E27FC236}">
+                    <a16:creationId xmlns:a16="http://schemas.microsoft.com/office/drawing/2014/main" id="{19779107-7BF5-454C-5182-D5168AABB231}"/>
+                  </a:ext>
+                </a:extLst>
+              </p:cNvPr>
+              <p:cNvPicPr/>
+              <p:nvPr/>
+            </p:nvPicPr>
+            <p:blipFill>
+              <a:blip r:embed="rId11"/>
+              <a:stretch>
+                <a:fillRect/>
+              </a:stretch>
+            </p:blipFill>
+            <p:spPr>
+              <a:xfrm>
+                <a:off x="7135677" y="4290659"/>
+                <a:ext cx="2208960" cy="124345"/>
+              </a:xfrm>
+              <a:prstGeom prst="rect">
+                <a:avLst/>
+              </a:prstGeom>
+            </p:spPr>
+          </p:pic>
+        </mc:Fallback>
+      </mc:AlternateContent>
+      <p:sp>
+        <p:nvSpPr>
+          <p:cNvPr id="8" name="TextBox 7">
+            <a:extLst>
+              <a:ext uri="{FF2B5EF4-FFF2-40B4-BE49-F238E27FC236}">
+                <a16:creationId xmlns:a16="http://schemas.microsoft.com/office/drawing/2014/main" id="{11D07596-B3A2-34E6-F3E7-114E12403D15}"/>
+              </a:ext>
+            </a:extLst>
+          </p:cNvPr>
+          <p:cNvSpPr txBox="1"/>
+          <p:nvPr/>
+        </p:nvSpPr>
+        <p:spPr>
+          <a:xfrm>
+            <a:off x="5596069" y="2776753"/>
+            <a:ext cx="700833" cy="369332"/>
+          </a:xfrm>
+          <a:prstGeom prst="rect">
+            <a:avLst/>
+          </a:prstGeom>
+          <a:noFill/>
+        </p:spPr>
+        <p:txBody>
+          <a:bodyPr wrap="none" rtlCol="0">
+            <a:spAutoFit/>
+          </a:bodyPr>
+          <a:lstStyle/>
+          <a:p>
+            <a:r>
+              <a:rPr lang="en-US" dirty="0"/>
+              <a:t>Same</a:t>
+            </a:r>
+          </a:p>
+        </p:txBody>
+      </p:sp>
+      <p:sp>
+        <p:nvSpPr>
+          <p:cNvPr id="9" name="TextBox 8">
+            <a:extLst>
+              <a:ext uri="{FF2B5EF4-FFF2-40B4-BE49-F238E27FC236}">
+                <a16:creationId xmlns:a16="http://schemas.microsoft.com/office/drawing/2014/main" id="{CB1FD42C-0D29-F0ED-F2A9-612E37B5BBF7}"/>
+              </a:ext>
+            </a:extLst>
+          </p:cNvPr>
+          <p:cNvSpPr txBox="1"/>
+          <p:nvPr/>
+        </p:nvSpPr>
+        <p:spPr>
+          <a:xfrm>
+            <a:off x="7589175" y="2780525"/>
+            <a:ext cx="1017907" cy="369332"/>
+          </a:xfrm>
+          <a:prstGeom prst="rect">
+            <a:avLst/>
+          </a:prstGeom>
+          <a:noFill/>
+        </p:spPr>
+        <p:txBody>
+          <a:bodyPr wrap="none" rtlCol="0">
+            <a:spAutoFit/>
+          </a:bodyPr>
+          <a:lstStyle/>
+          <a:p>
+            <a:r>
+              <a:rPr lang="en-US" dirty="0"/>
+              <a:t>Different</a:t>
+            </a:r>
+          </a:p>
+        </p:txBody>
+      </p:sp>
+      <p:sp>
+        <p:nvSpPr>
+          <p:cNvPr id="11" name="TextBox 10">
+            <a:extLst>
+              <a:ext uri="{FF2B5EF4-FFF2-40B4-BE49-F238E27FC236}">
+                <a16:creationId xmlns:a16="http://schemas.microsoft.com/office/drawing/2014/main" id="{5E40EF47-594D-CD33-EBA6-9588F1BCC001}"/>
+              </a:ext>
+            </a:extLst>
+          </p:cNvPr>
+          <p:cNvSpPr txBox="1"/>
+          <p:nvPr/>
+        </p:nvSpPr>
+        <p:spPr>
+          <a:xfrm>
+            <a:off x="5308294" y="3633249"/>
+            <a:ext cx="1425647" cy="369332"/>
+          </a:xfrm>
+          <a:prstGeom prst="rect">
+            <a:avLst/>
+          </a:prstGeom>
+          <a:noFill/>
+        </p:spPr>
+        <p:txBody>
+          <a:bodyPr wrap="none" rtlCol="0">
+            <a:spAutoFit/>
+          </a:bodyPr>
+          <a:lstStyle/>
+          <a:p>
+            <a:pPr algn="ctr"/>
+            <a:r>
+              <a:rPr lang="en-US" dirty="0"/>
+              <a:t>Reproducible</a:t>
+            </a:r>
+          </a:p>
+        </p:txBody>
+      </p:sp>
+      <p:sp>
+        <p:nvSpPr>
+          <p:cNvPr id="12" name="TextBox 11">
+            <a:extLst>
+              <a:ext uri="{FF2B5EF4-FFF2-40B4-BE49-F238E27FC236}">
+                <a16:creationId xmlns:a16="http://schemas.microsoft.com/office/drawing/2014/main" id="{A9847D15-05A0-5EA1-EC63-28145FA21519}"/>
+              </a:ext>
+            </a:extLst>
+          </p:cNvPr>
+          <p:cNvSpPr txBox="1"/>
+          <p:nvPr/>
+        </p:nvSpPr>
+        <p:spPr>
+          <a:xfrm>
+            <a:off x="6420265" y="2293153"/>
+            <a:ext cx="1168910" cy="461665"/>
+          </a:xfrm>
+          <a:prstGeom prst="rect">
+            <a:avLst/>
+          </a:prstGeom>
+          <a:noFill/>
+        </p:spPr>
+        <p:txBody>
+          <a:bodyPr wrap="none" rtlCol="0">
+            <a:spAutoFit/>
+          </a:bodyPr>
+          <a:lstStyle/>
+          <a:p>
+            <a:r>
+              <a:rPr lang="en-US" sz="2400" b="1" dirty="0"/>
+              <a:t>Dataset</a:t>
+            </a:r>
+          </a:p>
+        </p:txBody>
+      </p:sp>
+      <p:sp>
+        <p:nvSpPr>
+          <p:cNvPr id="13" name="TextBox 12">
+            <a:extLst>
+              <a:ext uri="{FF2B5EF4-FFF2-40B4-BE49-F238E27FC236}">
+                <a16:creationId xmlns:a16="http://schemas.microsoft.com/office/drawing/2014/main" id="{92FB5CF7-EEA4-A6C0-A0F2-A5F0ABF5CEDF}"/>
+              </a:ext>
+            </a:extLst>
+          </p:cNvPr>
+          <p:cNvSpPr txBox="1"/>
+          <p:nvPr/>
+        </p:nvSpPr>
+        <p:spPr>
+          <a:xfrm rot="16200000">
+            <a:off x="3255952" y="4077899"/>
+            <a:ext cx="1229504" cy="461665"/>
+          </a:xfrm>
+          <a:prstGeom prst="rect">
+            <a:avLst/>
+          </a:prstGeom>
+          <a:noFill/>
+        </p:spPr>
+        <p:txBody>
+          <a:bodyPr wrap="none" rtlCol="0">
+            <a:spAutoFit/>
+          </a:bodyPr>
+          <a:lstStyle/>
+          <a:p>
+            <a:r>
+              <a:rPr lang="en-US" sz="2400" b="1" dirty="0"/>
+              <a:t>Analysis</a:t>
+            </a:r>
+          </a:p>
+        </p:txBody>
+      </p:sp>
+      <p:sp>
+        <p:nvSpPr>
+          <p:cNvPr id="14" name="TextBox 13">
+            <a:extLst>
+              <a:ext uri="{FF2B5EF4-FFF2-40B4-BE49-F238E27FC236}">
+                <a16:creationId xmlns:a16="http://schemas.microsoft.com/office/drawing/2014/main" id="{531A9363-0357-956E-3E13-A3ACA234DC3C}"/>
+              </a:ext>
+            </a:extLst>
+          </p:cNvPr>
+          <p:cNvSpPr txBox="1"/>
+          <p:nvPr/>
+        </p:nvSpPr>
+        <p:spPr>
+          <a:xfrm rot="16200000">
+            <a:off x="4013808" y="3677275"/>
+            <a:ext cx="992941" cy="369332"/>
+          </a:xfrm>
+          <a:prstGeom prst="rect">
+            <a:avLst/>
+          </a:prstGeom>
+          <a:noFill/>
+        </p:spPr>
+        <p:txBody>
+          <a:bodyPr wrap="square" rtlCol="0">
+            <a:spAutoFit/>
+          </a:bodyPr>
+          <a:lstStyle/>
+          <a:p>
+            <a:pPr algn="ctr"/>
+            <a:r>
+              <a:rPr lang="en-US" dirty="0"/>
+              <a:t>Same</a:t>
+            </a:r>
+          </a:p>
+        </p:txBody>
+      </p:sp>
+      <p:sp>
+        <p:nvSpPr>
+          <p:cNvPr id="15" name="TextBox 14">
+            <a:extLst>
+              <a:ext uri="{FF2B5EF4-FFF2-40B4-BE49-F238E27FC236}">
+                <a16:creationId xmlns:a16="http://schemas.microsoft.com/office/drawing/2014/main" id="{026D08A3-7DD5-2E71-7CAD-81DF71FA6193}"/>
+              </a:ext>
+            </a:extLst>
+          </p:cNvPr>
+          <p:cNvSpPr txBox="1"/>
+          <p:nvPr/>
+        </p:nvSpPr>
+        <p:spPr>
+          <a:xfrm rot="16200000">
+            <a:off x="3995308" y="4781982"/>
+            <a:ext cx="1121433" cy="369332"/>
+          </a:xfrm>
+          <a:prstGeom prst="rect">
+            <a:avLst/>
+          </a:prstGeom>
+          <a:noFill/>
+        </p:spPr>
+        <p:txBody>
+          <a:bodyPr wrap="square" rtlCol="0">
+            <a:spAutoFit/>
+          </a:bodyPr>
+          <a:lstStyle/>
+          <a:p>
+            <a:pPr algn="r"/>
+            <a:r>
+              <a:rPr lang="en-US" dirty="0"/>
+              <a:t>Different</a:t>
+            </a:r>
+          </a:p>
+        </p:txBody>
+      </p:sp>
+      <p:sp>
+        <p:nvSpPr>
+          <p:cNvPr id="16" name="TextBox 15">
+            <a:extLst>
+              <a:ext uri="{FF2B5EF4-FFF2-40B4-BE49-F238E27FC236}">
+                <a16:creationId xmlns:a16="http://schemas.microsoft.com/office/drawing/2014/main" id="{87B68BC1-B13B-87A9-56EF-4A46F27B1AE7}"/>
+              </a:ext>
+            </a:extLst>
+          </p:cNvPr>
+          <p:cNvSpPr txBox="1"/>
+          <p:nvPr/>
+        </p:nvSpPr>
+        <p:spPr>
+          <a:xfrm>
+            <a:off x="5528875" y="4684742"/>
+            <a:ext cx="834587" cy="369332"/>
+          </a:xfrm>
+          <a:prstGeom prst="rect">
+            <a:avLst/>
+          </a:prstGeom>
+          <a:noFill/>
+        </p:spPr>
+        <p:txBody>
+          <a:bodyPr wrap="none" rtlCol="0">
+            <a:spAutoFit/>
+          </a:bodyPr>
+          <a:lstStyle/>
+          <a:p>
+            <a:r>
+              <a:rPr lang="en-US" dirty="0"/>
+              <a:t>Robust</a:t>
+            </a:r>
+          </a:p>
+        </p:txBody>
+      </p:sp>
+      <p:sp>
+        <p:nvSpPr>
+          <p:cNvPr id="17" name="TextBox 16">
+            <a:extLst>
+              <a:ext uri="{FF2B5EF4-FFF2-40B4-BE49-F238E27FC236}">
+                <a16:creationId xmlns:a16="http://schemas.microsoft.com/office/drawing/2014/main" id="{AA3A6157-2034-25E5-AAA8-6E1C72F245DE}"/>
+              </a:ext>
+            </a:extLst>
+          </p:cNvPr>
+          <p:cNvSpPr txBox="1"/>
+          <p:nvPr/>
+        </p:nvSpPr>
+        <p:spPr>
+          <a:xfrm>
+            <a:off x="7608228" y="3626906"/>
+            <a:ext cx="1145314" cy="369332"/>
+          </a:xfrm>
+          <a:prstGeom prst="rect">
+            <a:avLst/>
+          </a:prstGeom>
+          <a:noFill/>
+        </p:spPr>
+        <p:txBody>
+          <a:bodyPr wrap="none" rtlCol="0">
+            <a:spAutoFit/>
+          </a:bodyPr>
+          <a:lstStyle/>
+          <a:p>
+            <a:r>
+              <a:rPr lang="en-US" dirty="0"/>
+              <a:t>Replicable</a:t>
+            </a:r>
+          </a:p>
+        </p:txBody>
+      </p:sp>
+      <mc:AlternateContent xmlns:mc="http://schemas.openxmlformats.org/markup-compatibility/2006">
+        <mc:Choice xmlns:p14="http://schemas.microsoft.com/office/powerpoint/2010/main" Requires="p14">
+          <p:contentPart p14:bwMode="auto" r:id="rId12">
+            <p14:nvContentPartPr>
+              <p14:cNvPr id="19" name="Ink 18">
+                <a:extLst>
+                  <a:ext uri="{FF2B5EF4-FFF2-40B4-BE49-F238E27FC236}">
+                    <a16:creationId xmlns:a16="http://schemas.microsoft.com/office/drawing/2014/main" id="{502FF44A-F29E-5032-3E76-01DB179BBE7D}"/>
+                  </a:ext>
+                </a:extLst>
+              </p14:cNvPr>
+              <p14:cNvContentPartPr/>
+              <p14:nvPr/>
+            </p14:nvContentPartPr>
+            <p14:xfrm>
+              <a:off x="4947597" y="3413763"/>
+              <a:ext cx="2154960" cy="937080"/>
+            </p14:xfrm>
+          </p:contentPart>
+        </mc:Choice>
+        <mc:Fallback>
+          <p:pic>
+            <p:nvPicPr>
+              <p:cNvPr id="19" name="Ink 18">
+                <a:extLst>
+                  <a:ext uri="{FF2B5EF4-FFF2-40B4-BE49-F238E27FC236}">
+                    <a16:creationId xmlns:a16="http://schemas.microsoft.com/office/drawing/2014/main" id="{502FF44A-F29E-5032-3E76-01DB179BBE7D}"/>
+                  </a:ext>
+                </a:extLst>
+              </p:cNvPr>
+              <p:cNvPicPr/>
+              <p:nvPr/>
+            </p:nvPicPr>
+            <p:blipFill>
+              <a:blip r:embed="rId13"/>
+              <a:stretch>
+                <a:fillRect/>
+              </a:stretch>
+            </p:blipFill>
+            <p:spPr>
+              <a:xfrm>
+                <a:off x="4893957" y="3306123"/>
+                <a:ext cx="2262600" cy="1152720"/>
+              </a:xfrm>
+              <a:prstGeom prst="rect">
+                <a:avLst/>
+              </a:prstGeom>
+            </p:spPr>
+          </p:pic>
+        </mc:Fallback>
+      </mc:AlternateContent>
+      <mc:AlternateContent xmlns:mc="http://schemas.openxmlformats.org/markup-compatibility/2006">
+        <mc:Choice xmlns:p14="http://schemas.microsoft.com/office/powerpoint/2010/main" Requires="p14">
+          <p:contentPart p14:bwMode="auto" r:id="rId14">
+            <p14:nvContentPartPr>
+              <p14:cNvPr id="20" name="Ink 19">
+                <a:extLst>
+                  <a:ext uri="{FF2B5EF4-FFF2-40B4-BE49-F238E27FC236}">
+                    <a16:creationId xmlns:a16="http://schemas.microsoft.com/office/drawing/2014/main" id="{E0D50948-7B87-2C19-72E5-2ABBFDA54197}"/>
+                  </a:ext>
+                </a:extLst>
+              </p14:cNvPr>
+              <p14:cNvContentPartPr/>
+              <p14:nvPr/>
+            </p14:nvContentPartPr>
+            <p14:xfrm>
+              <a:off x="7150077" y="3325563"/>
+              <a:ext cx="2105280" cy="950040"/>
+            </p14:xfrm>
+          </p:contentPart>
+        </mc:Choice>
+        <mc:Fallback>
+          <p:pic>
+            <p:nvPicPr>
+              <p:cNvPr id="20" name="Ink 19">
+                <a:extLst>
+                  <a:ext uri="{FF2B5EF4-FFF2-40B4-BE49-F238E27FC236}">
+                    <a16:creationId xmlns:a16="http://schemas.microsoft.com/office/drawing/2014/main" id="{E0D50948-7B87-2C19-72E5-2ABBFDA54197}"/>
+                  </a:ext>
+                </a:extLst>
+              </p:cNvPr>
+              <p:cNvPicPr/>
+              <p:nvPr/>
+            </p:nvPicPr>
+            <p:blipFill>
+              <a:blip r:embed="rId15"/>
+              <a:stretch>
+                <a:fillRect/>
+              </a:stretch>
+            </p:blipFill>
+            <p:spPr>
+              <a:xfrm>
+                <a:off x="7096437" y="3217563"/>
+                <a:ext cx="2212920" cy="1165680"/>
+              </a:xfrm>
+              <a:prstGeom prst="rect">
+                <a:avLst/>
+              </a:prstGeom>
+            </p:spPr>
+          </p:pic>
+        </mc:Fallback>
+      </mc:AlternateContent>
+      <mc:AlternateContent xmlns:mc="http://schemas.openxmlformats.org/markup-compatibility/2006">
+        <mc:Choice xmlns:p14="http://schemas.microsoft.com/office/powerpoint/2010/main" Requires="p14">
+          <p:contentPart p14:bwMode="auto" r:id="rId16">
+            <p14:nvContentPartPr>
+              <p14:cNvPr id="22" name="Ink 21">
+                <a:extLst>
+                  <a:ext uri="{FF2B5EF4-FFF2-40B4-BE49-F238E27FC236}">
+                    <a16:creationId xmlns:a16="http://schemas.microsoft.com/office/drawing/2014/main" id="{2140F520-BDCE-C4E1-68A0-000674B24E5C}"/>
+                  </a:ext>
+                </a:extLst>
+              </p14:cNvPr>
+              <p14:cNvContentPartPr/>
+              <p14:nvPr/>
+            </p14:nvContentPartPr>
+            <p14:xfrm>
+              <a:off x="5003397" y="4526163"/>
+              <a:ext cx="2142360" cy="812880"/>
+            </p14:xfrm>
+          </p:contentPart>
+        </mc:Choice>
+        <mc:Fallback>
+          <p:pic>
+            <p:nvPicPr>
+              <p:cNvPr id="22" name="Ink 21">
+                <a:extLst>
+                  <a:ext uri="{FF2B5EF4-FFF2-40B4-BE49-F238E27FC236}">
+                    <a16:creationId xmlns:a16="http://schemas.microsoft.com/office/drawing/2014/main" id="{2140F520-BDCE-C4E1-68A0-000674B24E5C}"/>
+                  </a:ext>
+                </a:extLst>
+              </p:cNvPr>
+              <p:cNvPicPr/>
+              <p:nvPr/>
+            </p:nvPicPr>
+            <p:blipFill>
+              <a:blip r:embed="rId17"/>
+              <a:stretch>
+                <a:fillRect/>
+              </a:stretch>
+            </p:blipFill>
+            <p:spPr>
+              <a:xfrm>
+                <a:off x="4949757" y="4418523"/>
+                <a:ext cx="2250000" cy="1028520"/>
+              </a:xfrm>
+              <a:prstGeom prst="rect">
+                <a:avLst/>
+              </a:prstGeom>
+            </p:spPr>
+          </p:pic>
+        </mc:Fallback>
+      </mc:AlternateContent>
     </p:spTree>
     <p:extLst>
       <p:ext uri="{BB962C8B-B14F-4D97-AF65-F5344CB8AC3E}">
         <p14:creationId xmlns:p14="http://schemas.microsoft.com/office/powerpoint/2010/main" val="1032621155"/>
+      </p:ext>
+    </p:extLst>
+  </p:cSld>
+  <p:clrMapOvr>
+    <a:masterClrMapping/>
+  </p:clrMapOvr>
+</p:sld>
+</file>
+
+<file path=ppt/slides/slide2.xml><?xml version="1.0" encoding="utf-8"?>
+<p:sld xmlns:a="http://schemas.openxmlformats.org/drawingml/2006/main" xmlns:r="http://schemas.openxmlformats.org/officeDocument/2006/relationships" xmlns:p="http://schemas.openxmlformats.org/presentationml/2006/main">
+  <p:cSld>
+    <p:spTree>
+      <p:nvGrpSpPr>
+        <p:cNvPr id="1" name=""/>
+        <p:cNvGrpSpPr/>
+        <p:nvPr/>
+      </p:nvGrpSpPr>
+      <p:grpSpPr>
+        <a:xfrm>
+          <a:off x="0" y="0"/>
+          <a:ext cx="0" cy="0"/>
+          <a:chOff x="0" y="0"/>
+          <a:chExt cx="0" cy="0"/>
+        </a:xfrm>
+      </p:grpSpPr>
+      <p:pic>
+        <p:nvPicPr>
+          <p:cNvPr id="3" name="Picture 2" descr="Diagram&#10;&#10;Description automatically generated">
+            <a:extLst>
+              <a:ext uri="{FF2B5EF4-FFF2-40B4-BE49-F238E27FC236}">
+                <a16:creationId xmlns:a16="http://schemas.microsoft.com/office/drawing/2014/main" id="{5D07737E-623B-7B91-005C-BD531FC53BE5}"/>
+              </a:ext>
+            </a:extLst>
+          </p:cNvPr>
+          <p:cNvPicPr>
+            <a:picLocks noChangeAspect="1"/>
+          </p:cNvPicPr>
+          <p:nvPr/>
+        </p:nvPicPr>
+        <p:blipFill>
+          <a:blip r:embed="rId2"/>
+          <a:stretch>
+            <a:fillRect/>
+          </a:stretch>
+        </p:blipFill>
+        <p:spPr>
+          <a:xfrm>
+            <a:off x="0" y="1"/>
+            <a:ext cx="4219253" cy="2373330"/>
+          </a:xfrm>
+          <a:prstGeom prst="rect">
+            <a:avLst/>
+          </a:prstGeom>
+        </p:spPr>
+      </p:pic>
+      <mc:AlternateContent xmlns:mc="http://schemas.openxmlformats.org/markup-compatibility/2006">
+        <mc:Choice xmlns:p14="http://schemas.microsoft.com/office/powerpoint/2010/main" Requires="p14">
+          <p:contentPart p14:bwMode="auto" r:id="rId3">
+            <p14:nvContentPartPr>
+              <p14:cNvPr id="20" name="Ink 19">
+                <a:extLst>
+                  <a:ext uri="{FF2B5EF4-FFF2-40B4-BE49-F238E27FC236}">
+                    <a16:creationId xmlns:a16="http://schemas.microsoft.com/office/drawing/2014/main" id="{12FF71D5-45A5-ABE0-429E-DECE471CA878}"/>
+                  </a:ext>
+                </a:extLst>
+              </p14:cNvPr>
+              <p14:cNvContentPartPr/>
+              <p14:nvPr/>
+            </p14:nvContentPartPr>
+            <p14:xfrm>
+              <a:off x="5465997" y="2542563"/>
+              <a:ext cx="2555280" cy="1292760"/>
+            </p14:xfrm>
+          </p:contentPart>
+        </mc:Choice>
+        <mc:Fallback>
+          <p:pic>
+            <p:nvPicPr>
+              <p:cNvPr id="20" name="Ink 19">
+                <a:extLst>
+                  <a:ext uri="{FF2B5EF4-FFF2-40B4-BE49-F238E27FC236}">
+                    <a16:creationId xmlns:a16="http://schemas.microsoft.com/office/drawing/2014/main" id="{12FF71D5-45A5-ABE0-429E-DECE471CA878}"/>
+                  </a:ext>
+                </a:extLst>
+              </p:cNvPr>
+              <p:cNvPicPr/>
+              <p:nvPr/>
+            </p:nvPicPr>
+            <p:blipFill>
+              <a:blip r:embed="rId4"/>
+              <a:stretch>
+                <a:fillRect/>
+              </a:stretch>
+            </p:blipFill>
+            <p:spPr>
+              <a:xfrm>
+                <a:off x="5447997" y="2524923"/>
+                <a:ext cx="2590920" cy="1328400"/>
+              </a:xfrm>
+              <a:prstGeom prst="rect">
+                <a:avLst/>
+              </a:prstGeom>
+            </p:spPr>
+          </p:pic>
+        </mc:Fallback>
+      </mc:AlternateContent>
+      <mc:AlternateContent xmlns:mc="http://schemas.openxmlformats.org/markup-compatibility/2006">
+        <mc:Choice xmlns:p14="http://schemas.microsoft.com/office/powerpoint/2010/main" Requires="p14">
+          <p:contentPart p14:bwMode="auto" r:id="rId5">
+            <p14:nvContentPartPr>
+              <p14:cNvPr id="22" name="Ink 21">
+                <a:extLst>
+                  <a:ext uri="{FF2B5EF4-FFF2-40B4-BE49-F238E27FC236}">
+                    <a16:creationId xmlns:a16="http://schemas.microsoft.com/office/drawing/2014/main" id="{58B078FE-C470-23A9-4DC5-9F993EC0B8B3}"/>
+                  </a:ext>
+                </a:extLst>
+              </p14:cNvPr>
+              <p14:cNvContentPartPr/>
+              <p14:nvPr/>
+            </p14:nvContentPartPr>
+            <p14:xfrm flipH="1">
+              <a:off x="8104744" y="2542563"/>
+              <a:ext cx="2555280" cy="1292760"/>
+            </p14:xfrm>
+          </p:contentPart>
+        </mc:Choice>
+        <mc:Fallback>
+          <p:pic>
+            <p:nvPicPr>
+              <p:cNvPr id="22" name="Ink 21">
+                <a:extLst>
+                  <a:ext uri="{FF2B5EF4-FFF2-40B4-BE49-F238E27FC236}">
+                    <a16:creationId xmlns:a16="http://schemas.microsoft.com/office/drawing/2014/main" id="{58B078FE-C470-23A9-4DC5-9F993EC0B8B3}"/>
+                  </a:ext>
+                </a:extLst>
+              </p:cNvPr>
+              <p:cNvPicPr/>
+              <p:nvPr/>
+            </p:nvPicPr>
+            <p:blipFill>
+              <a:blip r:embed="rId6"/>
+              <a:stretch>
+                <a:fillRect/>
+              </a:stretch>
+            </p:blipFill>
+            <p:spPr>
+              <a:xfrm flipH="1">
+                <a:off x="8087104" y="2524923"/>
+                <a:ext cx="2590920" cy="1328400"/>
+              </a:xfrm>
+              <a:prstGeom prst="rect">
+                <a:avLst/>
+              </a:prstGeom>
+            </p:spPr>
+          </p:pic>
+        </mc:Fallback>
+      </mc:AlternateContent>
+      <mc:AlternateContent xmlns:mc="http://schemas.openxmlformats.org/markup-compatibility/2006">
+        <mc:Choice xmlns:p14="http://schemas.microsoft.com/office/powerpoint/2010/main" Requires="p14">
+          <p:contentPart p14:bwMode="auto" r:id="rId7">
+            <p14:nvContentPartPr>
+              <p14:cNvPr id="23" name="Ink 22">
+                <a:extLst>
+                  <a:ext uri="{FF2B5EF4-FFF2-40B4-BE49-F238E27FC236}">
+                    <a16:creationId xmlns:a16="http://schemas.microsoft.com/office/drawing/2014/main" id="{C3E7F26A-25D9-CDF8-A08F-10544451EEB2}"/>
+                  </a:ext>
+                </a:extLst>
+              </p14:cNvPr>
+              <p14:cNvContentPartPr/>
+              <p14:nvPr/>
+            </p14:nvContentPartPr>
+            <p14:xfrm>
+              <a:off x="5905557" y="3159243"/>
+              <a:ext cx="4122000" cy="425160"/>
+            </p14:xfrm>
+          </p:contentPart>
+        </mc:Choice>
+        <mc:Fallback>
+          <p:pic>
+            <p:nvPicPr>
+              <p:cNvPr id="23" name="Ink 22">
+                <a:extLst>
+                  <a:ext uri="{FF2B5EF4-FFF2-40B4-BE49-F238E27FC236}">
+                    <a16:creationId xmlns:a16="http://schemas.microsoft.com/office/drawing/2014/main" id="{C3E7F26A-25D9-CDF8-A08F-10544451EEB2}"/>
+                  </a:ext>
+                </a:extLst>
+              </p:cNvPr>
+              <p:cNvPicPr/>
+              <p:nvPr/>
+            </p:nvPicPr>
+            <p:blipFill>
+              <a:blip r:embed="rId8"/>
+              <a:stretch>
+                <a:fillRect/>
+              </a:stretch>
+            </p:blipFill>
+            <p:spPr>
+              <a:xfrm>
+                <a:off x="5887917" y="3141243"/>
+                <a:ext cx="4157640" cy="460800"/>
+              </a:xfrm>
+              <a:prstGeom prst="rect">
+                <a:avLst/>
+              </a:prstGeom>
+            </p:spPr>
+          </p:pic>
+        </mc:Fallback>
+      </mc:AlternateContent>
+      <mc:AlternateContent xmlns:mc="http://schemas.openxmlformats.org/markup-compatibility/2006">
+        <mc:Choice xmlns:p14="http://schemas.microsoft.com/office/powerpoint/2010/main" Requires="p14">
+          <p:contentPart p14:bwMode="auto" r:id="rId9">
+            <p14:nvContentPartPr>
+              <p14:cNvPr id="24" name="Ink 23">
+                <a:extLst>
+                  <a:ext uri="{FF2B5EF4-FFF2-40B4-BE49-F238E27FC236}">
+                    <a16:creationId xmlns:a16="http://schemas.microsoft.com/office/drawing/2014/main" id="{3B94F03D-CFAD-6645-5B6B-8FE98BFAB8E4}"/>
+                  </a:ext>
+                </a:extLst>
+              </p14:cNvPr>
+              <p14:cNvContentPartPr/>
+              <p14:nvPr/>
+            </p14:nvContentPartPr>
+            <p14:xfrm>
+              <a:off x="5512077" y="3653163"/>
+              <a:ext cx="5007960" cy="312120"/>
+            </p14:xfrm>
+          </p:contentPart>
+        </mc:Choice>
+        <mc:Fallback>
+          <p:pic>
+            <p:nvPicPr>
+              <p:cNvPr id="24" name="Ink 23">
+                <a:extLst>
+                  <a:ext uri="{FF2B5EF4-FFF2-40B4-BE49-F238E27FC236}">
+                    <a16:creationId xmlns:a16="http://schemas.microsoft.com/office/drawing/2014/main" id="{3B94F03D-CFAD-6645-5B6B-8FE98BFAB8E4}"/>
+                  </a:ext>
+                </a:extLst>
+              </p:cNvPr>
+              <p:cNvPicPr/>
+              <p:nvPr/>
+            </p:nvPicPr>
+            <p:blipFill>
+              <a:blip r:embed="rId10"/>
+              <a:stretch>
+                <a:fillRect/>
+              </a:stretch>
+            </p:blipFill>
+            <p:spPr>
+              <a:xfrm>
+                <a:off x="5494077" y="3635163"/>
+                <a:ext cx="5043600" cy="347760"/>
+              </a:xfrm>
+              <a:prstGeom prst="rect">
+                <a:avLst/>
+              </a:prstGeom>
+            </p:spPr>
+          </p:pic>
+        </mc:Fallback>
+      </mc:AlternateContent>
+      <mc:AlternateContent xmlns:mc="http://schemas.openxmlformats.org/markup-compatibility/2006">
+        <mc:Choice xmlns:p14="http://schemas.microsoft.com/office/powerpoint/2010/main" Requires="p14">
+          <p:contentPart p14:bwMode="auto" r:id="rId11">
+            <p14:nvContentPartPr>
+              <p14:cNvPr id="25" name="Ink 24">
+                <a:extLst>
+                  <a:ext uri="{FF2B5EF4-FFF2-40B4-BE49-F238E27FC236}">
+                    <a16:creationId xmlns:a16="http://schemas.microsoft.com/office/drawing/2014/main" id="{E30D2CBA-6D3F-09B8-A2E8-AC3173407B47}"/>
+                  </a:ext>
+                </a:extLst>
+              </p14:cNvPr>
+              <p14:cNvContentPartPr/>
+              <p14:nvPr/>
+            </p14:nvContentPartPr>
+            <p14:xfrm>
+              <a:off x="8057277" y="2155923"/>
+              <a:ext cx="18720" cy="400680"/>
+            </p14:xfrm>
+          </p:contentPart>
+        </mc:Choice>
+        <mc:Fallback>
+          <p:pic>
+            <p:nvPicPr>
+              <p:cNvPr id="25" name="Ink 24">
+                <a:extLst>
+                  <a:ext uri="{FF2B5EF4-FFF2-40B4-BE49-F238E27FC236}">
+                    <a16:creationId xmlns:a16="http://schemas.microsoft.com/office/drawing/2014/main" id="{E30D2CBA-6D3F-09B8-A2E8-AC3173407B47}"/>
+                  </a:ext>
+                </a:extLst>
+              </p:cNvPr>
+              <p:cNvPicPr/>
+              <p:nvPr/>
+            </p:nvPicPr>
+            <p:blipFill>
+              <a:blip r:embed="rId12"/>
+              <a:stretch>
+                <a:fillRect/>
+              </a:stretch>
+            </p:blipFill>
+            <p:spPr>
+              <a:xfrm>
+                <a:off x="8039637" y="2138283"/>
+                <a:ext cx="54360" cy="436320"/>
+              </a:xfrm>
+              <a:prstGeom prst="rect">
+                <a:avLst/>
+              </a:prstGeom>
+            </p:spPr>
+          </p:pic>
+        </mc:Fallback>
+      </mc:AlternateContent>
+      <mc:AlternateContent xmlns:mc="http://schemas.openxmlformats.org/markup-compatibility/2006">
+        <mc:Choice xmlns:p14="http://schemas.microsoft.com/office/powerpoint/2010/main" Requires="p14">
+          <p:contentPart p14:bwMode="auto" r:id="rId13">
+            <p14:nvContentPartPr>
+              <p14:cNvPr id="26" name="Ink 25">
+                <a:extLst>
+                  <a:ext uri="{FF2B5EF4-FFF2-40B4-BE49-F238E27FC236}">
+                    <a16:creationId xmlns:a16="http://schemas.microsoft.com/office/drawing/2014/main" id="{81CB21EB-B2EA-3DA4-3911-B51DF9C85946}"/>
+                  </a:ext>
+                </a:extLst>
+              </p14:cNvPr>
+              <p14:cNvContentPartPr/>
+              <p14:nvPr/>
+            </p14:nvContentPartPr>
+            <p14:xfrm>
+              <a:off x="7617717" y="3672963"/>
+              <a:ext cx="484560" cy="2607120"/>
+            </p14:xfrm>
+          </p:contentPart>
+        </mc:Choice>
+        <mc:Fallback>
+          <p:pic>
+            <p:nvPicPr>
+              <p:cNvPr id="26" name="Ink 25">
+                <a:extLst>
+                  <a:ext uri="{FF2B5EF4-FFF2-40B4-BE49-F238E27FC236}">
+                    <a16:creationId xmlns:a16="http://schemas.microsoft.com/office/drawing/2014/main" id="{81CB21EB-B2EA-3DA4-3911-B51DF9C85946}"/>
+                  </a:ext>
+                </a:extLst>
+              </p:cNvPr>
+              <p:cNvPicPr/>
+              <p:nvPr/>
+            </p:nvPicPr>
+            <p:blipFill>
+              <a:blip r:embed="rId14"/>
+              <a:stretch>
+                <a:fillRect/>
+              </a:stretch>
+            </p:blipFill>
+            <p:spPr>
+              <a:xfrm>
+                <a:off x="7600077" y="3654963"/>
+                <a:ext cx="520200" cy="2642760"/>
+              </a:xfrm>
+              <a:prstGeom prst="rect">
+                <a:avLst/>
+              </a:prstGeom>
+            </p:spPr>
+          </p:pic>
+        </mc:Fallback>
+      </mc:AlternateContent>
+      <mc:AlternateContent xmlns:mc="http://schemas.openxmlformats.org/markup-compatibility/2006">
+        <mc:Choice xmlns:p14="http://schemas.microsoft.com/office/powerpoint/2010/main" Requires="p14">
+          <p:contentPart p14:bwMode="auto" r:id="rId15">
+            <p14:nvContentPartPr>
+              <p14:cNvPr id="32" name="Ink 31">
+                <a:extLst>
+                  <a:ext uri="{FF2B5EF4-FFF2-40B4-BE49-F238E27FC236}">
+                    <a16:creationId xmlns:a16="http://schemas.microsoft.com/office/drawing/2014/main" id="{3211F957-4E8B-0872-0FE6-8719FD54D951}"/>
+                  </a:ext>
+                </a:extLst>
+              </p14:cNvPr>
+              <p14:cNvContentPartPr/>
+              <p14:nvPr/>
+            </p14:nvContentPartPr>
+            <p14:xfrm>
+              <a:off x="6661557" y="3314763"/>
+              <a:ext cx="379800" cy="568440"/>
+            </p14:xfrm>
+          </p:contentPart>
+        </mc:Choice>
+        <mc:Fallback>
+          <p:pic>
+            <p:nvPicPr>
+              <p:cNvPr id="32" name="Ink 31">
+                <a:extLst>
+                  <a:ext uri="{FF2B5EF4-FFF2-40B4-BE49-F238E27FC236}">
+                    <a16:creationId xmlns:a16="http://schemas.microsoft.com/office/drawing/2014/main" id="{3211F957-4E8B-0872-0FE6-8719FD54D951}"/>
+                  </a:ext>
+                </a:extLst>
+              </p:cNvPr>
+              <p:cNvPicPr/>
+              <p:nvPr/>
+            </p:nvPicPr>
+            <p:blipFill>
+              <a:blip r:embed="rId16"/>
+              <a:stretch>
+                <a:fillRect/>
+              </a:stretch>
+            </p:blipFill>
+            <p:spPr>
+              <a:xfrm>
+                <a:off x="6643917" y="3296763"/>
+                <a:ext cx="415440" cy="604080"/>
+              </a:xfrm>
+              <a:prstGeom prst="rect">
+                <a:avLst/>
+              </a:prstGeom>
+            </p:spPr>
+          </p:pic>
+        </mc:Fallback>
+      </mc:AlternateContent>
+      <mc:AlternateContent xmlns:mc="http://schemas.openxmlformats.org/markup-compatibility/2006">
+        <mc:Choice xmlns:p14="http://schemas.microsoft.com/office/powerpoint/2010/main" Requires="p14">
+          <p:contentPart p14:bwMode="auto" r:id="rId17">
+            <p14:nvContentPartPr>
+              <p14:cNvPr id="33" name="Ink 32">
+                <a:extLst>
+                  <a:ext uri="{FF2B5EF4-FFF2-40B4-BE49-F238E27FC236}">
+                    <a16:creationId xmlns:a16="http://schemas.microsoft.com/office/drawing/2014/main" id="{1053AC36-9359-743A-2EDD-9B2060A6A47F}"/>
+                  </a:ext>
+                </a:extLst>
+              </p14:cNvPr>
+              <p14:cNvContentPartPr/>
+              <p14:nvPr/>
+            </p14:nvContentPartPr>
+            <p14:xfrm>
+              <a:off x="8822997" y="3217923"/>
+              <a:ext cx="496440" cy="698400"/>
+            </p14:xfrm>
+          </p:contentPart>
+        </mc:Choice>
+        <mc:Fallback>
+          <p:pic>
+            <p:nvPicPr>
+              <p:cNvPr id="33" name="Ink 32">
+                <a:extLst>
+                  <a:ext uri="{FF2B5EF4-FFF2-40B4-BE49-F238E27FC236}">
+                    <a16:creationId xmlns:a16="http://schemas.microsoft.com/office/drawing/2014/main" id="{1053AC36-9359-743A-2EDD-9B2060A6A47F}"/>
+                  </a:ext>
+                </a:extLst>
+              </p:cNvPr>
+              <p:cNvPicPr/>
+              <p:nvPr/>
+            </p:nvPicPr>
+            <p:blipFill>
+              <a:blip r:embed="rId18"/>
+              <a:stretch>
+                <a:fillRect/>
+              </a:stretch>
+            </p:blipFill>
+            <p:spPr>
+              <a:xfrm>
+                <a:off x="8805357" y="3200283"/>
+                <a:ext cx="532080" cy="734040"/>
+              </a:xfrm>
+              <a:prstGeom prst="rect">
+                <a:avLst/>
+              </a:prstGeom>
+            </p:spPr>
+          </p:pic>
+        </mc:Fallback>
+      </mc:AlternateContent>
+      <mc:AlternateContent xmlns:mc="http://schemas.openxmlformats.org/markup-compatibility/2006">
+        <mc:Choice xmlns:p14="http://schemas.microsoft.com/office/powerpoint/2010/main" Requires="p14">
+          <p:contentPart p14:bwMode="auto" r:id="rId19">
+            <p14:nvContentPartPr>
+              <p14:cNvPr id="34" name="Ink 33">
+                <a:extLst>
+                  <a:ext uri="{FF2B5EF4-FFF2-40B4-BE49-F238E27FC236}">
+                    <a16:creationId xmlns:a16="http://schemas.microsoft.com/office/drawing/2014/main" id="{E59D3631-9F75-4A62-FAE9-37EA61D2CECE}"/>
+                  </a:ext>
+                </a:extLst>
+              </p14:cNvPr>
+              <p14:cNvContentPartPr/>
+              <p14:nvPr/>
+            </p14:nvContentPartPr>
+            <p14:xfrm>
+              <a:off x="8027037" y="2708523"/>
+              <a:ext cx="62640" cy="812880"/>
+            </p14:xfrm>
+          </p:contentPart>
+        </mc:Choice>
+        <mc:Fallback>
+          <p:pic>
+            <p:nvPicPr>
+              <p:cNvPr id="34" name="Ink 33">
+                <a:extLst>
+                  <a:ext uri="{FF2B5EF4-FFF2-40B4-BE49-F238E27FC236}">
+                    <a16:creationId xmlns:a16="http://schemas.microsoft.com/office/drawing/2014/main" id="{E59D3631-9F75-4A62-FAE9-37EA61D2CECE}"/>
+                  </a:ext>
+                </a:extLst>
+              </p:cNvPr>
+              <p:cNvPicPr/>
+              <p:nvPr/>
+            </p:nvPicPr>
+            <p:blipFill>
+              <a:blip r:embed="rId20"/>
+              <a:stretch>
+                <a:fillRect/>
+              </a:stretch>
+            </p:blipFill>
+            <p:spPr>
+              <a:xfrm>
+                <a:off x="8009037" y="2690523"/>
+                <a:ext cx="98280" cy="848520"/>
+              </a:xfrm>
+              <a:prstGeom prst="rect">
+                <a:avLst/>
+              </a:prstGeom>
+            </p:spPr>
+          </p:pic>
+        </mc:Fallback>
+      </mc:AlternateContent>
+      <mc:AlternateContent xmlns:mc="http://schemas.openxmlformats.org/markup-compatibility/2006">
+        <mc:Choice xmlns:p14="http://schemas.microsoft.com/office/powerpoint/2010/main" Requires="p14">
+          <p:contentPart p14:bwMode="auto" r:id="rId21">
+            <p14:nvContentPartPr>
+              <p14:cNvPr id="35" name="Ink 34">
+                <a:extLst>
+                  <a:ext uri="{FF2B5EF4-FFF2-40B4-BE49-F238E27FC236}">
+                    <a16:creationId xmlns:a16="http://schemas.microsoft.com/office/drawing/2014/main" id="{87C83904-B441-6612-699B-7327EA3E2143}"/>
+                  </a:ext>
+                </a:extLst>
+              </p14:cNvPr>
+              <p14:cNvContentPartPr/>
+              <p14:nvPr/>
+            </p14:nvContentPartPr>
+            <p14:xfrm>
+              <a:off x="4580397" y="2911563"/>
+              <a:ext cx="360" cy="360"/>
+            </p14:xfrm>
+          </p:contentPart>
+        </mc:Choice>
+        <mc:Fallback>
+          <p:pic>
+            <p:nvPicPr>
+              <p:cNvPr id="35" name="Ink 34">
+                <a:extLst>
+                  <a:ext uri="{FF2B5EF4-FFF2-40B4-BE49-F238E27FC236}">
+                    <a16:creationId xmlns:a16="http://schemas.microsoft.com/office/drawing/2014/main" id="{87C83904-B441-6612-699B-7327EA3E2143}"/>
+                  </a:ext>
+                </a:extLst>
+              </p:cNvPr>
+              <p:cNvPicPr/>
+              <p:nvPr/>
+            </p:nvPicPr>
+            <p:blipFill>
+              <a:blip r:embed="rId22"/>
+              <a:stretch>
+                <a:fillRect/>
+              </a:stretch>
+            </p:blipFill>
+            <p:spPr>
+              <a:xfrm>
+                <a:off x="4562397" y="2893563"/>
+                <a:ext cx="36000" cy="36000"/>
+              </a:xfrm>
+              <a:prstGeom prst="rect">
+                <a:avLst/>
+              </a:prstGeom>
+            </p:spPr>
+          </p:pic>
+        </mc:Fallback>
+      </mc:AlternateContent>
+      <mc:AlternateContent xmlns:mc="http://schemas.openxmlformats.org/markup-compatibility/2006">
+        <mc:Choice xmlns:p14="http://schemas.microsoft.com/office/powerpoint/2010/main" Requires="p14">
+          <p:contentPart p14:bwMode="auto" r:id="rId23">
+            <p14:nvContentPartPr>
+              <p14:cNvPr id="36" name="Ink 35">
+                <a:extLst>
+                  <a:ext uri="{FF2B5EF4-FFF2-40B4-BE49-F238E27FC236}">
+                    <a16:creationId xmlns:a16="http://schemas.microsoft.com/office/drawing/2014/main" id="{18FFBA27-6AE5-39BC-A8B9-117FD0D1B72A}"/>
+                  </a:ext>
+                </a:extLst>
+              </p14:cNvPr>
+              <p14:cNvContentPartPr/>
+              <p14:nvPr/>
+            </p14:nvContentPartPr>
+            <p14:xfrm>
+              <a:off x="6180597" y="2690163"/>
+              <a:ext cx="3625920" cy="735480"/>
+            </p14:xfrm>
+          </p:contentPart>
+        </mc:Choice>
+        <mc:Fallback>
+          <p:pic>
+            <p:nvPicPr>
+              <p:cNvPr id="36" name="Ink 35">
+                <a:extLst>
+                  <a:ext uri="{FF2B5EF4-FFF2-40B4-BE49-F238E27FC236}">
+                    <a16:creationId xmlns:a16="http://schemas.microsoft.com/office/drawing/2014/main" id="{18FFBA27-6AE5-39BC-A8B9-117FD0D1B72A}"/>
+                  </a:ext>
+                </a:extLst>
+              </p:cNvPr>
+              <p:cNvPicPr/>
+              <p:nvPr/>
+            </p:nvPicPr>
+            <p:blipFill>
+              <a:blip r:embed="rId24"/>
+              <a:stretch>
+                <a:fillRect/>
+              </a:stretch>
+            </p:blipFill>
+            <p:spPr>
+              <a:xfrm>
+                <a:off x="6126957" y="2582163"/>
+                <a:ext cx="3733560" cy="951120"/>
+              </a:xfrm>
+              <a:prstGeom prst="rect">
+                <a:avLst/>
+              </a:prstGeom>
+            </p:spPr>
+          </p:pic>
+        </mc:Fallback>
+      </mc:AlternateContent>
+      <mc:AlternateContent xmlns:mc="http://schemas.openxmlformats.org/markup-compatibility/2006">
+        <mc:Choice xmlns:p14="http://schemas.microsoft.com/office/powerpoint/2010/main" Requires="p14">
+          <p:contentPart p14:bwMode="auto" r:id="rId25">
+            <p14:nvContentPartPr>
+              <p14:cNvPr id="37" name="Ink 36">
+                <a:extLst>
+                  <a:ext uri="{FF2B5EF4-FFF2-40B4-BE49-F238E27FC236}">
+                    <a16:creationId xmlns:a16="http://schemas.microsoft.com/office/drawing/2014/main" id="{139C628D-046A-56A0-355A-BE76CF24837C}"/>
+                  </a:ext>
+                </a:extLst>
+              </p14:cNvPr>
+              <p14:cNvContentPartPr/>
+              <p14:nvPr/>
+            </p14:nvContentPartPr>
+            <p14:xfrm>
+              <a:off x="5736357" y="3383163"/>
+              <a:ext cx="1199880" cy="349200"/>
+            </p14:xfrm>
+          </p:contentPart>
+        </mc:Choice>
+        <mc:Fallback>
+          <p:pic>
+            <p:nvPicPr>
+              <p:cNvPr id="37" name="Ink 36">
+                <a:extLst>
+                  <a:ext uri="{FF2B5EF4-FFF2-40B4-BE49-F238E27FC236}">
+                    <a16:creationId xmlns:a16="http://schemas.microsoft.com/office/drawing/2014/main" id="{139C628D-046A-56A0-355A-BE76CF24837C}"/>
+                  </a:ext>
+                </a:extLst>
+              </p:cNvPr>
+              <p:cNvPicPr/>
+              <p:nvPr/>
+            </p:nvPicPr>
+            <p:blipFill>
+              <a:blip r:embed="rId26"/>
+              <a:stretch>
+                <a:fillRect/>
+              </a:stretch>
+            </p:blipFill>
+            <p:spPr>
+              <a:xfrm>
+                <a:off x="5682357" y="3275523"/>
+                <a:ext cx="1307520" cy="564840"/>
+              </a:xfrm>
+              <a:prstGeom prst="rect">
+                <a:avLst/>
+              </a:prstGeom>
+            </p:spPr>
+          </p:pic>
+        </mc:Fallback>
+      </mc:AlternateContent>
+      <mc:AlternateContent xmlns:mc="http://schemas.openxmlformats.org/markup-compatibility/2006">
+        <mc:Choice xmlns:p14="http://schemas.microsoft.com/office/powerpoint/2010/main" Requires="p14">
+          <p:contentPart p14:bwMode="auto" r:id="rId27">
+            <p14:nvContentPartPr>
+              <p14:cNvPr id="38" name="Ink 37">
+                <a:extLst>
+                  <a:ext uri="{FF2B5EF4-FFF2-40B4-BE49-F238E27FC236}">
+                    <a16:creationId xmlns:a16="http://schemas.microsoft.com/office/drawing/2014/main" id="{57A54F41-D44E-750B-01C6-103EB86A6063}"/>
+                  </a:ext>
+                </a:extLst>
+              </p14:cNvPr>
+              <p14:cNvContentPartPr/>
+              <p14:nvPr/>
+            </p14:nvContentPartPr>
+            <p14:xfrm>
+              <a:off x="6804117" y="3391083"/>
+              <a:ext cx="1206720" cy="357120"/>
+            </p14:xfrm>
+          </p:contentPart>
+        </mc:Choice>
+        <mc:Fallback>
+          <p:pic>
+            <p:nvPicPr>
+              <p:cNvPr id="38" name="Ink 37">
+                <a:extLst>
+                  <a:ext uri="{FF2B5EF4-FFF2-40B4-BE49-F238E27FC236}">
+                    <a16:creationId xmlns:a16="http://schemas.microsoft.com/office/drawing/2014/main" id="{57A54F41-D44E-750B-01C6-103EB86A6063}"/>
+                  </a:ext>
+                </a:extLst>
+              </p:cNvPr>
+              <p:cNvPicPr/>
+              <p:nvPr/>
+            </p:nvPicPr>
+            <p:blipFill>
+              <a:blip r:embed="rId28"/>
+              <a:stretch>
+                <a:fillRect/>
+              </a:stretch>
+            </p:blipFill>
+            <p:spPr>
+              <a:xfrm>
+                <a:off x="6750117" y="3283443"/>
+                <a:ext cx="1314360" cy="572760"/>
+              </a:xfrm>
+              <a:prstGeom prst="rect">
+                <a:avLst/>
+              </a:prstGeom>
+            </p:spPr>
+          </p:pic>
+        </mc:Fallback>
+      </mc:AlternateContent>
+      <mc:AlternateContent xmlns:mc="http://schemas.openxmlformats.org/markup-compatibility/2006">
+        <mc:Choice xmlns:p14="http://schemas.microsoft.com/office/powerpoint/2010/main" Requires="p14">
+          <p:contentPart p14:bwMode="auto" r:id="rId29">
+            <p14:nvContentPartPr>
+              <p14:cNvPr id="39" name="Ink 38">
+                <a:extLst>
+                  <a:ext uri="{FF2B5EF4-FFF2-40B4-BE49-F238E27FC236}">
+                    <a16:creationId xmlns:a16="http://schemas.microsoft.com/office/drawing/2014/main" id="{29F8433B-EAE9-A808-F3E0-BF1F7D8CC04C}"/>
+                  </a:ext>
+                </a:extLst>
+              </p14:cNvPr>
+              <p14:cNvContentPartPr/>
+              <p14:nvPr/>
+            </p14:nvContentPartPr>
+            <p14:xfrm>
+              <a:off x="8152317" y="3345723"/>
+              <a:ext cx="1071720" cy="459360"/>
+            </p14:xfrm>
+          </p:contentPart>
+        </mc:Choice>
+        <mc:Fallback>
+          <p:pic>
+            <p:nvPicPr>
+              <p:cNvPr id="39" name="Ink 38">
+                <a:extLst>
+                  <a:ext uri="{FF2B5EF4-FFF2-40B4-BE49-F238E27FC236}">
+                    <a16:creationId xmlns:a16="http://schemas.microsoft.com/office/drawing/2014/main" id="{29F8433B-EAE9-A808-F3E0-BF1F7D8CC04C}"/>
+                  </a:ext>
+                </a:extLst>
+              </p:cNvPr>
+              <p:cNvPicPr/>
+              <p:nvPr/>
+            </p:nvPicPr>
+            <p:blipFill>
+              <a:blip r:embed="rId30"/>
+              <a:stretch>
+                <a:fillRect/>
+              </a:stretch>
+            </p:blipFill>
+            <p:spPr>
+              <a:xfrm>
+                <a:off x="8098677" y="3238083"/>
+                <a:ext cx="1179360" cy="675000"/>
+              </a:xfrm>
+              <a:prstGeom prst="rect">
+                <a:avLst/>
+              </a:prstGeom>
+            </p:spPr>
+          </p:pic>
+        </mc:Fallback>
+      </mc:AlternateContent>
+      <mc:AlternateContent xmlns:mc="http://schemas.openxmlformats.org/markup-compatibility/2006">
+        <mc:Choice xmlns:p14="http://schemas.microsoft.com/office/powerpoint/2010/main" Requires="p14">
+          <p:contentPart p14:bwMode="auto" r:id="rId31">
+            <p14:nvContentPartPr>
+              <p14:cNvPr id="40" name="Ink 39">
+                <a:extLst>
+                  <a:ext uri="{FF2B5EF4-FFF2-40B4-BE49-F238E27FC236}">
+                    <a16:creationId xmlns:a16="http://schemas.microsoft.com/office/drawing/2014/main" id="{E5A918B3-FD0F-9B13-C55C-DD9BEDAFA2B6}"/>
+                  </a:ext>
+                </a:extLst>
+              </p14:cNvPr>
+              <p14:cNvContentPartPr/>
+              <p14:nvPr/>
+            </p14:nvContentPartPr>
+            <p14:xfrm>
+              <a:off x="8956917" y="3243123"/>
+              <a:ext cx="1363680" cy="426240"/>
+            </p14:xfrm>
+          </p:contentPart>
+        </mc:Choice>
+        <mc:Fallback>
+          <p:pic>
+            <p:nvPicPr>
+              <p:cNvPr id="40" name="Ink 39">
+                <a:extLst>
+                  <a:ext uri="{FF2B5EF4-FFF2-40B4-BE49-F238E27FC236}">
+                    <a16:creationId xmlns:a16="http://schemas.microsoft.com/office/drawing/2014/main" id="{E5A918B3-FD0F-9B13-C55C-DD9BEDAFA2B6}"/>
+                  </a:ext>
+                </a:extLst>
+              </p:cNvPr>
+              <p:cNvPicPr/>
+              <p:nvPr/>
+            </p:nvPicPr>
+            <p:blipFill>
+              <a:blip r:embed="rId32"/>
+              <a:stretch>
+                <a:fillRect/>
+              </a:stretch>
+            </p:blipFill>
+            <p:spPr>
+              <a:xfrm>
+                <a:off x="8902917" y="3135123"/>
+                <a:ext cx="1471320" cy="641880"/>
+              </a:xfrm>
+              <a:prstGeom prst="rect">
+                <a:avLst/>
+              </a:prstGeom>
+            </p:spPr>
+          </p:pic>
+        </mc:Fallback>
+      </mc:AlternateContent>
+      <mc:AlternateContent xmlns:mc="http://schemas.openxmlformats.org/markup-compatibility/2006">
+        <mc:Choice xmlns:p14="http://schemas.microsoft.com/office/powerpoint/2010/main" Requires="p14">
+          <p:contentPart p14:bwMode="auto" r:id="rId33">
+            <p14:nvContentPartPr>
+              <p14:cNvPr id="42" name="Ink 41">
+                <a:extLst>
+                  <a:ext uri="{FF2B5EF4-FFF2-40B4-BE49-F238E27FC236}">
+                    <a16:creationId xmlns:a16="http://schemas.microsoft.com/office/drawing/2014/main" id="{699D1BF7-2046-862A-74E5-EDA48C4EF2FE}"/>
+                  </a:ext>
+                </a:extLst>
+              </p14:cNvPr>
+              <p14:cNvContentPartPr/>
+              <p14:nvPr/>
+            </p14:nvContentPartPr>
+            <p14:xfrm>
+              <a:off x="7632117" y="5950683"/>
+              <a:ext cx="412920" cy="275400"/>
+            </p14:xfrm>
+          </p:contentPart>
+        </mc:Choice>
+        <mc:Fallback>
+          <p:pic>
+            <p:nvPicPr>
+              <p:cNvPr id="42" name="Ink 41">
+                <a:extLst>
+                  <a:ext uri="{FF2B5EF4-FFF2-40B4-BE49-F238E27FC236}">
+                    <a16:creationId xmlns:a16="http://schemas.microsoft.com/office/drawing/2014/main" id="{699D1BF7-2046-862A-74E5-EDA48C4EF2FE}"/>
+                  </a:ext>
+                </a:extLst>
+              </p:cNvPr>
+              <p:cNvPicPr/>
+              <p:nvPr/>
+            </p:nvPicPr>
+            <p:blipFill>
+              <a:blip r:embed="rId34"/>
+              <a:stretch>
+                <a:fillRect/>
+              </a:stretch>
+            </p:blipFill>
+            <p:spPr>
+              <a:xfrm>
+                <a:off x="7614477" y="5915043"/>
+                <a:ext cx="448560" cy="347040"/>
+              </a:xfrm>
+              <a:prstGeom prst="rect">
+                <a:avLst/>
+              </a:prstGeom>
+            </p:spPr>
+          </p:pic>
+        </mc:Fallback>
+      </mc:AlternateContent>
+      <p:sp>
+        <p:nvSpPr>
+          <p:cNvPr id="43" name="TextBox 42">
+            <a:extLst>
+              <a:ext uri="{FF2B5EF4-FFF2-40B4-BE49-F238E27FC236}">
+                <a16:creationId xmlns:a16="http://schemas.microsoft.com/office/drawing/2014/main" id="{134FAD77-C0EB-34D8-1F2A-50AC54CA0CA9}"/>
+              </a:ext>
+            </a:extLst>
+          </p:cNvPr>
+          <p:cNvSpPr txBox="1"/>
+          <p:nvPr/>
+        </p:nvSpPr>
+        <p:spPr>
+          <a:xfrm>
+            <a:off x="7184696" y="2723391"/>
+            <a:ext cx="2039341" cy="461665"/>
+          </a:xfrm>
+          <a:prstGeom prst="rect">
+            <a:avLst/>
+          </a:prstGeom>
+          <a:noFill/>
+        </p:spPr>
+        <p:txBody>
+          <a:bodyPr wrap="none" rtlCol="0">
+            <a:spAutoFit/>
+          </a:bodyPr>
+          <a:lstStyle/>
+          <a:p>
+            <a:r>
+              <a:rPr lang="en-US" sz="2400" b="1" dirty="0"/>
+              <a:t>Open   Science</a:t>
+            </a:r>
+          </a:p>
+        </p:txBody>
+      </p:sp>
+      <p:sp>
+        <p:nvSpPr>
+          <p:cNvPr id="44" name="TextBox 43">
+            <a:extLst>
+              <a:ext uri="{FF2B5EF4-FFF2-40B4-BE49-F238E27FC236}">
+                <a16:creationId xmlns:a16="http://schemas.microsoft.com/office/drawing/2014/main" id="{CF67D1CF-1196-EB25-2308-02A58121A45B}"/>
+              </a:ext>
+            </a:extLst>
+          </p:cNvPr>
+          <p:cNvSpPr txBox="1"/>
+          <p:nvPr/>
+        </p:nvSpPr>
+        <p:spPr>
+          <a:xfrm>
+            <a:off x="5949665" y="4129184"/>
+            <a:ext cx="1973144" cy="1631216"/>
+          </a:xfrm>
+          <a:prstGeom prst="rect">
+            <a:avLst/>
+          </a:prstGeom>
+          <a:noFill/>
+        </p:spPr>
+        <p:txBody>
+          <a:bodyPr wrap="square" rtlCol="0">
+            <a:spAutoFit/>
+          </a:bodyPr>
+          <a:lstStyle/>
+          <a:p>
+            <a:pPr algn="r">
+              <a:spcBef>
+                <a:spcPts val="600"/>
+              </a:spcBef>
+            </a:pPr>
+            <a:r>
+              <a:rPr lang="en-US"/>
+              <a:t>Open Educational </a:t>
+            </a:r>
+            <a:r>
+              <a:rPr lang="en-US" dirty="0"/>
+              <a:t>R</a:t>
+            </a:r>
+            <a:r>
+              <a:rPr lang="en-US"/>
+              <a:t>esources</a:t>
+            </a:r>
+            <a:endParaRPr lang="en-US" dirty="0"/>
+          </a:p>
+          <a:p>
+            <a:pPr algn="r">
+              <a:spcBef>
+                <a:spcPts val="600"/>
+              </a:spcBef>
+            </a:pPr>
+            <a:r>
+              <a:rPr lang="en-US" dirty="0"/>
+              <a:t>Equity, Diversity, and Inclusion</a:t>
+            </a:r>
+          </a:p>
+          <a:p>
+            <a:pPr algn="r">
+              <a:spcBef>
+                <a:spcPts val="600"/>
+              </a:spcBef>
+            </a:pPr>
+            <a:r>
+              <a:rPr lang="en-US" dirty="0"/>
+              <a:t>Citizen Science</a:t>
+            </a:r>
+          </a:p>
+        </p:txBody>
+      </p:sp>
+      <p:sp>
+        <p:nvSpPr>
+          <p:cNvPr id="45" name="TextBox 44">
+            <a:extLst>
+              <a:ext uri="{FF2B5EF4-FFF2-40B4-BE49-F238E27FC236}">
+                <a16:creationId xmlns:a16="http://schemas.microsoft.com/office/drawing/2014/main" id="{9CE8548A-4539-5636-7785-EFE0EA84850C}"/>
+              </a:ext>
+            </a:extLst>
+          </p:cNvPr>
+          <p:cNvSpPr txBox="1"/>
+          <p:nvPr/>
+        </p:nvSpPr>
+        <p:spPr>
+          <a:xfrm>
+            <a:off x="8139895" y="4126203"/>
+            <a:ext cx="2235952" cy="1661993"/>
+          </a:xfrm>
+          <a:prstGeom prst="rect">
+            <a:avLst/>
+          </a:prstGeom>
+          <a:noFill/>
+        </p:spPr>
+        <p:txBody>
+          <a:bodyPr wrap="square" rtlCol="0">
+            <a:spAutoFit/>
+          </a:bodyPr>
+          <a:lstStyle/>
+          <a:p>
+            <a:pPr>
+              <a:spcBef>
+                <a:spcPts val="600"/>
+              </a:spcBef>
+              <a:spcAft>
+                <a:spcPts val="600"/>
+              </a:spcAft>
+            </a:pPr>
+            <a:r>
+              <a:rPr lang="en-US" dirty="0"/>
+              <a:t>Open Scholarship </a:t>
+            </a:r>
+          </a:p>
+          <a:p>
+            <a:pPr>
+              <a:spcBef>
+                <a:spcPts val="600"/>
+              </a:spcBef>
+              <a:spcAft>
+                <a:spcPts val="600"/>
+              </a:spcAft>
+            </a:pPr>
+            <a:r>
+              <a:rPr lang="en-US" dirty="0"/>
+              <a:t>Open Access</a:t>
+            </a:r>
+          </a:p>
+          <a:p>
+            <a:pPr>
+              <a:spcBef>
+                <a:spcPts val="600"/>
+              </a:spcBef>
+              <a:spcAft>
+                <a:spcPts val="600"/>
+              </a:spcAft>
+            </a:pPr>
+            <a:r>
+              <a:rPr lang="en-US" dirty="0"/>
+              <a:t>Open Source </a:t>
+            </a:r>
+          </a:p>
+          <a:p>
+            <a:pPr>
+              <a:spcBef>
+                <a:spcPts val="600"/>
+              </a:spcBef>
+              <a:spcAft>
+                <a:spcPts val="600"/>
+              </a:spcAft>
+            </a:pPr>
+            <a:r>
+              <a:rPr lang="en-US" dirty="0"/>
+              <a:t>Open Data</a:t>
+            </a:r>
+          </a:p>
+        </p:txBody>
+      </p:sp>
+    </p:spTree>
+    <p:extLst>
+      <p:ext uri="{BB962C8B-B14F-4D97-AF65-F5344CB8AC3E}">
+        <p14:creationId xmlns:p14="http://schemas.microsoft.com/office/powerpoint/2010/main" val="1924871545"/>
       </p:ext>
     </p:extLst>
   </p:cSld>
